--- a/sessoes-11-12/sessao-11.pptx
+++ b/sessoes-11-12/sessao-11.pptx
@@ -26,16 +26,23 @@
     <p:sldId id="271" r:id="rId20"/>
     <p:sldId id="272" r:id="rId21"/>
     <p:sldId id="273" r:id="rId22"/>
+    <p:sldId id="274" r:id="rId23"/>
+    <p:sldId id="275" r:id="rId24"/>
+    <p:sldId id="276" r:id="rId25"/>
+    <p:sldId id="277" r:id="rId26"/>
+    <p:sldId id="278" r:id="rId27"/>
+    <p:sldId id="279" r:id="rId28"/>
+    <p:sldId id="280" r:id="rId29"/>
   </p:sldIdLst>
   <p:sldSz cy="6858000" cx="9144000"/>
   <p:notesSz cx="6858000" cy="9144000"/>
   <p:embeddedFontLst>
     <p:embeddedFont>
       <p:font typeface="Open Sans"/>
-      <p:regular r:id="rId23"/>
-      <p:bold r:id="rId24"/>
-      <p:italic r:id="rId25"/>
-      <p:boldItalic r:id="rId26"/>
+      <p:regular r:id="rId30"/>
+      <p:bold r:id="rId31"/>
+      <p:italic r:id="rId32"/>
+      <p:boldItalic r:id="rId33"/>
     </p:embeddedFont>
   </p:embeddedFontLst>
   <p:defaultTextStyle>
@@ -2352,7 +2359,7 @@
   <p:cSld>
     <p:spTree>
       <p:nvGrpSpPr>
-        <p:cNvPr id="156" name="Shape 156"/>
+        <p:cNvPr id="157" name="Shape 157"/>
         <p:cNvGrpSpPr/>
         <p:nvPr/>
       </p:nvGrpSpPr>
@@ -2366,7 +2373,7 @@
       </p:grpSpPr>
       <p:sp>
         <p:nvSpPr>
-          <p:cNvPr id="157" name="Google Shape;157;p13:notes"/>
+          <p:cNvPr id="158" name="Google Shape;158;p13:notes"/>
           <p:cNvSpPr/>
           <p:nvPr>
             <p:ph idx="2" type="sldImg"/>
@@ -2411,7 +2418,7 @@
       </p:sp>
       <p:sp>
         <p:nvSpPr>
-          <p:cNvPr id="158" name="Google Shape;158;p13:notes"/>
+          <p:cNvPr id="159" name="Google Shape;159;p13:notes"/>
           <p:cNvSpPr txBox="1"/>
           <p:nvPr>
             <p:ph idx="1" type="body"/>
@@ -2467,7 +2474,7 @@
       </p:sp>
       <p:sp>
         <p:nvSpPr>
-          <p:cNvPr id="159" name="Google Shape;159;p13:notes"/>
+          <p:cNvPr id="160" name="Google Shape;160;p13:notes"/>
           <p:cNvSpPr txBox="1"/>
           <p:nvPr>
             <p:ph idx="12" type="sldNum"/>
@@ -2538,7 +2545,7 @@
   <p:cSld>
     <p:spTree>
       <p:nvGrpSpPr>
-        <p:cNvPr id="164" name="Shape 164"/>
+        <p:cNvPr id="165" name="Shape 165"/>
         <p:cNvGrpSpPr/>
         <p:nvPr/>
       </p:nvGrpSpPr>
@@ -2552,7 +2559,7 @@
       </p:grpSpPr>
       <p:sp>
         <p:nvSpPr>
-          <p:cNvPr id="165" name="Google Shape;165;p14:notes"/>
+          <p:cNvPr id="166" name="Google Shape;166;p14:notes"/>
           <p:cNvSpPr/>
           <p:nvPr>
             <p:ph idx="2" type="sldImg"/>
@@ -2597,7 +2604,7 @@
       </p:sp>
       <p:sp>
         <p:nvSpPr>
-          <p:cNvPr id="166" name="Google Shape;166;p14:notes"/>
+          <p:cNvPr id="167" name="Google Shape;167;p14:notes"/>
           <p:cNvSpPr txBox="1"/>
           <p:nvPr>
             <p:ph idx="1" type="body"/>
@@ -2653,7 +2660,7 @@
       </p:sp>
       <p:sp>
         <p:nvSpPr>
-          <p:cNvPr id="167" name="Google Shape;167;p14:notes"/>
+          <p:cNvPr id="168" name="Google Shape;168;p14:notes"/>
           <p:cNvSpPr txBox="1"/>
           <p:nvPr>
             <p:ph idx="12" type="sldNum"/>
@@ -2724,7 +2731,7 @@
   <p:cSld>
     <p:spTree>
       <p:nvGrpSpPr>
-        <p:cNvPr id="172" name="Shape 172"/>
+        <p:cNvPr id="173" name="Shape 173"/>
         <p:cNvGrpSpPr/>
         <p:nvPr/>
       </p:nvGrpSpPr>
@@ -2738,7 +2745,7 @@
       </p:grpSpPr>
       <p:sp>
         <p:nvSpPr>
-          <p:cNvPr id="173" name="Google Shape;173;p15:notes"/>
+          <p:cNvPr id="174" name="Google Shape;174;p15:notes"/>
           <p:cNvSpPr/>
           <p:nvPr>
             <p:ph idx="2" type="sldImg"/>
@@ -2783,7 +2790,7 @@
       </p:sp>
       <p:sp>
         <p:nvSpPr>
-          <p:cNvPr id="174" name="Google Shape;174;p15:notes"/>
+          <p:cNvPr id="175" name="Google Shape;175;p15:notes"/>
           <p:cNvSpPr txBox="1"/>
           <p:nvPr>
             <p:ph idx="1" type="body"/>
@@ -2839,7 +2846,7 @@
       </p:sp>
       <p:sp>
         <p:nvSpPr>
-          <p:cNvPr id="175" name="Google Shape;175;p15:notes"/>
+          <p:cNvPr id="176" name="Google Shape;176;p15:notes"/>
           <p:cNvSpPr txBox="1"/>
           <p:nvPr>
             <p:ph idx="12" type="sldNum"/>
@@ -2910,7 +2917,7 @@
   <p:cSld>
     <p:spTree>
       <p:nvGrpSpPr>
-        <p:cNvPr id="180" name="Shape 180"/>
+        <p:cNvPr id="181" name="Shape 181"/>
         <p:cNvGrpSpPr/>
         <p:nvPr/>
       </p:nvGrpSpPr>
@@ -2924,7 +2931,7 @@
       </p:grpSpPr>
       <p:sp>
         <p:nvSpPr>
-          <p:cNvPr id="181" name="Google Shape;181;p16:notes"/>
+          <p:cNvPr id="182" name="Google Shape;182;p16:notes"/>
           <p:cNvSpPr/>
           <p:nvPr>
             <p:ph idx="2" type="sldImg"/>
@@ -2969,7 +2976,7 @@
       </p:sp>
       <p:sp>
         <p:nvSpPr>
-          <p:cNvPr id="182" name="Google Shape;182;p16:notes"/>
+          <p:cNvPr id="183" name="Google Shape;183;p16:notes"/>
           <p:cNvSpPr txBox="1"/>
           <p:nvPr>
             <p:ph idx="1" type="body"/>
@@ -3025,7 +3032,7 @@
       </p:sp>
       <p:sp>
         <p:nvSpPr>
-          <p:cNvPr id="183" name="Google Shape;183;p16:notes"/>
+          <p:cNvPr id="184" name="Google Shape;184;p16:notes"/>
           <p:cNvSpPr txBox="1"/>
           <p:nvPr>
             <p:ph idx="12" type="sldNum"/>
@@ -3096,7 +3103,7 @@
   <p:cSld>
     <p:spTree>
       <p:nvGrpSpPr>
-        <p:cNvPr id="188" name="Shape 188"/>
+        <p:cNvPr id="189" name="Shape 189"/>
         <p:cNvGrpSpPr/>
         <p:nvPr/>
       </p:nvGrpSpPr>
@@ -3110,7 +3117,7 @@
       </p:grpSpPr>
       <p:sp>
         <p:nvSpPr>
-          <p:cNvPr id="189" name="Google Shape;189;p17:notes"/>
+          <p:cNvPr id="190" name="Google Shape;190;p17:notes"/>
           <p:cNvSpPr/>
           <p:nvPr>
             <p:ph idx="2" type="sldImg"/>
@@ -3155,7 +3162,7 @@
       </p:sp>
       <p:sp>
         <p:nvSpPr>
-          <p:cNvPr id="190" name="Google Shape;190;p17:notes"/>
+          <p:cNvPr id="191" name="Google Shape;191;p17:notes"/>
           <p:cNvSpPr txBox="1"/>
           <p:nvPr>
             <p:ph idx="1" type="body"/>
@@ -3211,7 +3218,7 @@
       </p:sp>
       <p:sp>
         <p:nvSpPr>
-          <p:cNvPr id="191" name="Google Shape;191;p17:notes"/>
+          <p:cNvPr id="192" name="Google Shape;192;p17:notes"/>
           <p:cNvSpPr txBox="1"/>
           <p:nvPr>
             <p:ph idx="12" type="sldNum"/>
@@ -3282,7 +3289,7 @@
   <p:cSld>
     <p:spTree>
       <p:nvGrpSpPr>
-        <p:cNvPr id="196" name="Shape 196"/>
+        <p:cNvPr id="197" name="Shape 197"/>
         <p:cNvGrpSpPr/>
         <p:nvPr/>
       </p:nvGrpSpPr>
@@ -3296,7 +3303,7 @@
       </p:grpSpPr>
       <p:sp>
         <p:nvSpPr>
-          <p:cNvPr id="197" name="Google Shape;197;p18:notes"/>
+          <p:cNvPr id="198" name="Google Shape;198;p18:notes"/>
           <p:cNvSpPr/>
           <p:nvPr>
             <p:ph idx="2" type="sldImg"/>
@@ -3341,7 +3348,7 @@
       </p:sp>
       <p:sp>
         <p:nvSpPr>
-          <p:cNvPr id="198" name="Google Shape;198;p18:notes"/>
+          <p:cNvPr id="199" name="Google Shape;199;p18:notes"/>
           <p:cNvSpPr txBox="1"/>
           <p:nvPr>
             <p:ph idx="1" type="body"/>
@@ -3397,7 +3404,193 @@
       </p:sp>
       <p:sp>
         <p:nvSpPr>
-          <p:cNvPr id="199" name="Google Shape;199;p18:notes"/>
+          <p:cNvPr id="200" name="Google Shape;200;p18:notes"/>
+          <p:cNvSpPr txBox="1"/>
+          <p:nvPr>
+            <p:ph idx="12" type="sldNum"/>
+          </p:nvPr>
+        </p:nvSpPr>
+        <p:spPr>
+          <a:xfrm>
+            <a:off x="3884612" y="8685213"/>
+            <a:ext cx="2971799" cy="457200"/>
+          </a:xfrm>
+          <a:prstGeom prst="rect">
+            <a:avLst/>
+          </a:prstGeom>
+          <a:noFill/>
+          <a:ln>
+            <a:noFill/>
+          </a:ln>
+        </p:spPr>
+        <p:txBody>
+          <a:bodyPr anchorCtr="0" anchor="b" bIns="45700" lIns="91425" spcFirstLastPara="1" rIns="91425" wrap="square" tIns="45700">
+            <a:noAutofit/>
+          </a:bodyPr>
+          <a:lstStyle/>
+          <a:p>
+            <a:pPr indent="0" lvl="0" marL="0" marR="0" rtl="0" algn="l">
+              <a:lnSpc>
+                <a:spcPct val="100000"/>
+              </a:lnSpc>
+              <a:spcBef>
+                <a:spcPts val="0"/>
+              </a:spcBef>
+              <a:spcAft>
+                <a:spcPts val="0"/>
+              </a:spcAft>
+              <a:buClr>
+                <a:srgbClr val="000000"/>
+              </a:buClr>
+              <a:buSzPts val="350"/>
+              <a:buFont typeface="Arial"/>
+              <a:buNone/>
+            </a:pPr>
+            <a:fld id="{00000000-1234-1234-1234-123412341234}" type="slidenum">
+              <a:rPr b="0" i="0" lang="en-US" sz="1400" u="none" cap="none" strike="noStrike">
+                <a:solidFill>
+                  <a:srgbClr val="000000"/>
+                </a:solidFill>
+                <a:latin typeface="Arial"/>
+                <a:ea typeface="Arial"/>
+                <a:cs typeface="Arial"/>
+                <a:sym typeface="Arial"/>
+              </a:rPr>
+              <a:t>‹#›</a:t>
+            </a:fld>
+            <a:endParaRPr/>
+          </a:p>
+        </p:txBody>
+      </p:sp>
+    </p:spTree>
+  </p:cSld>
+  <p:clrMapOvr>
+    <a:masterClrMapping/>
+  </p:clrMapOvr>
+</p:notes>
+</file>
+
+<file path=ppt/notesSlides/notesSlide19.xml><?xml version="1.0" encoding="utf-8"?>
+<p:notes xmlns:a="http://schemas.openxmlformats.org/drawingml/2006/main" xmlns:r="http://schemas.openxmlformats.org/officeDocument/2006/relationships" xmlns:mc="http://schemas.openxmlformats.org/markup-compatibility/2006" xmlns:mv="urn:schemas-microsoft-com:mac:vml" xmlns:p="http://schemas.openxmlformats.org/presentationml/2006/main" xmlns:c="http://schemas.openxmlformats.org/drawingml/2006/chart" xmlns:dgm="http://schemas.openxmlformats.org/drawingml/2006/diagram" xmlns:o="urn:schemas-microsoft-com:office:office" xmlns:v="urn:schemas-microsoft-com:vml" xmlns:pvml="urn:schemas-microsoft-com:office:powerpoint" xmlns:com="http://schemas.openxmlformats.org/drawingml/2006/compatibility" xmlns:p14="http://schemas.microsoft.com/office/powerpoint/2010/main" xmlns:p15="http://schemas.microsoft.com/office/powerpoint/2012/main" xmlns:ahyp="http://schemas.microsoft.com/office/drawing/2018/hyperlinkcolor" showMasterPhAnim="0" showMasterSp="0">
+  <p:cSld>
+    <p:spTree>
+      <p:nvGrpSpPr>
+        <p:cNvPr id="205" name="Shape 205"/>
+        <p:cNvGrpSpPr/>
+        <p:nvPr/>
+      </p:nvGrpSpPr>
+      <p:grpSpPr>
+        <a:xfrm>
+          <a:off x="0" y="0"/>
+          <a:ext cx="0" cy="0"/>
+          <a:chOff x="0" y="0"/>
+          <a:chExt cx="0" cy="0"/>
+        </a:xfrm>
+      </p:grpSpPr>
+      <p:sp>
+        <p:nvSpPr>
+          <p:cNvPr id="206" name="Google Shape;206;p19:notes"/>
+          <p:cNvSpPr/>
+          <p:nvPr>
+            <p:ph idx="2" type="sldImg"/>
+          </p:nvPr>
+        </p:nvSpPr>
+        <p:spPr>
+          <a:xfrm>
+            <a:off x="1143000" y="685800"/>
+            <a:ext cx="4572000" cy="3429000"/>
+          </a:xfrm>
+          <a:custGeom>
+            <a:rect b="b" l="l" r="r" t="t"/>
+            <a:pathLst>
+              <a:path extrusionOk="0" h="120000" w="120000">
+                <a:moveTo>
+                  <a:pt x="0" y="0"/>
+                </a:moveTo>
+                <a:lnTo>
+                  <a:pt x="120000" y="0"/>
+                </a:lnTo>
+                <a:lnTo>
+                  <a:pt x="120000" y="120000"/>
+                </a:lnTo>
+                <a:lnTo>
+                  <a:pt x="0" y="120000"/>
+                </a:lnTo>
+                <a:close/>
+              </a:path>
+            </a:pathLst>
+          </a:custGeom>
+          <a:noFill/>
+          <a:ln cap="flat" cmpd="sng" w="12700">
+            <a:solidFill>
+              <a:srgbClr val="000000"/>
+            </a:solidFill>
+            <a:prstDash val="solid"/>
+            <a:round/>
+            <a:headEnd len="sm" w="sm" type="none"/>
+            <a:tailEnd len="sm" w="sm" type="none"/>
+          </a:ln>
+        </p:spPr>
+      </p:sp>
+      <p:sp>
+        <p:nvSpPr>
+          <p:cNvPr id="207" name="Google Shape;207;p19:notes"/>
+          <p:cNvSpPr txBox="1"/>
+          <p:nvPr>
+            <p:ph idx="1" type="body"/>
+          </p:nvPr>
+        </p:nvSpPr>
+        <p:spPr>
+          <a:xfrm>
+            <a:off x="685800" y="4343400"/>
+            <a:ext cx="5486400" cy="4114800"/>
+          </a:xfrm>
+          <a:prstGeom prst="rect">
+            <a:avLst/>
+          </a:prstGeom>
+          <a:noFill/>
+          <a:ln>
+            <a:noFill/>
+          </a:ln>
+        </p:spPr>
+        <p:txBody>
+          <a:bodyPr anchorCtr="0" anchor="t" bIns="91425" lIns="91425" spcFirstLastPara="1" rIns="91425" wrap="square" tIns="91425">
+            <a:noAutofit/>
+          </a:bodyPr>
+          <a:lstStyle/>
+          <a:p>
+            <a:pPr indent="0" lvl="0" marL="0" marR="0" rtl="0" algn="l">
+              <a:spcBef>
+                <a:spcPts val="0"/>
+              </a:spcBef>
+              <a:spcAft>
+                <a:spcPts val="0"/>
+              </a:spcAft>
+              <a:buClr>
+                <a:schemeClr val="dk1"/>
+              </a:buClr>
+              <a:buSzPts val="300"/>
+              <a:buFont typeface="Calibri"/>
+              <a:buNone/>
+            </a:pPr>
+            <a:r>
+              <a:t/>
+            </a:r>
+            <a:endParaRPr b="0" i="0" sz="1200" u="none" cap="none" strike="noStrike">
+              <a:solidFill>
+                <a:schemeClr val="dk1"/>
+              </a:solidFill>
+              <a:latin typeface="Calibri"/>
+              <a:ea typeface="Calibri"/>
+              <a:cs typeface="Calibri"/>
+              <a:sym typeface="Calibri"/>
+            </a:endParaRPr>
+          </a:p>
+        </p:txBody>
+      </p:sp>
+      <p:sp>
+        <p:nvSpPr>
+          <p:cNvPr id="208" name="Google Shape;208;p19:notes"/>
           <p:cNvSpPr txBox="1"/>
           <p:nvPr>
             <p:ph idx="12" type="sldNum"/>
@@ -3584,6 +3777,1122 @@
       <p:sp>
         <p:nvSpPr>
           <p:cNvPr id="70" name="Google Shape;70;p2:notes"/>
+          <p:cNvSpPr txBox="1"/>
+          <p:nvPr>
+            <p:ph idx="12" type="sldNum"/>
+          </p:nvPr>
+        </p:nvSpPr>
+        <p:spPr>
+          <a:xfrm>
+            <a:off x="3884612" y="8685213"/>
+            <a:ext cx="2971799" cy="457200"/>
+          </a:xfrm>
+          <a:prstGeom prst="rect">
+            <a:avLst/>
+          </a:prstGeom>
+          <a:noFill/>
+          <a:ln>
+            <a:noFill/>
+          </a:ln>
+        </p:spPr>
+        <p:txBody>
+          <a:bodyPr anchorCtr="0" anchor="b" bIns="45700" lIns="91425" spcFirstLastPara="1" rIns="91425" wrap="square" tIns="45700">
+            <a:noAutofit/>
+          </a:bodyPr>
+          <a:lstStyle/>
+          <a:p>
+            <a:pPr indent="0" lvl="0" marL="0" marR="0" rtl="0" algn="l">
+              <a:lnSpc>
+                <a:spcPct val="100000"/>
+              </a:lnSpc>
+              <a:spcBef>
+                <a:spcPts val="0"/>
+              </a:spcBef>
+              <a:spcAft>
+                <a:spcPts val="0"/>
+              </a:spcAft>
+              <a:buClr>
+                <a:srgbClr val="000000"/>
+              </a:buClr>
+              <a:buSzPts val="350"/>
+              <a:buFont typeface="Arial"/>
+              <a:buNone/>
+            </a:pPr>
+            <a:fld id="{00000000-1234-1234-1234-123412341234}" type="slidenum">
+              <a:rPr b="0" i="0" lang="en-US" sz="1400" u="none" cap="none" strike="noStrike">
+                <a:solidFill>
+                  <a:srgbClr val="000000"/>
+                </a:solidFill>
+                <a:latin typeface="Arial"/>
+                <a:ea typeface="Arial"/>
+                <a:cs typeface="Arial"/>
+                <a:sym typeface="Arial"/>
+              </a:rPr>
+              <a:t>‹#›</a:t>
+            </a:fld>
+            <a:endParaRPr/>
+          </a:p>
+        </p:txBody>
+      </p:sp>
+    </p:spTree>
+  </p:cSld>
+  <p:clrMapOvr>
+    <a:masterClrMapping/>
+  </p:clrMapOvr>
+</p:notes>
+</file>
+
+<file path=ppt/notesSlides/notesSlide20.xml><?xml version="1.0" encoding="utf-8"?>
+<p:notes xmlns:a="http://schemas.openxmlformats.org/drawingml/2006/main" xmlns:r="http://schemas.openxmlformats.org/officeDocument/2006/relationships" xmlns:mc="http://schemas.openxmlformats.org/markup-compatibility/2006" xmlns:mv="urn:schemas-microsoft-com:mac:vml" xmlns:p="http://schemas.openxmlformats.org/presentationml/2006/main" xmlns:c="http://schemas.openxmlformats.org/drawingml/2006/chart" xmlns:dgm="http://schemas.openxmlformats.org/drawingml/2006/diagram" xmlns:o="urn:schemas-microsoft-com:office:office" xmlns:v="urn:schemas-microsoft-com:vml" xmlns:pvml="urn:schemas-microsoft-com:office:powerpoint" xmlns:com="http://schemas.openxmlformats.org/drawingml/2006/compatibility" xmlns:p14="http://schemas.microsoft.com/office/powerpoint/2010/main" xmlns:p15="http://schemas.microsoft.com/office/powerpoint/2012/main" xmlns:ahyp="http://schemas.microsoft.com/office/drawing/2018/hyperlinkcolor" showMasterPhAnim="0" showMasterSp="0">
+  <p:cSld>
+    <p:spTree>
+      <p:nvGrpSpPr>
+        <p:cNvPr id="213" name="Shape 213"/>
+        <p:cNvGrpSpPr/>
+        <p:nvPr/>
+      </p:nvGrpSpPr>
+      <p:grpSpPr>
+        <a:xfrm>
+          <a:off x="0" y="0"/>
+          <a:ext cx="0" cy="0"/>
+          <a:chOff x="0" y="0"/>
+          <a:chExt cx="0" cy="0"/>
+        </a:xfrm>
+      </p:grpSpPr>
+      <p:sp>
+        <p:nvSpPr>
+          <p:cNvPr id="214" name="Google Shape;214;p20:notes"/>
+          <p:cNvSpPr/>
+          <p:nvPr>
+            <p:ph idx="2" type="sldImg"/>
+          </p:nvPr>
+        </p:nvSpPr>
+        <p:spPr>
+          <a:xfrm>
+            <a:off x="1143000" y="685800"/>
+            <a:ext cx="4572000" cy="3429000"/>
+          </a:xfrm>
+          <a:custGeom>
+            <a:rect b="b" l="l" r="r" t="t"/>
+            <a:pathLst>
+              <a:path extrusionOk="0" h="120000" w="120000">
+                <a:moveTo>
+                  <a:pt x="0" y="0"/>
+                </a:moveTo>
+                <a:lnTo>
+                  <a:pt x="120000" y="0"/>
+                </a:lnTo>
+                <a:lnTo>
+                  <a:pt x="120000" y="120000"/>
+                </a:lnTo>
+                <a:lnTo>
+                  <a:pt x="0" y="120000"/>
+                </a:lnTo>
+                <a:close/>
+              </a:path>
+            </a:pathLst>
+          </a:custGeom>
+          <a:noFill/>
+          <a:ln cap="flat" cmpd="sng" w="12700">
+            <a:solidFill>
+              <a:srgbClr val="000000"/>
+            </a:solidFill>
+            <a:prstDash val="solid"/>
+            <a:round/>
+            <a:headEnd len="sm" w="sm" type="none"/>
+            <a:tailEnd len="sm" w="sm" type="none"/>
+          </a:ln>
+        </p:spPr>
+      </p:sp>
+      <p:sp>
+        <p:nvSpPr>
+          <p:cNvPr id="215" name="Google Shape;215;p20:notes"/>
+          <p:cNvSpPr txBox="1"/>
+          <p:nvPr>
+            <p:ph idx="1" type="body"/>
+          </p:nvPr>
+        </p:nvSpPr>
+        <p:spPr>
+          <a:xfrm>
+            <a:off x="685800" y="4343400"/>
+            <a:ext cx="5486400" cy="4114800"/>
+          </a:xfrm>
+          <a:prstGeom prst="rect">
+            <a:avLst/>
+          </a:prstGeom>
+          <a:noFill/>
+          <a:ln>
+            <a:noFill/>
+          </a:ln>
+        </p:spPr>
+        <p:txBody>
+          <a:bodyPr anchorCtr="0" anchor="t" bIns="91425" lIns="91425" spcFirstLastPara="1" rIns="91425" wrap="square" tIns="91425">
+            <a:noAutofit/>
+          </a:bodyPr>
+          <a:lstStyle/>
+          <a:p>
+            <a:pPr indent="0" lvl="0" marL="0" marR="0" rtl="0" algn="l">
+              <a:spcBef>
+                <a:spcPts val="0"/>
+              </a:spcBef>
+              <a:spcAft>
+                <a:spcPts val="0"/>
+              </a:spcAft>
+              <a:buClr>
+                <a:schemeClr val="dk1"/>
+              </a:buClr>
+              <a:buSzPts val="300"/>
+              <a:buFont typeface="Calibri"/>
+              <a:buNone/>
+            </a:pPr>
+            <a:r>
+              <a:t/>
+            </a:r>
+            <a:endParaRPr b="0" i="0" sz="1200" u="none" cap="none" strike="noStrike">
+              <a:solidFill>
+                <a:schemeClr val="dk1"/>
+              </a:solidFill>
+              <a:latin typeface="Calibri"/>
+              <a:ea typeface="Calibri"/>
+              <a:cs typeface="Calibri"/>
+              <a:sym typeface="Calibri"/>
+            </a:endParaRPr>
+          </a:p>
+        </p:txBody>
+      </p:sp>
+      <p:sp>
+        <p:nvSpPr>
+          <p:cNvPr id="216" name="Google Shape;216;p20:notes"/>
+          <p:cNvSpPr txBox="1"/>
+          <p:nvPr>
+            <p:ph idx="12" type="sldNum"/>
+          </p:nvPr>
+        </p:nvSpPr>
+        <p:spPr>
+          <a:xfrm>
+            <a:off x="3884612" y="8685213"/>
+            <a:ext cx="2971799" cy="457200"/>
+          </a:xfrm>
+          <a:prstGeom prst="rect">
+            <a:avLst/>
+          </a:prstGeom>
+          <a:noFill/>
+          <a:ln>
+            <a:noFill/>
+          </a:ln>
+        </p:spPr>
+        <p:txBody>
+          <a:bodyPr anchorCtr="0" anchor="b" bIns="45700" lIns="91425" spcFirstLastPara="1" rIns="91425" wrap="square" tIns="45700">
+            <a:noAutofit/>
+          </a:bodyPr>
+          <a:lstStyle/>
+          <a:p>
+            <a:pPr indent="0" lvl="0" marL="0" marR="0" rtl="0" algn="l">
+              <a:lnSpc>
+                <a:spcPct val="100000"/>
+              </a:lnSpc>
+              <a:spcBef>
+                <a:spcPts val="0"/>
+              </a:spcBef>
+              <a:spcAft>
+                <a:spcPts val="0"/>
+              </a:spcAft>
+              <a:buClr>
+                <a:srgbClr val="000000"/>
+              </a:buClr>
+              <a:buSzPts val="350"/>
+              <a:buFont typeface="Arial"/>
+              <a:buNone/>
+            </a:pPr>
+            <a:fld id="{00000000-1234-1234-1234-123412341234}" type="slidenum">
+              <a:rPr b="0" i="0" lang="en-US" sz="1400" u="none" cap="none" strike="noStrike">
+                <a:solidFill>
+                  <a:srgbClr val="000000"/>
+                </a:solidFill>
+                <a:latin typeface="Arial"/>
+                <a:ea typeface="Arial"/>
+                <a:cs typeface="Arial"/>
+                <a:sym typeface="Arial"/>
+              </a:rPr>
+              <a:t>‹#›</a:t>
+            </a:fld>
+            <a:endParaRPr/>
+          </a:p>
+        </p:txBody>
+      </p:sp>
+    </p:spTree>
+  </p:cSld>
+  <p:clrMapOvr>
+    <a:masterClrMapping/>
+  </p:clrMapOvr>
+</p:notes>
+</file>
+
+<file path=ppt/notesSlides/notesSlide21.xml><?xml version="1.0" encoding="utf-8"?>
+<p:notes xmlns:a="http://schemas.openxmlformats.org/drawingml/2006/main" xmlns:r="http://schemas.openxmlformats.org/officeDocument/2006/relationships" xmlns:mc="http://schemas.openxmlformats.org/markup-compatibility/2006" xmlns:mv="urn:schemas-microsoft-com:mac:vml" xmlns:p="http://schemas.openxmlformats.org/presentationml/2006/main" xmlns:c="http://schemas.openxmlformats.org/drawingml/2006/chart" xmlns:dgm="http://schemas.openxmlformats.org/drawingml/2006/diagram" xmlns:o="urn:schemas-microsoft-com:office:office" xmlns:v="urn:schemas-microsoft-com:vml" xmlns:pvml="urn:schemas-microsoft-com:office:powerpoint" xmlns:com="http://schemas.openxmlformats.org/drawingml/2006/compatibility" xmlns:p14="http://schemas.microsoft.com/office/powerpoint/2010/main" xmlns:p15="http://schemas.microsoft.com/office/powerpoint/2012/main" xmlns:ahyp="http://schemas.microsoft.com/office/drawing/2018/hyperlinkcolor" showMasterPhAnim="0" showMasterSp="0">
+  <p:cSld>
+    <p:spTree>
+      <p:nvGrpSpPr>
+        <p:cNvPr id="221" name="Shape 221"/>
+        <p:cNvGrpSpPr/>
+        <p:nvPr/>
+      </p:nvGrpSpPr>
+      <p:grpSpPr>
+        <a:xfrm>
+          <a:off x="0" y="0"/>
+          <a:ext cx="0" cy="0"/>
+          <a:chOff x="0" y="0"/>
+          <a:chExt cx="0" cy="0"/>
+        </a:xfrm>
+      </p:grpSpPr>
+      <p:sp>
+        <p:nvSpPr>
+          <p:cNvPr id="222" name="Google Shape;222;p21:notes"/>
+          <p:cNvSpPr/>
+          <p:nvPr>
+            <p:ph idx="2" type="sldImg"/>
+          </p:nvPr>
+        </p:nvSpPr>
+        <p:spPr>
+          <a:xfrm>
+            <a:off x="1143000" y="685800"/>
+            <a:ext cx="4572000" cy="3429000"/>
+          </a:xfrm>
+          <a:custGeom>
+            <a:rect b="b" l="l" r="r" t="t"/>
+            <a:pathLst>
+              <a:path extrusionOk="0" h="120000" w="120000">
+                <a:moveTo>
+                  <a:pt x="0" y="0"/>
+                </a:moveTo>
+                <a:lnTo>
+                  <a:pt x="120000" y="0"/>
+                </a:lnTo>
+                <a:lnTo>
+                  <a:pt x="120000" y="120000"/>
+                </a:lnTo>
+                <a:lnTo>
+                  <a:pt x="0" y="120000"/>
+                </a:lnTo>
+                <a:close/>
+              </a:path>
+            </a:pathLst>
+          </a:custGeom>
+          <a:noFill/>
+          <a:ln cap="flat" cmpd="sng" w="12700">
+            <a:solidFill>
+              <a:srgbClr val="000000"/>
+            </a:solidFill>
+            <a:prstDash val="solid"/>
+            <a:round/>
+            <a:headEnd len="sm" w="sm" type="none"/>
+            <a:tailEnd len="sm" w="sm" type="none"/>
+          </a:ln>
+        </p:spPr>
+      </p:sp>
+      <p:sp>
+        <p:nvSpPr>
+          <p:cNvPr id="223" name="Google Shape;223;p21:notes"/>
+          <p:cNvSpPr txBox="1"/>
+          <p:nvPr>
+            <p:ph idx="1" type="body"/>
+          </p:nvPr>
+        </p:nvSpPr>
+        <p:spPr>
+          <a:xfrm>
+            <a:off x="685800" y="4343400"/>
+            <a:ext cx="5486400" cy="4114800"/>
+          </a:xfrm>
+          <a:prstGeom prst="rect">
+            <a:avLst/>
+          </a:prstGeom>
+          <a:noFill/>
+          <a:ln>
+            <a:noFill/>
+          </a:ln>
+        </p:spPr>
+        <p:txBody>
+          <a:bodyPr anchorCtr="0" anchor="t" bIns="91425" lIns="91425" spcFirstLastPara="1" rIns="91425" wrap="square" tIns="91425">
+            <a:noAutofit/>
+          </a:bodyPr>
+          <a:lstStyle/>
+          <a:p>
+            <a:pPr indent="0" lvl="0" marL="0" marR="0" rtl="0" algn="l">
+              <a:spcBef>
+                <a:spcPts val="0"/>
+              </a:spcBef>
+              <a:spcAft>
+                <a:spcPts val="0"/>
+              </a:spcAft>
+              <a:buClr>
+                <a:schemeClr val="dk1"/>
+              </a:buClr>
+              <a:buSzPts val="300"/>
+              <a:buFont typeface="Calibri"/>
+              <a:buNone/>
+            </a:pPr>
+            <a:r>
+              <a:t/>
+            </a:r>
+            <a:endParaRPr b="0" i="0" sz="1200" u="none" cap="none" strike="noStrike">
+              <a:solidFill>
+                <a:schemeClr val="dk1"/>
+              </a:solidFill>
+              <a:latin typeface="Calibri"/>
+              <a:ea typeface="Calibri"/>
+              <a:cs typeface="Calibri"/>
+              <a:sym typeface="Calibri"/>
+            </a:endParaRPr>
+          </a:p>
+        </p:txBody>
+      </p:sp>
+      <p:sp>
+        <p:nvSpPr>
+          <p:cNvPr id="224" name="Google Shape;224;p21:notes"/>
+          <p:cNvSpPr txBox="1"/>
+          <p:nvPr>
+            <p:ph idx="12" type="sldNum"/>
+          </p:nvPr>
+        </p:nvSpPr>
+        <p:spPr>
+          <a:xfrm>
+            <a:off x="3884612" y="8685213"/>
+            <a:ext cx="2971799" cy="457200"/>
+          </a:xfrm>
+          <a:prstGeom prst="rect">
+            <a:avLst/>
+          </a:prstGeom>
+          <a:noFill/>
+          <a:ln>
+            <a:noFill/>
+          </a:ln>
+        </p:spPr>
+        <p:txBody>
+          <a:bodyPr anchorCtr="0" anchor="b" bIns="45700" lIns="91425" spcFirstLastPara="1" rIns="91425" wrap="square" tIns="45700">
+            <a:noAutofit/>
+          </a:bodyPr>
+          <a:lstStyle/>
+          <a:p>
+            <a:pPr indent="0" lvl="0" marL="0" marR="0" rtl="0" algn="l">
+              <a:lnSpc>
+                <a:spcPct val="100000"/>
+              </a:lnSpc>
+              <a:spcBef>
+                <a:spcPts val="0"/>
+              </a:spcBef>
+              <a:spcAft>
+                <a:spcPts val="0"/>
+              </a:spcAft>
+              <a:buClr>
+                <a:srgbClr val="000000"/>
+              </a:buClr>
+              <a:buSzPts val="350"/>
+              <a:buFont typeface="Arial"/>
+              <a:buNone/>
+            </a:pPr>
+            <a:fld id="{00000000-1234-1234-1234-123412341234}" type="slidenum">
+              <a:rPr b="0" i="0" lang="en-US" sz="1400" u="none" cap="none" strike="noStrike">
+                <a:solidFill>
+                  <a:srgbClr val="000000"/>
+                </a:solidFill>
+                <a:latin typeface="Arial"/>
+                <a:ea typeface="Arial"/>
+                <a:cs typeface="Arial"/>
+                <a:sym typeface="Arial"/>
+              </a:rPr>
+              <a:t>‹#›</a:t>
+            </a:fld>
+            <a:endParaRPr/>
+          </a:p>
+        </p:txBody>
+      </p:sp>
+    </p:spTree>
+  </p:cSld>
+  <p:clrMapOvr>
+    <a:masterClrMapping/>
+  </p:clrMapOvr>
+</p:notes>
+</file>
+
+<file path=ppt/notesSlides/notesSlide22.xml><?xml version="1.0" encoding="utf-8"?>
+<p:notes xmlns:a="http://schemas.openxmlformats.org/drawingml/2006/main" xmlns:r="http://schemas.openxmlformats.org/officeDocument/2006/relationships" xmlns:mc="http://schemas.openxmlformats.org/markup-compatibility/2006" xmlns:mv="urn:schemas-microsoft-com:mac:vml" xmlns:p="http://schemas.openxmlformats.org/presentationml/2006/main" xmlns:c="http://schemas.openxmlformats.org/drawingml/2006/chart" xmlns:dgm="http://schemas.openxmlformats.org/drawingml/2006/diagram" xmlns:o="urn:schemas-microsoft-com:office:office" xmlns:v="urn:schemas-microsoft-com:vml" xmlns:pvml="urn:schemas-microsoft-com:office:powerpoint" xmlns:com="http://schemas.openxmlformats.org/drawingml/2006/compatibility" xmlns:p14="http://schemas.microsoft.com/office/powerpoint/2010/main" xmlns:p15="http://schemas.microsoft.com/office/powerpoint/2012/main" xmlns:ahyp="http://schemas.microsoft.com/office/drawing/2018/hyperlinkcolor" showMasterPhAnim="0" showMasterSp="0">
+  <p:cSld>
+    <p:spTree>
+      <p:nvGrpSpPr>
+        <p:cNvPr id="230" name="Shape 230"/>
+        <p:cNvGrpSpPr/>
+        <p:nvPr/>
+      </p:nvGrpSpPr>
+      <p:grpSpPr>
+        <a:xfrm>
+          <a:off x="0" y="0"/>
+          <a:ext cx="0" cy="0"/>
+          <a:chOff x="0" y="0"/>
+          <a:chExt cx="0" cy="0"/>
+        </a:xfrm>
+      </p:grpSpPr>
+      <p:sp>
+        <p:nvSpPr>
+          <p:cNvPr id="231" name="Google Shape;231;p22:notes"/>
+          <p:cNvSpPr/>
+          <p:nvPr>
+            <p:ph idx="2" type="sldImg"/>
+          </p:nvPr>
+        </p:nvSpPr>
+        <p:spPr>
+          <a:xfrm>
+            <a:off x="1143000" y="685800"/>
+            <a:ext cx="4572000" cy="3429000"/>
+          </a:xfrm>
+          <a:custGeom>
+            <a:rect b="b" l="l" r="r" t="t"/>
+            <a:pathLst>
+              <a:path extrusionOk="0" h="120000" w="120000">
+                <a:moveTo>
+                  <a:pt x="0" y="0"/>
+                </a:moveTo>
+                <a:lnTo>
+                  <a:pt x="120000" y="0"/>
+                </a:lnTo>
+                <a:lnTo>
+                  <a:pt x="120000" y="120000"/>
+                </a:lnTo>
+                <a:lnTo>
+                  <a:pt x="0" y="120000"/>
+                </a:lnTo>
+                <a:close/>
+              </a:path>
+            </a:pathLst>
+          </a:custGeom>
+          <a:noFill/>
+          <a:ln cap="flat" cmpd="sng" w="12700">
+            <a:solidFill>
+              <a:srgbClr val="000000"/>
+            </a:solidFill>
+            <a:prstDash val="solid"/>
+            <a:round/>
+            <a:headEnd len="sm" w="sm" type="none"/>
+            <a:tailEnd len="sm" w="sm" type="none"/>
+          </a:ln>
+        </p:spPr>
+      </p:sp>
+      <p:sp>
+        <p:nvSpPr>
+          <p:cNvPr id="232" name="Google Shape;232;p22:notes"/>
+          <p:cNvSpPr txBox="1"/>
+          <p:nvPr>
+            <p:ph idx="1" type="body"/>
+          </p:nvPr>
+        </p:nvSpPr>
+        <p:spPr>
+          <a:xfrm>
+            <a:off x="685800" y="4343400"/>
+            <a:ext cx="5486400" cy="4114800"/>
+          </a:xfrm>
+          <a:prstGeom prst="rect">
+            <a:avLst/>
+          </a:prstGeom>
+          <a:noFill/>
+          <a:ln>
+            <a:noFill/>
+          </a:ln>
+        </p:spPr>
+        <p:txBody>
+          <a:bodyPr anchorCtr="0" anchor="t" bIns="91425" lIns="91425" spcFirstLastPara="1" rIns="91425" wrap="square" tIns="91425">
+            <a:noAutofit/>
+          </a:bodyPr>
+          <a:lstStyle/>
+          <a:p>
+            <a:pPr indent="0" lvl="0" marL="0" marR="0" rtl="0" algn="l">
+              <a:spcBef>
+                <a:spcPts val="0"/>
+              </a:spcBef>
+              <a:spcAft>
+                <a:spcPts val="0"/>
+              </a:spcAft>
+              <a:buClr>
+                <a:schemeClr val="dk1"/>
+              </a:buClr>
+              <a:buSzPts val="300"/>
+              <a:buFont typeface="Calibri"/>
+              <a:buNone/>
+            </a:pPr>
+            <a:r>
+              <a:t/>
+            </a:r>
+            <a:endParaRPr b="0" i="0" sz="1200" u="none" cap="none" strike="noStrike">
+              <a:solidFill>
+                <a:schemeClr val="dk1"/>
+              </a:solidFill>
+              <a:latin typeface="Calibri"/>
+              <a:ea typeface="Calibri"/>
+              <a:cs typeface="Calibri"/>
+              <a:sym typeface="Calibri"/>
+            </a:endParaRPr>
+          </a:p>
+        </p:txBody>
+      </p:sp>
+      <p:sp>
+        <p:nvSpPr>
+          <p:cNvPr id="233" name="Google Shape;233;p22:notes"/>
+          <p:cNvSpPr txBox="1"/>
+          <p:nvPr>
+            <p:ph idx="12" type="sldNum"/>
+          </p:nvPr>
+        </p:nvSpPr>
+        <p:spPr>
+          <a:xfrm>
+            <a:off x="3884612" y="8685213"/>
+            <a:ext cx="2971799" cy="457200"/>
+          </a:xfrm>
+          <a:prstGeom prst="rect">
+            <a:avLst/>
+          </a:prstGeom>
+          <a:noFill/>
+          <a:ln>
+            <a:noFill/>
+          </a:ln>
+        </p:spPr>
+        <p:txBody>
+          <a:bodyPr anchorCtr="0" anchor="b" bIns="45700" lIns="91425" spcFirstLastPara="1" rIns="91425" wrap="square" tIns="45700">
+            <a:noAutofit/>
+          </a:bodyPr>
+          <a:lstStyle/>
+          <a:p>
+            <a:pPr indent="0" lvl="0" marL="0" marR="0" rtl="0" algn="l">
+              <a:lnSpc>
+                <a:spcPct val="100000"/>
+              </a:lnSpc>
+              <a:spcBef>
+                <a:spcPts val="0"/>
+              </a:spcBef>
+              <a:spcAft>
+                <a:spcPts val="0"/>
+              </a:spcAft>
+              <a:buClr>
+                <a:srgbClr val="000000"/>
+              </a:buClr>
+              <a:buSzPts val="350"/>
+              <a:buFont typeface="Arial"/>
+              <a:buNone/>
+            </a:pPr>
+            <a:fld id="{00000000-1234-1234-1234-123412341234}" type="slidenum">
+              <a:rPr b="0" i="0" lang="en-US" sz="1400" u="none" cap="none" strike="noStrike">
+                <a:solidFill>
+                  <a:srgbClr val="000000"/>
+                </a:solidFill>
+                <a:latin typeface="Arial"/>
+                <a:ea typeface="Arial"/>
+                <a:cs typeface="Arial"/>
+                <a:sym typeface="Arial"/>
+              </a:rPr>
+              <a:t>‹#›</a:t>
+            </a:fld>
+            <a:endParaRPr/>
+          </a:p>
+        </p:txBody>
+      </p:sp>
+    </p:spTree>
+  </p:cSld>
+  <p:clrMapOvr>
+    <a:masterClrMapping/>
+  </p:clrMapOvr>
+</p:notes>
+</file>
+
+<file path=ppt/notesSlides/notesSlide23.xml><?xml version="1.0" encoding="utf-8"?>
+<p:notes xmlns:a="http://schemas.openxmlformats.org/drawingml/2006/main" xmlns:r="http://schemas.openxmlformats.org/officeDocument/2006/relationships" xmlns:mc="http://schemas.openxmlformats.org/markup-compatibility/2006" xmlns:mv="urn:schemas-microsoft-com:mac:vml" xmlns:p="http://schemas.openxmlformats.org/presentationml/2006/main" xmlns:c="http://schemas.openxmlformats.org/drawingml/2006/chart" xmlns:dgm="http://schemas.openxmlformats.org/drawingml/2006/diagram" xmlns:o="urn:schemas-microsoft-com:office:office" xmlns:v="urn:schemas-microsoft-com:vml" xmlns:pvml="urn:schemas-microsoft-com:office:powerpoint" xmlns:com="http://schemas.openxmlformats.org/drawingml/2006/compatibility" xmlns:p14="http://schemas.microsoft.com/office/powerpoint/2010/main" xmlns:p15="http://schemas.microsoft.com/office/powerpoint/2012/main" xmlns:ahyp="http://schemas.microsoft.com/office/drawing/2018/hyperlinkcolor" showMasterPhAnim="0" showMasterSp="0">
+  <p:cSld>
+    <p:spTree>
+      <p:nvGrpSpPr>
+        <p:cNvPr id="238" name="Shape 238"/>
+        <p:cNvGrpSpPr/>
+        <p:nvPr/>
+      </p:nvGrpSpPr>
+      <p:grpSpPr>
+        <a:xfrm>
+          <a:off x="0" y="0"/>
+          <a:ext cx="0" cy="0"/>
+          <a:chOff x="0" y="0"/>
+          <a:chExt cx="0" cy="0"/>
+        </a:xfrm>
+      </p:grpSpPr>
+      <p:sp>
+        <p:nvSpPr>
+          <p:cNvPr id="239" name="Google Shape;239;p23:notes"/>
+          <p:cNvSpPr/>
+          <p:nvPr>
+            <p:ph idx="2" type="sldImg"/>
+          </p:nvPr>
+        </p:nvSpPr>
+        <p:spPr>
+          <a:xfrm>
+            <a:off x="1143000" y="685800"/>
+            <a:ext cx="4572000" cy="3429000"/>
+          </a:xfrm>
+          <a:custGeom>
+            <a:rect b="b" l="l" r="r" t="t"/>
+            <a:pathLst>
+              <a:path extrusionOk="0" h="120000" w="120000">
+                <a:moveTo>
+                  <a:pt x="0" y="0"/>
+                </a:moveTo>
+                <a:lnTo>
+                  <a:pt x="120000" y="0"/>
+                </a:lnTo>
+                <a:lnTo>
+                  <a:pt x="120000" y="120000"/>
+                </a:lnTo>
+                <a:lnTo>
+                  <a:pt x="0" y="120000"/>
+                </a:lnTo>
+                <a:close/>
+              </a:path>
+            </a:pathLst>
+          </a:custGeom>
+          <a:noFill/>
+          <a:ln cap="flat" cmpd="sng" w="12700">
+            <a:solidFill>
+              <a:srgbClr val="000000"/>
+            </a:solidFill>
+            <a:prstDash val="solid"/>
+            <a:round/>
+            <a:headEnd len="sm" w="sm" type="none"/>
+            <a:tailEnd len="sm" w="sm" type="none"/>
+          </a:ln>
+        </p:spPr>
+      </p:sp>
+      <p:sp>
+        <p:nvSpPr>
+          <p:cNvPr id="240" name="Google Shape;240;p23:notes"/>
+          <p:cNvSpPr txBox="1"/>
+          <p:nvPr>
+            <p:ph idx="1" type="body"/>
+          </p:nvPr>
+        </p:nvSpPr>
+        <p:spPr>
+          <a:xfrm>
+            <a:off x="685800" y="4343400"/>
+            <a:ext cx="5486400" cy="4114800"/>
+          </a:xfrm>
+          <a:prstGeom prst="rect">
+            <a:avLst/>
+          </a:prstGeom>
+          <a:noFill/>
+          <a:ln>
+            <a:noFill/>
+          </a:ln>
+        </p:spPr>
+        <p:txBody>
+          <a:bodyPr anchorCtr="0" anchor="t" bIns="91425" lIns="91425" spcFirstLastPara="1" rIns="91425" wrap="square" tIns="91425">
+            <a:noAutofit/>
+          </a:bodyPr>
+          <a:lstStyle/>
+          <a:p>
+            <a:pPr indent="0" lvl="0" marL="0" marR="0" rtl="0" algn="l">
+              <a:spcBef>
+                <a:spcPts val="0"/>
+              </a:spcBef>
+              <a:spcAft>
+                <a:spcPts val="0"/>
+              </a:spcAft>
+              <a:buClr>
+                <a:schemeClr val="dk1"/>
+              </a:buClr>
+              <a:buSzPts val="300"/>
+              <a:buFont typeface="Calibri"/>
+              <a:buNone/>
+            </a:pPr>
+            <a:r>
+              <a:t/>
+            </a:r>
+            <a:endParaRPr b="0" i="0" sz="1200" u="none" cap="none" strike="noStrike">
+              <a:solidFill>
+                <a:schemeClr val="dk1"/>
+              </a:solidFill>
+              <a:latin typeface="Calibri"/>
+              <a:ea typeface="Calibri"/>
+              <a:cs typeface="Calibri"/>
+              <a:sym typeface="Calibri"/>
+            </a:endParaRPr>
+          </a:p>
+        </p:txBody>
+      </p:sp>
+      <p:sp>
+        <p:nvSpPr>
+          <p:cNvPr id="241" name="Google Shape;241;p23:notes"/>
+          <p:cNvSpPr txBox="1"/>
+          <p:nvPr>
+            <p:ph idx="12" type="sldNum"/>
+          </p:nvPr>
+        </p:nvSpPr>
+        <p:spPr>
+          <a:xfrm>
+            <a:off x="3884612" y="8685213"/>
+            <a:ext cx="2971799" cy="457200"/>
+          </a:xfrm>
+          <a:prstGeom prst="rect">
+            <a:avLst/>
+          </a:prstGeom>
+          <a:noFill/>
+          <a:ln>
+            <a:noFill/>
+          </a:ln>
+        </p:spPr>
+        <p:txBody>
+          <a:bodyPr anchorCtr="0" anchor="b" bIns="45700" lIns="91425" spcFirstLastPara="1" rIns="91425" wrap="square" tIns="45700">
+            <a:noAutofit/>
+          </a:bodyPr>
+          <a:lstStyle/>
+          <a:p>
+            <a:pPr indent="0" lvl="0" marL="0" marR="0" rtl="0" algn="l">
+              <a:lnSpc>
+                <a:spcPct val="100000"/>
+              </a:lnSpc>
+              <a:spcBef>
+                <a:spcPts val="0"/>
+              </a:spcBef>
+              <a:spcAft>
+                <a:spcPts val="0"/>
+              </a:spcAft>
+              <a:buClr>
+                <a:srgbClr val="000000"/>
+              </a:buClr>
+              <a:buSzPts val="350"/>
+              <a:buFont typeface="Arial"/>
+              <a:buNone/>
+            </a:pPr>
+            <a:fld id="{00000000-1234-1234-1234-123412341234}" type="slidenum">
+              <a:rPr b="0" i="0" lang="en-US" sz="1400" u="none" cap="none" strike="noStrike">
+                <a:solidFill>
+                  <a:srgbClr val="000000"/>
+                </a:solidFill>
+                <a:latin typeface="Arial"/>
+                <a:ea typeface="Arial"/>
+                <a:cs typeface="Arial"/>
+                <a:sym typeface="Arial"/>
+              </a:rPr>
+              <a:t>‹#›</a:t>
+            </a:fld>
+            <a:endParaRPr/>
+          </a:p>
+        </p:txBody>
+      </p:sp>
+    </p:spTree>
+  </p:cSld>
+  <p:clrMapOvr>
+    <a:masterClrMapping/>
+  </p:clrMapOvr>
+</p:notes>
+</file>
+
+<file path=ppt/notesSlides/notesSlide24.xml><?xml version="1.0" encoding="utf-8"?>
+<p:notes xmlns:a="http://schemas.openxmlformats.org/drawingml/2006/main" xmlns:r="http://schemas.openxmlformats.org/officeDocument/2006/relationships" xmlns:mc="http://schemas.openxmlformats.org/markup-compatibility/2006" xmlns:mv="urn:schemas-microsoft-com:mac:vml" xmlns:p="http://schemas.openxmlformats.org/presentationml/2006/main" xmlns:c="http://schemas.openxmlformats.org/drawingml/2006/chart" xmlns:dgm="http://schemas.openxmlformats.org/drawingml/2006/diagram" xmlns:o="urn:schemas-microsoft-com:office:office" xmlns:v="urn:schemas-microsoft-com:vml" xmlns:pvml="urn:schemas-microsoft-com:office:powerpoint" xmlns:com="http://schemas.openxmlformats.org/drawingml/2006/compatibility" xmlns:p14="http://schemas.microsoft.com/office/powerpoint/2010/main" xmlns:p15="http://schemas.microsoft.com/office/powerpoint/2012/main" xmlns:ahyp="http://schemas.microsoft.com/office/drawing/2018/hyperlinkcolor" showMasterPhAnim="0" showMasterSp="0">
+  <p:cSld>
+    <p:spTree>
+      <p:nvGrpSpPr>
+        <p:cNvPr id="246" name="Shape 246"/>
+        <p:cNvGrpSpPr/>
+        <p:nvPr/>
+      </p:nvGrpSpPr>
+      <p:grpSpPr>
+        <a:xfrm>
+          <a:off x="0" y="0"/>
+          <a:ext cx="0" cy="0"/>
+          <a:chOff x="0" y="0"/>
+          <a:chExt cx="0" cy="0"/>
+        </a:xfrm>
+      </p:grpSpPr>
+      <p:sp>
+        <p:nvSpPr>
+          <p:cNvPr id="247" name="Google Shape;247;p24:notes"/>
+          <p:cNvSpPr/>
+          <p:nvPr>
+            <p:ph idx="2" type="sldImg"/>
+          </p:nvPr>
+        </p:nvSpPr>
+        <p:spPr>
+          <a:xfrm>
+            <a:off x="1143000" y="685800"/>
+            <a:ext cx="4572000" cy="3429000"/>
+          </a:xfrm>
+          <a:custGeom>
+            <a:rect b="b" l="l" r="r" t="t"/>
+            <a:pathLst>
+              <a:path extrusionOk="0" h="120000" w="120000">
+                <a:moveTo>
+                  <a:pt x="0" y="0"/>
+                </a:moveTo>
+                <a:lnTo>
+                  <a:pt x="120000" y="0"/>
+                </a:lnTo>
+                <a:lnTo>
+                  <a:pt x="120000" y="120000"/>
+                </a:lnTo>
+                <a:lnTo>
+                  <a:pt x="0" y="120000"/>
+                </a:lnTo>
+                <a:close/>
+              </a:path>
+            </a:pathLst>
+          </a:custGeom>
+          <a:noFill/>
+          <a:ln cap="flat" cmpd="sng" w="12700">
+            <a:solidFill>
+              <a:srgbClr val="000000"/>
+            </a:solidFill>
+            <a:prstDash val="solid"/>
+            <a:round/>
+            <a:headEnd len="sm" w="sm" type="none"/>
+            <a:tailEnd len="sm" w="sm" type="none"/>
+          </a:ln>
+        </p:spPr>
+      </p:sp>
+      <p:sp>
+        <p:nvSpPr>
+          <p:cNvPr id="248" name="Google Shape;248;p24:notes"/>
+          <p:cNvSpPr txBox="1"/>
+          <p:nvPr>
+            <p:ph idx="1" type="body"/>
+          </p:nvPr>
+        </p:nvSpPr>
+        <p:spPr>
+          <a:xfrm>
+            <a:off x="685800" y="4343400"/>
+            <a:ext cx="5486400" cy="4114800"/>
+          </a:xfrm>
+          <a:prstGeom prst="rect">
+            <a:avLst/>
+          </a:prstGeom>
+          <a:noFill/>
+          <a:ln>
+            <a:noFill/>
+          </a:ln>
+        </p:spPr>
+        <p:txBody>
+          <a:bodyPr anchorCtr="0" anchor="t" bIns="91425" lIns="91425" spcFirstLastPara="1" rIns="91425" wrap="square" tIns="91425">
+            <a:noAutofit/>
+          </a:bodyPr>
+          <a:lstStyle/>
+          <a:p>
+            <a:pPr indent="0" lvl="0" marL="0" marR="0" rtl="0" algn="l">
+              <a:spcBef>
+                <a:spcPts val="0"/>
+              </a:spcBef>
+              <a:spcAft>
+                <a:spcPts val="0"/>
+              </a:spcAft>
+              <a:buClr>
+                <a:schemeClr val="dk1"/>
+              </a:buClr>
+              <a:buSzPts val="300"/>
+              <a:buFont typeface="Calibri"/>
+              <a:buNone/>
+            </a:pPr>
+            <a:r>
+              <a:t/>
+            </a:r>
+            <a:endParaRPr b="0" i="0" sz="1200" u="none" cap="none" strike="noStrike">
+              <a:solidFill>
+                <a:schemeClr val="dk1"/>
+              </a:solidFill>
+              <a:latin typeface="Calibri"/>
+              <a:ea typeface="Calibri"/>
+              <a:cs typeface="Calibri"/>
+              <a:sym typeface="Calibri"/>
+            </a:endParaRPr>
+          </a:p>
+        </p:txBody>
+      </p:sp>
+      <p:sp>
+        <p:nvSpPr>
+          <p:cNvPr id="249" name="Google Shape;249;p24:notes"/>
+          <p:cNvSpPr txBox="1"/>
+          <p:nvPr>
+            <p:ph idx="12" type="sldNum"/>
+          </p:nvPr>
+        </p:nvSpPr>
+        <p:spPr>
+          <a:xfrm>
+            <a:off x="3884612" y="8685213"/>
+            <a:ext cx="2971799" cy="457200"/>
+          </a:xfrm>
+          <a:prstGeom prst="rect">
+            <a:avLst/>
+          </a:prstGeom>
+          <a:noFill/>
+          <a:ln>
+            <a:noFill/>
+          </a:ln>
+        </p:spPr>
+        <p:txBody>
+          <a:bodyPr anchorCtr="0" anchor="b" bIns="45700" lIns="91425" spcFirstLastPara="1" rIns="91425" wrap="square" tIns="45700">
+            <a:noAutofit/>
+          </a:bodyPr>
+          <a:lstStyle/>
+          <a:p>
+            <a:pPr indent="0" lvl="0" marL="0" marR="0" rtl="0" algn="l">
+              <a:lnSpc>
+                <a:spcPct val="100000"/>
+              </a:lnSpc>
+              <a:spcBef>
+                <a:spcPts val="0"/>
+              </a:spcBef>
+              <a:spcAft>
+                <a:spcPts val="0"/>
+              </a:spcAft>
+              <a:buClr>
+                <a:srgbClr val="000000"/>
+              </a:buClr>
+              <a:buSzPts val="350"/>
+              <a:buFont typeface="Arial"/>
+              <a:buNone/>
+            </a:pPr>
+            <a:fld id="{00000000-1234-1234-1234-123412341234}" type="slidenum">
+              <a:rPr b="0" i="0" lang="en-US" sz="1400" u="none" cap="none" strike="noStrike">
+                <a:solidFill>
+                  <a:srgbClr val="000000"/>
+                </a:solidFill>
+                <a:latin typeface="Arial"/>
+                <a:ea typeface="Arial"/>
+                <a:cs typeface="Arial"/>
+                <a:sym typeface="Arial"/>
+              </a:rPr>
+              <a:t>‹#›</a:t>
+            </a:fld>
+            <a:endParaRPr/>
+          </a:p>
+        </p:txBody>
+      </p:sp>
+    </p:spTree>
+  </p:cSld>
+  <p:clrMapOvr>
+    <a:masterClrMapping/>
+  </p:clrMapOvr>
+</p:notes>
+</file>
+
+<file path=ppt/notesSlides/notesSlide25.xml><?xml version="1.0" encoding="utf-8"?>
+<p:notes xmlns:a="http://schemas.openxmlformats.org/drawingml/2006/main" xmlns:r="http://schemas.openxmlformats.org/officeDocument/2006/relationships" xmlns:mc="http://schemas.openxmlformats.org/markup-compatibility/2006" xmlns:mv="urn:schemas-microsoft-com:mac:vml" xmlns:p="http://schemas.openxmlformats.org/presentationml/2006/main" xmlns:c="http://schemas.openxmlformats.org/drawingml/2006/chart" xmlns:dgm="http://schemas.openxmlformats.org/drawingml/2006/diagram" xmlns:o="urn:schemas-microsoft-com:office:office" xmlns:v="urn:schemas-microsoft-com:vml" xmlns:pvml="urn:schemas-microsoft-com:office:powerpoint" xmlns:com="http://schemas.openxmlformats.org/drawingml/2006/compatibility" xmlns:p14="http://schemas.microsoft.com/office/powerpoint/2010/main" xmlns:p15="http://schemas.microsoft.com/office/powerpoint/2012/main" xmlns:ahyp="http://schemas.microsoft.com/office/drawing/2018/hyperlinkcolor" showMasterPhAnim="0" showMasterSp="0">
+  <p:cSld>
+    <p:spTree>
+      <p:nvGrpSpPr>
+        <p:cNvPr id="254" name="Shape 254"/>
+        <p:cNvGrpSpPr/>
+        <p:nvPr/>
+      </p:nvGrpSpPr>
+      <p:grpSpPr>
+        <a:xfrm>
+          <a:off x="0" y="0"/>
+          <a:ext cx="0" cy="0"/>
+          <a:chOff x="0" y="0"/>
+          <a:chExt cx="0" cy="0"/>
+        </a:xfrm>
+      </p:grpSpPr>
+      <p:sp>
+        <p:nvSpPr>
+          <p:cNvPr id="255" name="Google Shape;255;p25:notes"/>
+          <p:cNvSpPr/>
+          <p:nvPr>
+            <p:ph idx="2" type="sldImg"/>
+          </p:nvPr>
+        </p:nvSpPr>
+        <p:spPr>
+          <a:xfrm>
+            <a:off x="1143000" y="685800"/>
+            <a:ext cx="4572000" cy="3429000"/>
+          </a:xfrm>
+          <a:custGeom>
+            <a:rect b="b" l="l" r="r" t="t"/>
+            <a:pathLst>
+              <a:path extrusionOk="0" h="120000" w="120000">
+                <a:moveTo>
+                  <a:pt x="0" y="0"/>
+                </a:moveTo>
+                <a:lnTo>
+                  <a:pt x="120000" y="0"/>
+                </a:lnTo>
+                <a:lnTo>
+                  <a:pt x="120000" y="120000"/>
+                </a:lnTo>
+                <a:lnTo>
+                  <a:pt x="0" y="120000"/>
+                </a:lnTo>
+                <a:close/>
+              </a:path>
+            </a:pathLst>
+          </a:custGeom>
+          <a:noFill/>
+          <a:ln cap="flat" cmpd="sng" w="12700">
+            <a:solidFill>
+              <a:srgbClr val="000000"/>
+            </a:solidFill>
+            <a:prstDash val="solid"/>
+            <a:round/>
+            <a:headEnd len="sm" w="sm" type="none"/>
+            <a:tailEnd len="sm" w="sm" type="none"/>
+          </a:ln>
+        </p:spPr>
+      </p:sp>
+      <p:sp>
+        <p:nvSpPr>
+          <p:cNvPr id="256" name="Google Shape;256;p25:notes"/>
+          <p:cNvSpPr txBox="1"/>
+          <p:nvPr>
+            <p:ph idx="1" type="body"/>
+          </p:nvPr>
+        </p:nvSpPr>
+        <p:spPr>
+          <a:xfrm>
+            <a:off x="685800" y="4343400"/>
+            <a:ext cx="5486400" cy="4114800"/>
+          </a:xfrm>
+          <a:prstGeom prst="rect">
+            <a:avLst/>
+          </a:prstGeom>
+          <a:noFill/>
+          <a:ln>
+            <a:noFill/>
+          </a:ln>
+        </p:spPr>
+        <p:txBody>
+          <a:bodyPr anchorCtr="0" anchor="t" bIns="91425" lIns="91425" spcFirstLastPara="1" rIns="91425" wrap="square" tIns="91425">
+            <a:noAutofit/>
+          </a:bodyPr>
+          <a:lstStyle/>
+          <a:p>
+            <a:pPr indent="0" lvl="0" marL="0" marR="0" rtl="0" algn="l">
+              <a:spcBef>
+                <a:spcPts val="0"/>
+              </a:spcBef>
+              <a:spcAft>
+                <a:spcPts val="0"/>
+              </a:spcAft>
+              <a:buClr>
+                <a:schemeClr val="dk1"/>
+              </a:buClr>
+              <a:buSzPts val="300"/>
+              <a:buFont typeface="Calibri"/>
+              <a:buNone/>
+            </a:pPr>
+            <a:r>
+              <a:t/>
+            </a:r>
+            <a:endParaRPr b="0" i="0" sz="1200" u="none" cap="none" strike="noStrike">
+              <a:solidFill>
+                <a:schemeClr val="dk1"/>
+              </a:solidFill>
+              <a:latin typeface="Calibri"/>
+              <a:ea typeface="Calibri"/>
+              <a:cs typeface="Calibri"/>
+              <a:sym typeface="Calibri"/>
+            </a:endParaRPr>
+          </a:p>
+        </p:txBody>
+      </p:sp>
+      <p:sp>
+        <p:nvSpPr>
+          <p:cNvPr id="257" name="Google Shape;257;p25:notes"/>
           <p:cNvSpPr txBox="1"/>
           <p:nvPr>
             <p:ph idx="12" type="sldNum"/>
@@ -10914,14 +12223,14 @@
               <a:buClr>
                 <a:schemeClr val="dk1"/>
               </a:buClr>
-              <a:buSzPts val="1100"/>
+              <a:buSzPts val="990"/>
               <a:buFont typeface="Calibri"/>
               <a:buNone/>
             </a:pPr>
             <a:r>
-              <a:rPr b="1" i="0" lang="en-US" sz="3900" u="none" cap="none" strike="noStrike">
+              <a:rPr b="1" i="0" lang="en-US" sz="3680" u="none" cap="none" strike="noStrike">
                 <a:solidFill>
-                  <a:srgbClr val="000000"/>
+                  <a:schemeClr val="dk1"/>
                 </a:solidFill>
                 <a:latin typeface="Open Sans"/>
                 <a:ea typeface="Open Sans"/>
@@ -10931,18 +12240,36 @@
               <a:t>Sessão </a:t>
             </a:r>
             <a:r>
-              <a:rPr b="1" lang="en-US" sz="3900">
+              <a:rPr b="1" lang="en-US" sz="3680">
+                <a:latin typeface="Open Sans"/>
+                <a:ea typeface="Open Sans"/>
+                <a:cs typeface="Open Sans"/>
+                <a:sym typeface="Open Sans"/>
+              </a:rPr>
+              <a:t>11</a:t>
+            </a:r>
+            <a:r>
+              <a:rPr b="1" lang="en-US" sz="3680">
+                <a:latin typeface="Open Sans"/>
+                <a:ea typeface="Open Sans"/>
+                <a:cs typeface="Open Sans"/>
+                <a:sym typeface="Open Sans"/>
+              </a:rPr>
+              <a:t> - </a:t>
+            </a:r>
+            <a:r>
+              <a:rPr b="1" lang="en-US" sz="3680">
                 <a:solidFill>
-                  <a:srgbClr val="000000"/>
+                  <a:srgbClr val="24292E"/>
                 </a:solidFill>
                 <a:latin typeface="Open Sans"/>
                 <a:ea typeface="Open Sans"/>
                 <a:cs typeface="Open Sans"/>
                 <a:sym typeface="Open Sans"/>
               </a:rPr>
-              <a:t>11 - Instituições no Terceiro Mundo e o Caso Islâmico</a:t>
-            </a:r>
-            <a:endParaRPr b="1" sz="3900">
+              <a:t>Instituições no Ocidente, Jusnaturalismo e Utilitarismo </a:t>
+            </a:r>
+            <a:endParaRPr b="1" sz="3680">
               <a:latin typeface="Open Sans"/>
               <a:ea typeface="Open Sans"/>
               <a:cs typeface="Open Sans"/>
@@ -11042,7 +12369,7 @@
                 <a:cs typeface="Open Sans"/>
                 <a:sym typeface="Open Sans"/>
               </a:rPr>
-              <a:t>Hernando de Soto - The Mystery of Capital</a:t>
+              <a:t>Harold Berman - Law and Revolution</a:t>
             </a:r>
             <a:endParaRPr>
               <a:latin typeface="Open Sans"/>
@@ -11069,8 +12396,8 @@
         </p:blipFill>
         <p:spPr>
           <a:xfrm>
-            <a:off x="152400" y="6055824"/>
-            <a:ext cx="2164649" cy="649775"/>
+            <a:off x="152400" y="6013899"/>
+            <a:ext cx="2304373" cy="691700"/>
           </a:xfrm>
           <a:prstGeom prst="rect">
             <a:avLst/>
@@ -11129,7 +12456,7 @@
         </p:spPr>
         <p:txBody>
           <a:bodyPr anchorCtr="0" anchor="ctr" bIns="91425" lIns="91425" spcFirstLastPara="1" rIns="91425" wrap="square" tIns="91425">
-            <a:normAutofit fontScale="90000"/>
+            <a:normAutofit/>
           </a:bodyPr>
           <a:lstStyle/>
           <a:p>
@@ -11146,7 +12473,7 @@
               <a:buClr>
                 <a:schemeClr val="dk1"/>
               </a:buClr>
-              <a:buSzPts val="810"/>
+              <a:buSzPts val="900"/>
               <a:buFont typeface="Calibri"/>
               <a:buNone/>
             </a:pPr>
@@ -11157,7 +12484,7 @@
                 <a:cs typeface="Open Sans"/>
                 <a:sym typeface="Open Sans"/>
               </a:rPr>
-              <a:t>The Mystery of Missing Information</a:t>
+              <a:t>O Conceito de Lei Secular</a:t>
             </a:r>
             <a:endParaRPr>
               <a:latin typeface="Open Sans"/>
@@ -11191,11 +12518,11 @@
         </p:spPr>
         <p:txBody>
           <a:bodyPr anchorCtr="0" anchor="t" bIns="91425" lIns="91425" spcFirstLastPara="1" rIns="91425" wrap="square" tIns="91425">
-            <a:normAutofit fontScale="85000" lnSpcReduction="10000"/>
+            <a:normAutofit fontScale="92500" lnSpcReduction="10000"/>
           </a:bodyPr>
           <a:lstStyle/>
           <a:p>
-            <a:pPr indent="-358140" lvl="0" marL="457200" rtl="0" algn="l">
+            <a:pPr indent="-369570" lvl="0" marL="457200" rtl="0" algn="l">
               <a:lnSpc>
                 <a:spcPct val="115000"/>
               </a:lnSpc>
@@ -11219,17 +12546,56 @@
                 <a:cs typeface="Open Sans"/>
                 <a:sym typeface="Open Sans"/>
               </a:rPr>
-              <a:t>Entretanto, boa parte destes recursos são </a:t>
-            </a:r>
-            <a:r>
-              <a:rPr i="1" lang="en-US" sz="2400">
-                <a:latin typeface="Open Sans"/>
-                <a:ea typeface="Open Sans"/>
-                <a:cs typeface="Open Sans"/>
-                <a:sym typeface="Open Sans"/>
-              </a:rPr>
-              <a:t>dead capital</a:t>
-            </a:r>
+              <a:t>A Revolução Papal trouxe, como vimos, um nova autonomia para o direito eclesiástico, a sistematização do direito canônico e a consolidação de uma esfera autônoma para as leis da igreja</a:t>
+            </a:r>
+            <a:endParaRPr sz="2400">
+              <a:latin typeface="Open Sans"/>
+              <a:ea typeface="Open Sans"/>
+              <a:cs typeface="Open Sans"/>
+              <a:sym typeface="Open Sans"/>
+            </a:endParaRPr>
+          </a:p>
+          <a:p>
+            <a:pPr indent="0" lvl="0" marL="406400" rtl="0" algn="l">
+              <a:lnSpc>
+                <a:spcPct val="115000"/>
+              </a:lnSpc>
+              <a:spcBef>
+                <a:spcPts val="0"/>
+              </a:spcBef>
+              <a:spcAft>
+                <a:spcPts val="0"/>
+              </a:spcAft>
+              <a:buNone/>
+            </a:pPr>
+            <a:r>
+              <a:t/>
+            </a:r>
+            <a:endParaRPr sz="2400">
+              <a:latin typeface="Open Sans"/>
+              <a:ea typeface="Open Sans"/>
+              <a:cs typeface="Open Sans"/>
+              <a:sym typeface="Open Sans"/>
+            </a:endParaRPr>
+          </a:p>
+          <a:p>
+            <a:pPr indent="-369570" lvl="0" marL="457200" rtl="0" algn="l">
+              <a:lnSpc>
+                <a:spcPct val="115000"/>
+              </a:lnSpc>
+              <a:spcBef>
+                <a:spcPts val="0"/>
+              </a:spcBef>
+              <a:spcAft>
+                <a:spcPts val="0"/>
+              </a:spcAft>
+              <a:buClr>
+                <a:schemeClr val="dk1"/>
+              </a:buClr>
+              <a:buSzPct val="100000"/>
+              <a:buFont typeface="Open Sans"/>
+              <a:buChar char="•"/>
+            </a:pPr>
             <a:r>
               <a:rPr lang="en-US" sz="2400">
                 <a:latin typeface="Open Sans"/>
@@ -11237,7 +12603,7 @@
                 <a:cs typeface="Open Sans"/>
                 <a:sym typeface="Open Sans"/>
               </a:rPr>
-              <a:t>: capital que existe mas que não pode ser mobilizado se necessário</a:t>
+              <a:t>A lei secular, entretanto, continuava dispersa</a:t>
             </a:r>
             <a:endParaRPr sz="2400">
               <a:latin typeface="Open Sans"/>
@@ -11270,7 +12636,7 @@
             </a:endParaRPr>
           </a:p>
           <a:p>
-            <a:pPr indent="-358140" lvl="0" marL="457200" rtl="0" algn="l">
+            <a:pPr indent="-369570" lvl="0" marL="457200" rtl="0" algn="l">
               <a:lnSpc>
                 <a:spcPct val="115000"/>
               </a:lnSpc>
@@ -11294,121 +12660,7 @@
                 <a:cs typeface="Open Sans"/>
                 <a:sym typeface="Open Sans"/>
               </a:rPr>
-              <a:t>Este não é um caso particular dos países pobres do final do século XX: por muitas décadas, os EUA também foram um país com direito de propriedade bastante incerto</a:t>
-            </a:r>
-            <a:endParaRPr sz="2400">
-              <a:latin typeface="Open Sans"/>
-              <a:ea typeface="Open Sans"/>
-              <a:cs typeface="Open Sans"/>
-              <a:sym typeface="Open Sans"/>
-            </a:endParaRPr>
-          </a:p>
-          <a:p>
-            <a:pPr indent="0" lvl="0" marL="406400" rtl="0" algn="l">
-              <a:lnSpc>
-                <a:spcPct val="115000"/>
-              </a:lnSpc>
-              <a:spcBef>
-                <a:spcPts val="0"/>
-              </a:spcBef>
-              <a:spcAft>
-                <a:spcPts val="0"/>
-              </a:spcAft>
-              <a:buNone/>
-            </a:pPr>
-            <a:r>
-              <a:t/>
-            </a:r>
-            <a:endParaRPr sz="2400">
-              <a:latin typeface="Open Sans"/>
-              <a:ea typeface="Open Sans"/>
-              <a:cs typeface="Open Sans"/>
-              <a:sym typeface="Open Sans"/>
-            </a:endParaRPr>
-          </a:p>
-          <a:p>
-            <a:pPr indent="-358140" lvl="0" marL="457200" rtl="0" algn="l">
-              <a:lnSpc>
-                <a:spcPct val="115000"/>
-              </a:lnSpc>
-              <a:spcBef>
-                <a:spcPts val="0"/>
-              </a:spcBef>
-              <a:spcAft>
-                <a:spcPts val="0"/>
-              </a:spcAft>
-              <a:buClr>
-                <a:schemeClr val="dk1"/>
-              </a:buClr>
-              <a:buSzPct val="100000"/>
-              <a:buFont typeface="Open Sans"/>
-              <a:buChar char="•"/>
-            </a:pPr>
-            <a:r>
-              <a:rPr lang="en-US" sz="2400">
-                <a:latin typeface="Open Sans"/>
-                <a:ea typeface="Open Sans"/>
-                <a:cs typeface="Open Sans"/>
-                <a:sym typeface="Open Sans"/>
-              </a:rPr>
-              <a:t>A expansão para o Leste foi feita basicamente por pioneiros, sem grande ajuda estatal</a:t>
-            </a:r>
-            <a:endParaRPr sz="2400">
-              <a:latin typeface="Open Sans"/>
-              <a:ea typeface="Open Sans"/>
-              <a:cs typeface="Open Sans"/>
-              <a:sym typeface="Open Sans"/>
-            </a:endParaRPr>
-          </a:p>
-          <a:p>
-            <a:pPr indent="0" lvl="0" marL="406400" rtl="0" algn="l">
-              <a:lnSpc>
-                <a:spcPct val="115000"/>
-              </a:lnSpc>
-              <a:spcBef>
-                <a:spcPts val="0"/>
-              </a:spcBef>
-              <a:spcAft>
-                <a:spcPts val="0"/>
-              </a:spcAft>
-              <a:buNone/>
-            </a:pPr>
-            <a:r>
-              <a:t/>
-            </a:r>
-            <a:endParaRPr sz="2400">
-              <a:latin typeface="Open Sans"/>
-              <a:ea typeface="Open Sans"/>
-              <a:cs typeface="Open Sans"/>
-              <a:sym typeface="Open Sans"/>
-            </a:endParaRPr>
-          </a:p>
-          <a:p>
-            <a:pPr indent="-358140" lvl="0" marL="457200" rtl="0" algn="l">
-              <a:lnSpc>
-                <a:spcPct val="115000"/>
-              </a:lnSpc>
-              <a:spcBef>
-                <a:spcPts val="0"/>
-              </a:spcBef>
-              <a:spcAft>
-                <a:spcPts val="0"/>
-              </a:spcAft>
-              <a:buClr>
-                <a:schemeClr val="dk1"/>
-              </a:buClr>
-              <a:buSzPct val="100000"/>
-              <a:buFont typeface="Open Sans"/>
-              <a:buChar char="•"/>
-            </a:pPr>
-            <a:r>
-              <a:rPr lang="en-US" sz="2400">
-                <a:latin typeface="Open Sans"/>
-                <a:ea typeface="Open Sans"/>
-                <a:cs typeface="Open Sans"/>
-                <a:sym typeface="Open Sans"/>
-              </a:rPr>
-              <a:t>Assim, faltavam tribunais, policiais e outros instrumentos de manutenção de lei, ordem e propriedade</a:t>
+              <a:t>Aos poucos, a lei secular passou a emular certos aspectos do direito canônico, mais desenvolvido à época, uma vez que ela também era vista como derivada, ainda que de modo imperfeito, do direito natural</a:t>
             </a:r>
             <a:endParaRPr>
               <a:latin typeface="Open Sans"/>
@@ -11435,8 +12687,8 @@
         </p:blipFill>
         <p:spPr>
           <a:xfrm>
-            <a:off x="152400" y="6055824"/>
-            <a:ext cx="2164649" cy="649775"/>
+            <a:off x="152400" y="6013899"/>
+            <a:ext cx="2304373" cy="691700"/>
           </a:xfrm>
           <a:prstGeom prst="rect">
             <a:avLst/>
@@ -11495,7 +12747,7 @@
         </p:spPr>
         <p:txBody>
           <a:bodyPr anchorCtr="0" anchor="ctr" bIns="91425" lIns="91425" spcFirstLastPara="1" rIns="91425" wrap="square" tIns="91425">
-            <a:normAutofit fontScale="90000"/>
+            <a:normAutofit/>
           </a:bodyPr>
           <a:lstStyle/>
           <a:p>
@@ -11512,7 +12764,7 @@
               <a:buClr>
                 <a:schemeClr val="dk1"/>
               </a:buClr>
-              <a:buSzPts val="810"/>
+              <a:buSzPts val="900"/>
               <a:buFont typeface="Calibri"/>
               <a:buNone/>
             </a:pPr>
@@ -11523,7 +12775,7 @@
                 <a:cs typeface="Open Sans"/>
                 <a:sym typeface="Open Sans"/>
               </a:rPr>
-              <a:t>The Mystery of Missing Information</a:t>
+              <a:t>O Conceito de Lei Secular</a:t>
             </a:r>
             <a:endParaRPr>
               <a:latin typeface="Open Sans"/>
@@ -11557,11 +12809,11 @@
         </p:spPr>
         <p:txBody>
           <a:bodyPr anchorCtr="0" anchor="t" bIns="91425" lIns="91425" spcFirstLastPara="1" rIns="91425" wrap="square" tIns="91425">
-            <a:normAutofit fontScale="85000" lnSpcReduction="20000"/>
+            <a:normAutofit fontScale="92500" lnSpcReduction="20000"/>
           </a:bodyPr>
           <a:lstStyle/>
           <a:p>
-            <a:pPr indent="-358140" lvl="0" marL="457200" rtl="0" algn="l">
+            <a:pPr indent="-369570" lvl="0" marL="457200" rtl="0" algn="l">
               <a:lnSpc>
                 <a:spcPct val="115000"/>
               </a:lnSpc>
@@ -11585,7 +12837,7 @@
                 <a:cs typeface="Open Sans"/>
                 <a:sym typeface="Open Sans"/>
               </a:rPr>
-              <a:t>A necessidade de se trazer títulos de propriedade para os países de Terceiro Mundo é a mesma que motivou os EUA no final do século XIX</a:t>
+              <a:t>A lei secular continuava a ser mais ligada aos usos e costumes do que a uma doutrina racionalista</a:t>
             </a:r>
             <a:endParaRPr sz="2400">
               <a:latin typeface="Open Sans"/>
@@ -11618,7 +12870,7 @@
             </a:endParaRPr>
           </a:p>
           <a:p>
-            <a:pPr indent="-358140" lvl="0" marL="457200" rtl="0" algn="l">
+            <a:pPr indent="-369570" lvl="0" marL="457200" rtl="0" algn="l">
               <a:lnSpc>
                 <a:spcPct val="115000"/>
               </a:lnSpc>
@@ -11642,7 +12894,7 @@
                 <a:cs typeface="Open Sans"/>
                 <a:sym typeface="Open Sans"/>
               </a:rPr>
-              <a:t>Com a modernização da sociedade a transformação da economia de agrária para urbana, as estruturas tradicionais de direito fundiário passaram se tornar inadequadas</a:t>
+              <a:t>O conceito de lei natural que surgiu nos séculos 11 e 12 ainda era um tanto fragmentado e reflete uma tentativa de explicar as ordens espontâneas que ditavam os costumes</a:t>
             </a:r>
             <a:endParaRPr sz="2400">
               <a:latin typeface="Open Sans"/>
@@ -11675,7 +12927,7 @@
             </a:endParaRPr>
           </a:p>
           <a:p>
-            <a:pPr indent="-358140" lvl="0" marL="457200" rtl="0" algn="l">
+            <a:pPr indent="-369570" lvl="0" marL="457200" rtl="0" algn="l">
               <a:lnSpc>
                 <a:spcPct val="115000"/>
               </a:lnSpc>
@@ -11699,64 +12951,7 @@
                 <a:cs typeface="Open Sans"/>
                 <a:sym typeface="Open Sans"/>
               </a:rPr>
-              <a:t>Uma das dificuldades para a transformação da sociedade rural em urbana são os obstáculos governamentais e o excesso de regulação das pequenas atividades comerciais</a:t>
-            </a:r>
-            <a:endParaRPr sz="2400">
-              <a:latin typeface="Open Sans"/>
-              <a:ea typeface="Open Sans"/>
-              <a:cs typeface="Open Sans"/>
-              <a:sym typeface="Open Sans"/>
-            </a:endParaRPr>
-          </a:p>
-          <a:p>
-            <a:pPr indent="0" lvl="0" marL="406400" rtl="0" algn="l">
-              <a:lnSpc>
-                <a:spcPct val="115000"/>
-              </a:lnSpc>
-              <a:spcBef>
-                <a:spcPts val="0"/>
-              </a:spcBef>
-              <a:spcAft>
-                <a:spcPts val="0"/>
-              </a:spcAft>
-              <a:buNone/>
-            </a:pPr>
-            <a:r>
-              <a:t/>
-            </a:r>
-            <a:endParaRPr sz="2400">
-              <a:latin typeface="Open Sans"/>
-              <a:ea typeface="Open Sans"/>
-              <a:cs typeface="Open Sans"/>
-              <a:sym typeface="Open Sans"/>
-            </a:endParaRPr>
-          </a:p>
-          <a:p>
-            <a:pPr indent="-358140" lvl="0" marL="457200" rtl="0" algn="l">
-              <a:lnSpc>
-                <a:spcPct val="115000"/>
-              </a:lnSpc>
-              <a:spcBef>
-                <a:spcPts val="0"/>
-              </a:spcBef>
-              <a:spcAft>
-                <a:spcPts val="0"/>
-              </a:spcAft>
-              <a:buClr>
-                <a:schemeClr val="dk1"/>
-              </a:buClr>
-              <a:buSzPct val="100000"/>
-              <a:buFont typeface="Open Sans"/>
-              <a:buChar char="•"/>
-            </a:pPr>
-            <a:r>
-              <a:rPr lang="en-US" sz="2400">
-                <a:latin typeface="Open Sans"/>
-                <a:ea typeface="Open Sans"/>
-                <a:cs typeface="Open Sans"/>
-                <a:sym typeface="Open Sans"/>
-              </a:rPr>
-              <a:t>31x o salário mínimo do Peru para abrir uma empresa</a:t>
+              <a:t>Berman então lança uma tese inovadora, e polêmica, na qual afirma que o nascimento da ciência política se dá não em uma trajetória que vai de Platão a Maquiavel, mas por disputas derivadas da Revolução Papal</a:t>
             </a:r>
             <a:endParaRPr>
               <a:latin typeface="Open Sans"/>
@@ -11783,8 +12978,8 @@
         </p:blipFill>
         <p:spPr>
           <a:xfrm>
-            <a:off x="152400" y="6055824"/>
-            <a:ext cx="2164649" cy="649775"/>
+            <a:off x="152400" y="6013899"/>
+            <a:ext cx="2304373" cy="691700"/>
           </a:xfrm>
           <a:prstGeom prst="rect">
             <a:avLst/>
@@ -11843,7 +13038,7 @@
         </p:spPr>
         <p:txBody>
           <a:bodyPr anchorCtr="0" anchor="ctr" bIns="91425" lIns="91425" spcFirstLastPara="1" rIns="91425" wrap="square" tIns="91425">
-            <a:normAutofit fontScale="90000"/>
+            <a:normAutofit/>
           </a:bodyPr>
           <a:lstStyle/>
           <a:p>
@@ -11860,7 +13055,7 @@
               <a:buClr>
                 <a:schemeClr val="dk1"/>
               </a:buClr>
-              <a:buSzPts val="810"/>
+              <a:buSzPts val="900"/>
               <a:buFont typeface="Calibri"/>
               <a:buNone/>
             </a:pPr>
@@ -11871,7 +13066,7 @@
                 <a:cs typeface="Open Sans"/>
                 <a:sym typeface="Open Sans"/>
               </a:rPr>
-              <a:t>The Mystery of Missing Information</a:t>
+              <a:t>John of Salisbury</a:t>
             </a:r>
             <a:endParaRPr>
               <a:latin typeface="Open Sans"/>
@@ -11905,11 +13100,11 @@
         </p:spPr>
         <p:txBody>
           <a:bodyPr anchorCtr="0" anchor="t" bIns="91425" lIns="91425" spcFirstLastPara="1" rIns="91425" wrap="square" tIns="91425">
-            <a:normAutofit fontScale="85000" lnSpcReduction="10000"/>
+            <a:normAutofit/>
           </a:bodyPr>
           <a:lstStyle/>
           <a:p>
-            <a:pPr indent="-358140" lvl="0" marL="457200" rtl="0" algn="l">
+            <a:pPr indent="-361950" lvl="0" marL="457200" rtl="0" algn="l">
               <a:lnSpc>
                 <a:spcPct val="115000"/>
               </a:lnSpc>
@@ -11922,20 +13117,20 @@
               <a:buClr>
                 <a:schemeClr val="dk1"/>
               </a:buClr>
-              <a:buSzPct val="100000"/>
+              <a:buSzPts val="2100"/>
               <a:buFont typeface="Open Sans"/>
               <a:buChar char="•"/>
             </a:pPr>
             <a:r>
-              <a:rPr lang="en-US" sz="2400">
+              <a:rPr lang="en-US" sz="2100">
                 <a:latin typeface="Open Sans"/>
                 <a:ea typeface="Open Sans"/>
                 <a:cs typeface="Open Sans"/>
                 <a:sym typeface="Open Sans"/>
               </a:rPr>
-              <a:t>A legalização fundiária também é um processo longo e oneroso em vários países do mundo</a:t>
-            </a:r>
-            <a:endParaRPr sz="2400">
+              <a:t>Monge inglês (1120-1180)</a:t>
+            </a:r>
+            <a:endParaRPr sz="2900">
               <a:latin typeface="Open Sans"/>
               <a:ea typeface="Open Sans"/>
               <a:cs typeface="Open Sans"/>
@@ -11943,7 +13138,7 @@
             </a:endParaRPr>
           </a:p>
           <a:p>
-            <a:pPr indent="0" lvl="0" marL="406400" rtl="0" algn="l">
+            <a:pPr indent="-361950" lvl="0" marL="457200" rtl="0" algn="l">
               <a:lnSpc>
                 <a:spcPct val="115000"/>
               </a:lnSpc>
@@ -11953,12 +13148,23 @@
               <a:spcAft>
                 <a:spcPts val="0"/>
               </a:spcAft>
-              <a:buNone/>
-            </a:pPr>
-            <a:r>
-              <a:t/>
-            </a:r>
-            <a:endParaRPr sz="2400">
+              <a:buClr>
+                <a:schemeClr val="dk1"/>
+              </a:buClr>
+              <a:buSzPts val="2100"/>
+              <a:buFont typeface="Open Sans"/>
+              <a:buChar char="•"/>
+            </a:pPr>
+            <a:r>
+              <a:rPr lang="en-US" sz="2100">
+                <a:latin typeface="Open Sans"/>
+                <a:ea typeface="Open Sans"/>
+                <a:cs typeface="Open Sans"/>
+                <a:sym typeface="Open Sans"/>
+              </a:rPr>
+              <a:t>Um dos primeiros estudantes da U. de Paris</a:t>
+            </a:r>
+            <a:endParaRPr sz="2900">
               <a:latin typeface="Open Sans"/>
               <a:ea typeface="Open Sans"/>
               <a:cs typeface="Open Sans"/>
@@ -11966,7 +13172,7 @@
             </a:endParaRPr>
           </a:p>
           <a:p>
-            <a:pPr indent="-358140" lvl="0" marL="457200" rtl="0" algn="l">
+            <a:pPr indent="-361950" lvl="0" marL="457200" rtl="0" algn="l">
               <a:lnSpc>
                 <a:spcPct val="115000"/>
               </a:lnSpc>
@@ -11979,20 +13185,20 @@
               <a:buClr>
                 <a:schemeClr val="dk1"/>
               </a:buClr>
-              <a:buSzPct val="100000"/>
+              <a:buSzPts val="2100"/>
               <a:buFont typeface="Open Sans"/>
               <a:buChar char="•"/>
             </a:pPr>
             <a:r>
-              <a:rPr lang="en-US" sz="2400">
+              <a:rPr lang="en-US" sz="2100">
                 <a:latin typeface="Open Sans"/>
                 <a:ea typeface="Open Sans"/>
                 <a:cs typeface="Open Sans"/>
                 <a:sym typeface="Open Sans"/>
               </a:rPr>
-              <a:t>No Egito, era necessário passar por 77 etapas burocráticas até conseguir obter a regularização de seu terreno</a:t>
-            </a:r>
-            <a:endParaRPr sz="2400">
+              <a:t>Pouco versado em autores gregos</a:t>
+            </a:r>
+            <a:endParaRPr sz="2900">
               <a:latin typeface="Open Sans"/>
               <a:ea typeface="Open Sans"/>
               <a:cs typeface="Open Sans"/>
@@ -12000,7 +13206,7 @@
             </a:endParaRPr>
           </a:p>
           <a:p>
-            <a:pPr indent="0" lvl="0" marL="406400" rtl="0" algn="l">
+            <a:pPr indent="-361950" lvl="0" marL="457200" rtl="0" algn="l">
               <a:lnSpc>
                 <a:spcPct val="115000"/>
               </a:lnSpc>
@@ -12010,12 +13216,23 @@
               <a:spcAft>
                 <a:spcPts val="0"/>
               </a:spcAft>
-              <a:buNone/>
-            </a:pPr>
-            <a:r>
-              <a:t/>
-            </a:r>
-            <a:endParaRPr sz="2400">
+              <a:buClr>
+                <a:schemeClr val="dk1"/>
+              </a:buClr>
+              <a:buSzPts val="2100"/>
+              <a:buFont typeface="Open Sans"/>
+              <a:buChar char="•"/>
+            </a:pPr>
+            <a:r>
+              <a:rPr lang="en-US" sz="2100">
+                <a:latin typeface="Open Sans"/>
+                <a:ea typeface="Open Sans"/>
+                <a:cs typeface="Open Sans"/>
+                <a:sym typeface="Open Sans"/>
+              </a:rPr>
+              <a:t>Um dos melhores latinistas de seu tempo</a:t>
+            </a:r>
+            <a:endParaRPr sz="2900">
               <a:latin typeface="Open Sans"/>
               <a:ea typeface="Open Sans"/>
               <a:cs typeface="Open Sans"/>
@@ -12023,7 +13240,7 @@
             </a:endParaRPr>
           </a:p>
           <a:p>
-            <a:pPr indent="-358140" lvl="0" marL="457200" rtl="0" algn="l">
+            <a:pPr indent="-361950" lvl="0" marL="457200" rtl="0" algn="l">
               <a:lnSpc>
                 <a:spcPct val="115000"/>
               </a:lnSpc>
@@ -12036,20 +13253,20 @@
               <a:buClr>
                 <a:schemeClr val="dk1"/>
               </a:buClr>
-              <a:buSzPct val="100000"/>
+              <a:buSzPts val="2100"/>
               <a:buFont typeface="Open Sans"/>
               <a:buChar char="•"/>
             </a:pPr>
             <a:r>
-              <a:rPr lang="en-US" sz="2400">
+              <a:rPr lang="en-US" sz="2100">
                 <a:latin typeface="Open Sans"/>
                 <a:ea typeface="Open Sans"/>
                 <a:cs typeface="Open Sans"/>
                 <a:sym typeface="Open Sans"/>
               </a:rPr>
-              <a:t>No Haiti, eram necessários cerca de 19 anos até que uma pessoa conseguisse a permissão para ser rendatário e depois tomar posse de um terreno no Port au Prince</a:t>
-            </a:r>
-            <a:endParaRPr sz="2400">
+              <a:t>Pioneiro no utilitarismo</a:t>
+            </a:r>
+            <a:endParaRPr sz="2900">
               <a:latin typeface="Open Sans"/>
               <a:ea typeface="Open Sans"/>
               <a:cs typeface="Open Sans"/>
@@ -12057,7 +13274,7 @@
             </a:endParaRPr>
           </a:p>
           <a:p>
-            <a:pPr indent="0" lvl="0" marL="406400" rtl="0" algn="l">
+            <a:pPr indent="-361950" lvl="0" marL="457200" rtl="0" algn="l">
               <a:lnSpc>
                 <a:spcPct val="115000"/>
               </a:lnSpc>
@@ -12067,62 +13284,84 @@
               <a:spcAft>
                 <a:spcPts val="0"/>
               </a:spcAft>
-              <a:buNone/>
-            </a:pPr>
-            <a:r>
-              <a:t/>
-            </a:r>
-            <a:endParaRPr sz="2400">
+              <a:buClr>
+                <a:schemeClr val="dk1"/>
+              </a:buClr>
+              <a:buSzPts val="2100"/>
+              <a:buFont typeface="Open Sans"/>
+              <a:buChar char="•"/>
+            </a:pPr>
+            <a:r>
+              <a:rPr lang="en-US" sz="2100">
+                <a:latin typeface="Open Sans"/>
+                <a:ea typeface="Open Sans"/>
+                <a:cs typeface="Open Sans"/>
+                <a:sym typeface="Open Sans"/>
+              </a:rPr>
+              <a:t>Famoso por seu </a:t>
+            </a:r>
+            <a:r>
+              <a:rPr i="1" lang="en-US" sz="2100">
+                <a:latin typeface="Open Sans"/>
+                <a:ea typeface="Open Sans"/>
+                <a:cs typeface="Open Sans"/>
+                <a:sym typeface="Open Sans"/>
+              </a:rPr>
+              <a:t>Policraticus</a:t>
+            </a:r>
+            <a:r>
+              <a:rPr lang="en-US" sz="2100">
+                <a:latin typeface="Open Sans"/>
+                <a:ea typeface="Open Sans"/>
+                <a:cs typeface="Open Sans"/>
+                <a:sym typeface="Open Sans"/>
+              </a:rPr>
+              <a:t> (1159)</a:t>
+            </a:r>
+            <a:endParaRPr sz="2900">
               <a:latin typeface="Open Sans"/>
               <a:ea typeface="Open Sans"/>
               <a:cs typeface="Open Sans"/>
               <a:sym typeface="Open Sans"/>
             </a:endParaRPr>
           </a:p>
-          <a:p>
-            <a:pPr indent="-358140" lvl="0" marL="457200" rtl="0" algn="l">
-              <a:lnSpc>
-                <a:spcPct val="115000"/>
-              </a:lnSpc>
-              <a:spcBef>
-                <a:spcPts val="0"/>
-              </a:spcBef>
-              <a:spcAft>
-                <a:spcPts val="0"/>
-              </a:spcAft>
-              <a:buClr>
-                <a:schemeClr val="dk1"/>
-              </a:buClr>
-              <a:buSzPct val="100000"/>
-              <a:buFont typeface="Open Sans"/>
-              <a:buChar char="•"/>
-            </a:pPr>
-            <a:r>
-              <a:rPr lang="en-US" sz="2400">
-                <a:latin typeface="Open Sans"/>
-                <a:ea typeface="Open Sans"/>
-                <a:cs typeface="Open Sans"/>
-                <a:sym typeface="Open Sans"/>
-              </a:rPr>
-              <a:t>No Brasil, parte desta dificuldade em se obter terrenos reflete-se no grande aumento das favelas nos anos 50-90</a:t>
-            </a:r>
-            <a:endParaRPr>
-              <a:latin typeface="Open Sans"/>
-              <a:ea typeface="Open Sans"/>
-              <a:cs typeface="Open Sans"/>
-              <a:sym typeface="Open Sans"/>
-            </a:endParaRPr>
-          </a:p>
         </p:txBody>
       </p:sp>
       <p:pic>
         <p:nvPicPr>
-          <p:cNvPr id="155" name="Google Shape;155;p25"/>
+          <p:cNvPr descr="John_of_Salisbury_1.jpg" id="155" name="Google Shape;155;p25"/>
+          <p:cNvPicPr preferRelativeResize="0"/>
+          <p:nvPr/>
+        </p:nvPicPr>
+        <p:blipFill rotWithShape="1">
+          <a:blip r:embed="rId3">
+            <a:alphaModFix/>
+          </a:blip>
+          <a:srcRect b="0" l="0" r="0" t="0"/>
+          <a:stretch/>
+        </p:blipFill>
+        <p:spPr>
+          <a:xfrm>
+            <a:off x="6515225" y="1417625"/>
+            <a:ext cx="2516175" cy="3600700"/>
+          </a:xfrm>
+          <a:prstGeom prst="rect">
+            <a:avLst/>
+          </a:prstGeom>
+          <a:noFill/>
+          <a:ln>
+            <a:noFill/>
+          </a:ln>
+        </p:spPr>
+      </p:pic>
+      <p:pic>
+        <p:nvPicPr>
+          <p:cNvPr id="156" name="Google Shape;156;p25"/>
           <p:cNvPicPr preferRelativeResize="0"/>
           <p:nvPr/>
         </p:nvPicPr>
         <p:blipFill>
-          <a:blip r:embed="rId3">
+          <a:blip r:embed="rId4">
             <a:alphaModFix/>
           </a:blip>
           <a:stretch>
@@ -12131,8 +13370,8 @@
         </p:blipFill>
         <p:spPr>
           <a:xfrm>
-            <a:off x="152400" y="6055824"/>
-            <a:ext cx="2164649" cy="649775"/>
+            <a:off x="152400" y="6013899"/>
+            <a:ext cx="2304373" cy="691700"/>
           </a:xfrm>
           <a:prstGeom prst="rect">
             <a:avLst/>
@@ -12156,7 +13395,7 @@
   <p:cSld>
     <p:spTree>
       <p:nvGrpSpPr>
-        <p:cNvPr id="160" name="Shape 160"/>
+        <p:cNvPr id="161" name="Shape 161"/>
         <p:cNvGrpSpPr/>
         <p:nvPr/>
       </p:nvGrpSpPr>
@@ -12170,7 +13409,7 @@
       </p:grpSpPr>
       <p:sp>
         <p:nvSpPr>
-          <p:cNvPr id="161" name="Google Shape;161;p26"/>
+          <p:cNvPr id="162" name="Google Shape;162;p26"/>
           <p:cNvSpPr txBox="1"/>
           <p:nvPr>
             <p:ph type="title"/>
@@ -12191,7 +13430,7 @@
         </p:spPr>
         <p:txBody>
           <a:bodyPr anchorCtr="0" anchor="ctr" bIns="91425" lIns="91425" spcFirstLastPara="1" rIns="91425" wrap="square" tIns="91425">
-            <a:normAutofit fontScale="90000"/>
+            <a:normAutofit/>
           </a:bodyPr>
           <a:lstStyle/>
           <a:p>
@@ -12208,7 +13447,7 @@
               <a:buClr>
                 <a:schemeClr val="dk1"/>
               </a:buClr>
-              <a:buSzPts val="810"/>
+              <a:buSzPts val="900"/>
               <a:buFont typeface="Calibri"/>
               <a:buNone/>
             </a:pPr>
@@ -12219,7 +13458,7 @@
                 <a:cs typeface="Open Sans"/>
                 <a:sym typeface="Open Sans"/>
               </a:rPr>
-              <a:t>The Mystery of Missing Information</a:t>
+              <a:t>Policraticus</a:t>
             </a:r>
             <a:endParaRPr>
               <a:latin typeface="Open Sans"/>
@@ -12232,7 +13471,7 @@
       </p:sp>
       <p:sp>
         <p:nvSpPr>
-          <p:cNvPr id="162" name="Google Shape;162;p26"/>
+          <p:cNvPr id="163" name="Google Shape;163;p26"/>
           <p:cNvSpPr txBox="1"/>
           <p:nvPr>
             <p:ph idx="1" type="body"/>
@@ -12281,18 +13520,9 @@
                 <a:cs typeface="Open Sans"/>
                 <a:sym typeface="Open Sans"/>
               </a:rPr>
-              <a:t>Entretanto, há uma enorme gama de serviços ofertados </a:t>
-            </a:r>
-            <a:r>
-              <a:rPr i="1" lang="en-US" sz="2400">
-                <a:latin typeface="Open Sans"/>
-                <a:ea typeface="Open Sans"/>
-                <a:cs typeface="Open Sans"/>
-                <a:sym typeface="Open Sans"/>
-              </a:rPr>
-              <a:t>dos pobres para os pobres</a:t>
-            </a:r>
-            <a:endParaRPr i="1" sz="2400">
+              <a:t>O primeiro livro de ciência política escrito na Idade Média</a:t>
+            </a:r>
+            <a:endParaRPr sz="2400">
               <a:latin typeface="Open Sans"/>
               <a:ea typeface="Open Sans"/>
               <a:cs typeface="Open Sans"/>
@@ -12315,7 +13545,7 @@
             <a:r>
               <a:t/>
             </a:r>
-            <a:endParaRPr i="1" sz="2400">
+            <a:endParaRPr sz="2400">
               <a:latin typeface="Open Sans"/>
               <a:ea typeface="Open Sans"/>
               <a:cs typeface="Open Sans"/>
@@ -12347,7 +13577,7 @@
                 <a:cs typeface="Open Sans"/>
                 <a:sym typeface="Open Sans"/>
               </a:rPr>
-              <a:t>Exemplos brasileiros recentes: franquias de manicures, diaristas, mototaxis, assistência técnica para celulares, LAN houses, vans clandestinas, etc</a:t>
+              <a:t>Tentativa de sistematizar as conflitantes tendências políticas e jurídicas da época em um tratado que pudesse ser aplicado em situações práticas</a:t>
             </a:r>
             <a:endParaRPr sz="2400">
               <a:latin typeface="Open Sans"/>
@@ -12404,7 +13634,7 @@
                 <a:cs typeface="Open Sans"/>
                 <a:sym typeface="Open Sans"/>
               </a:rPr>
-              <a:t>Esta riqueza também está nos imóveis: embora fora dos registros oficiais, há uma enorme gama de tipos de propriedade imobiliária na mão dos mais pobres no mundo</a:t>
+              <a:t>Ao contrário da clássica divisão aristotélica das formas de governo (de um, poucos e muitos), na qual as formas são mutuamente excludentes, John via um arranjo na qual as três formas poderiam conviver ao mesmo tempo</a:t>
             </a:r>
             <a:endParaRPr sz="2400">
               <a:latin typeface="Open Sans"/>
@@ -12461,7 +13691,7 @@
                 <a:cs typeface="Open Sans"/>
                 <a:sym typeface="Open Sans"/>
               </a:rPr>
-              <a:t>50-60% das pessoas nas 5 cidades visitadas vivem em moradias extralegais</a:t>
+              <a:t>Eclético na combinação do direito natural, pensamento aristotélico, estóico e bíblico</a:t>
             </a:r>
             <a:endParaRPr>
               <a:latin typeface="Open Sans"/>
@@ -12474,7 +13704,7 @@
       </p:sp>
       <p:pic>
         <p:nvPicPr>
-          <p:cNvPr id="163" name="Google Shape;163;p26"/>
+          <p:cNvPr id="164" name="Google Shape;164;p26"/>
           <p:cNvPicPr preferRelativeResize="0"/>
           <p:nvPr/>
         </p:nvPicPr>
@@ -12488,8 +13718,8 @@
         </p:blipFill>
         <p:spPr>
           <a:xfrm>
-            <a:off x="152400" y="6055824"/>
-            <a:ext cx="2164649" cy="649775"/>
+            <a:off x="152400" y="6013899"/>
+            <a:ext cx="2304373" cy="691700"/>
           </a:xfrm>
           <a:prstGeom prst="rect">
             <a:avLst/>
@@ -12513,7 +13743,7 @@
   <p:cSld>
     <p:spTree>
       <p:nvGrpSpPr>
-        <p:cNvPr id="168" name="Shape 168"/>
+        <p:cNvPr id="169" name="Shape 169"/>
         <p:cNvGrpSpPr/>
         <p:nvPr/>
       </p:nvGrpSpPr>
@@ -12527,7 +13757,7 @@
       </p:grpSpPr>
       <p:sp>
         <p:nvSpPr>
-          <p:cNvPr id="169" name="Google Shape;169;p27"/>
+          <p:cNvPr id="170" name="Google Shape;170;p27"/>
           <p:cNvSpPr txBox="1"/>
           <p:nvPr>
             <p:ph type="title"/>
@@ -12548,7 +13778,7 @@
         </p:spPr>
         <p:txBody>
           <a:bodyPr anchorCtr="0" anchor="ctr" bIns="91425" lIns="91425" spcFirstLastPara="1" rIns="91425" wrap="square" tIns="91425">
-            <a:normAutofit fontScale="90000"/>
+            <a:normAutofit/>
           </a:bodyPr>
           <a:lstStyle/>
           <a:p>
@@ -12565,7 +13795,7 @@
               <a:buClr>
                 <a:schemeClr val="dk1"/>
               </a:buClr>
-              <a:buSzPts val="810"/>
+              <a:buSzPts val="900"/>
               <a:buFont typeface="Calibri"/>
               <a:buNone/>
             </a:pPr>
@@ -12576,7 +13806,7 @@
                 <a:cs typeface="Open Sans"/>
                 <a:sym typeface="Open Sans"/>
               </a:rPr>
-              <a:t>The Mystery of Missing Information</a:t>
+              <a:t>Policraticus</a:t>
             </a:r>
             <a:endParaRPr>
               <a:latin typeface="Open Sans"/>
@@ -12589,7 +13819,7 @@
       </p:sp>
       <p:sp>
         <p:nvSpPr>
-          <p:cNvPr id="170" name="Google Shape;170;p27"/>
+          <p:cNvPr id="171" name="Google Shape;171;p27"/>
           <p:cNvSpPr txBox="1"/>
           <p:nvPr>
             <p:ph idx="1" type="body"/>
@@ -12610,11 +13840,11 @@
         </p:spPr>
         <p:txBody>
           <a:bodyPr anchorCtr="0" anchor="t" bIns="91425" lIns="91425" spcFirstLastPara="1" rIns="91425" wrap="square" tIns="91425">
-            <a:normAutofit fontScale="85000" lnSpcReduction="10000"/>
+            <a:normAutofit fontScale="92500" lnSpcReduction="20000"/>
           </a:bodyPr>
           <a:lstStyle/>
           <a:p>
-            <a:pPr indent="-358140" lvl="0" marL="457200" rtl="0" algn="l">
+            <a:pPr indent="-369570" lvl="0" marL="457200" rtl="0" algn="l">
               <a:lnSpc>
                 <a:spcPct val="115000"/>
               </a:lnSpc>
@@ -12638,7 +13868,7 @@
                 <a:cs typeface="Open Sans"/>
                 <a:sym typeface="Open Sans"/>
               </a:rPr>
-              <a:t>Apenas no Peru, o valor estimado das moradias irregulares em 1998 era de 74 bilhões de dólares, ou cinco vezes o valor total da Bolsa de Valores de Lima à época</a:t>
+              <a:t>Um dos pontos mais destacados do livro é sua capacidade de trazer diferentes pontos de vista por meio de generalizações abstratas de características comuns</a:t>
             </a:r>
             <a:endParaRPr sz="2400">
               <a:latin typeface="Open Sans"/>
@@ -12671,7 +13901,7 @@
             </a:endParaRPr>
           </a:p>
           <a:p>
-            <a:pPr indent="-358140" lvl="0" marL="457200" rtl="0" algn="l">
+            <a:pPr indent="-369570" lvl="0" marL="457200" rtl="0" algn="l">
               <a:lnSpc>
                 <a:spcPct val="115000"/>
               </a:lnSpc>
@@ -12695,7 +13925,25 @@
                 <a:cs typeface="Open Sans"/>
                 <a:sym typeface="Open Sans"/>
               </a:rPr>
-              <a:t>No Egito, o valor poderia chegar a 250 bilhões, ou 55 vezes (!) o valor das empresas listadas na Bolsa do Cairo</a:t>
+              <a:t>Por exemplo, </a:t>
+            </a:r>
+            <a:r>
+              <a:rPr i="1" lang="en-US" sz="2400">
+                <a:latin typeface="Open Sans"/>
+                <a:ea typeface="Open Sans"/>
+                <a:cs typeface="Open Sans"/>
+                <a:sym typeface="Open Sans"/>
+              </a:rPr>
+              <a:t>princeps</a:t>
+            </a:r>
+            <a:r>
+              <a:rPr lang="en-US" sz="2400">
+                <a:latin typeface="Open Sans"/>
+                <a:ea typeface="Open Sans"/>
+                <a:cs typeface="Open Sans"/>
+                <a:sym typeface="Open Sans"/>
+              </a:rPr>
+              <a:t> significava tanto o imperador romano como, posteriormente, os imperadores do império dos francos</a:t>
             </a:r>
             <a:endParaRPr sz="2400">
               <a:latin typeface="Open Sans"/>
@@ -12728,7 +13976,7 @@
             </a:endParaRPr>
           </a:p>
           <a:p>
-            <a:pPr indent="-358140" lvl="0" marL="457200" rtl="0" algn="l">
+            <a:pPr indent="-369570" lvl="0" marL="457200" rtl="0" algn="l">
               <a:lnSpc>
                 <a:spcPct val="115000"/>
               </a:lnSpc>
@@ -12752,73 +14000,7 @@
                 <a:cs typeface="Open Sans"/>
                 <a:sym typeface="Open Sans"/>
               </a:rPr>
-              <a:t>O número total no mundo, dizem De Soto e seus colegas, poderia chegar a 9.3 trilhões, ou o dobro da economia americana no final dos anos 1990</a:t>
-            </a:r>
-            <a:endParaRPr sz="2400">
-              <a:latin typeface="Open Sans"/>
-              <a:ea typeface="Open Sans"/>
-              <a:cs typeface="Open Sans"/>
-              <a:sym typeface="Open Sans"/>
-            </a:endParaRPr>
-          </a:p>
-          <a:p>
-            <a:pPr indent="0" lvl="0" marL="406400" rtl="0" algn="l">
-              <a:lnSpc>
-                <a:spcPct val="115000"/>
-              </a:lnSpc>
-              <a:spcBef>
-                <a:spcPts val="0"/>
-              </a:spcBef>
-              <a:spcAft>
-                <a:spcPts val="0"/>
-              </a:spcAft>
-              <a:buNone/>
-            </a:pPr>
-            <a:r>
-              <a:t/>
-            </a:r>
-            <a:endParaRPr sz="2400">
-              <a:latin typeface="Open Sans"/>
-              <a:ea typeface="Open Sans"/>
-              <a:cs typeface="Open Sans"/>
-              <a:sym typeface="Open Sans"/>
-            </a:endParaRPr>
-          </a:p>
-          <a:p>
-            <a:pPr indent="-358140" lvl="0" marL="457200" rtl="0" algn="l">
-              <a:lnSpc>
-                <a:spcPct val="115000"/>
-              </a:lnSpc>
-              <a:spcBef>
-                <a:spcPts val="0"/>
-              </a:spcBef>
-              <a:spcAft>
-                <a:spcPts val="0"/>
-              </a:spcAft>
-              <a:buClr>
-                <a:schemeClr val="dk1"/>
-              </a:buClr>
-              <a:buSzPct val="100000"/>
-              <a:buFont typeface="Open Sans"/>
-              <a:buChar char="•"/>
-            </a:pPr>
-            <a:r>
-              <a:rPr lang="en-US" sz="2400">
-                <a:latin typeface="Open Sans"/>
-                <a:ea typeface="Open Sans"/>
-                <a:cs typeface="Open Sans"/>
-                <a:sym typeface="Open Sans"/>
-              </a:rPr>
-              <a:t>Assim, </a:t>
-            </a:r>
-            <a:r>
-              <a:rPr i="1" lang="en-US" sz="2400">
-                <a:latin typeface="Open Sans"/>
-                <a:ea typeface="Open Sans"/>
-                <a:cs typeface="Open Sans"/>
-                <a:sym typeface="Open Sans"/>
-              </a:rPr>
-              <a:t>os pobres não são o problema, são a solução</a:t>
+              <a:t>John então empregou a palavra apenas como “governante de uma entidade pública”, o que transformava características distintas em variações de um mesmo grupo</a:t>
             </a:r>
             <a:endParaRPr>
               <a:latin typeface="Open Sans"/>
@@ -12831,7 +14013,7 @@
       </p:sp>
       <p:pic>
         <p:nvPicPr>
-          <p:cNvPr id="171" name="Google Shape;171;p27"/>
+          <p:cNvPr id="172" name="Google Shape;172;p27"/>
           <p:cNvPicPr preferRelativeResize="0"/>
           <p:nvPr/>
         </p:nvPicPr>
@@ -12845,8 +14027,8 @@
         </p:blipFill>
         <p:spPr>
           <a:xfrm>
-            <a:off x="152400" y="6055824"/>
-            <a:ext cx="2164649" cy="649775"/>
+            <a:off x="152400" y="6013899"/>
+            <a:ext cx="2304373" cy="691700"/>
           </a:xfrm>
           <a:prstGeom prst="rect">
             <a:avLst/>
@@ -12870,7 +14052,7 @@
   <p:cSld>
     <p:spTree>
       <p:nvGrpSpPr>
-        <p:cNvPr id="176" name="Shape 176"/>
+        <p:cNvPr id="177" name="Shape 177"/>
         <p:cNvGrpSpPr/>
         <p:nvPr/>
       </p:nvGrpSpPr>
@@ -12884,7 +14066,7 @@
       </p:grpSpPr>
       <p:sp>
         <p:nvSpPr>
-          <p:cNvPr id="177" name="Google Shape;177;p28"/>
+          <p:cNvPr id="178" name="Google Shape;178;p28"/>
           <p:cNvSpPr txBox="1"/>
           <p:nvPr>
             <p:ph type="title"/>
@@ -12933,7 +14115,7 @@
                 <a:cs typeface="Open Sans"/>
                 <a:sym typeface="Open Sans"/>
               </a:rPr>
-              <a:t>The Mystery of Capital</a:t>
+              <a:t>Policraticus</a:t>
             </a:r>
             <a:endParaRPr>
               <a:latin typeface="Open Sans"/>
@@ -12946,7 +14128,7 @@
       </p:sp>
       <p:sp>
         <p:nvSpPr>
-          <p:cNvPr id="178" name="Google Shape;178;p28"/>
+          <p:cNvPr id="179" name="Google Shape;179;p28"/>
           <p:cNvSpPr txBox="1"/>
           <p:nvPr>
             <p:ph idx="1" type="body"/>
@@ -12967,11 +14149,11 @@
         </p:spPr>
         <p:txBody>
           <a:bodyPr anchorCtr="0" anchor="t" bIns="91425" lIns="91425" spcFirstLastPara="1" rIns="91425" wrap="square" tIns="91425">
-            <a:normAutofit lnSpcReduction="20000"/>
+            <a:normAutofit fontScale="85000" lnSpcReduction="20000"/>
           </a:bodyPr>
           <a:lstStyle/>
           <a:p>
-            <a:pPr indent="-381000" lvl="0" marL="457200" rtl="0" algn="l">
+            <a:pPr indent="-358140" lvl="0" marL="457200" rtl="0" algn="l">
               <a:lnSpc>
                 <a:spcPct val="115000"/>
               </a:lnSpc>
@@ -12984,7 +14166,7 @@
               <a:buClr>
                 <a:schemeClr val="dk1"/>
               </a:buClr>
-              <a:buSzPts val="2400"/>
+              <a:buSzPct val="100000"/>
               <a:buFont typeface="Open Sans"/>
               <a:buChar char="•"/>
             </a:pPr>
@@ -12995,7 +14177,7 @@
                 <a:cs typeface="Open Sans"/>
                 <a:sym typeface="Open Sans"/>
               </a:rPr>
-              <a:t>Converter </a:t>
+              <a:t>Berman afirma que os motivos pelos quais John of Salisbury é o pai fundador da ciência política é por sua distinção entre </a:t>
             </a:r>
             <a:r>
               <a:rPr i="1" lang="en-US" sz="2400">
@@ -13004,7 +14186,7 @@
                 <a:cs typeface="Open Sans"/>
                 <a:sym typeface="Open Sans"/>
               </a:rPr>
-              <a:t>capital morto</a:t>
+              <a:t>governo pela lei</a:t>
             </a:r>
             <a:r>
               <a:rPr lang="en-US" sz="2400">
@@ -13013,7 +14195,91 @@
                 <a:cs typeface="Open Sans"/>
                 <a:sym typeface="Open Sans"/>
               </a:rPr>
-              <a:t> em capital ativo requer enormes custos, mas talvez possa ser feito</a:t>
+              <a:t> e </a:t>
+            </a:r>
+            <a:r>
+              <a:rPr i="1" lang="en-US" sz="2400">
+                <a:latin typeface="Open Sans"/>
+                <a:ea typeface="Open Sans"/>
+                <a:cs typeface="Open Sans"/>
+                <a:sym typeface="Open Sans"/>
+              </a:rPr>
+              <a:t>governo pela força </a:t>
+            </a:r>
+            <a:r>
+              <a:rPr lang="en-US" sz="2400">
+                <a:latin typeface="Open Sans"/>
+                <a:ea typeface="Open Sans"/>
+                <a:cs typeface="Open Sans"/>
+                <a:sym typeface="Open Sans"/>
+              </a:rPr>
+              <a:t>e por sua </a:t>
+            </a:r>
+            <a:r>
+              <a:rPr i="1" lang="en-US" sz="2400">
+                <a:latin typeface="Open Sans"/>
+                <a:ea typeface="Open Sans"/>
+                <a:cs typeface="Open Sans"/>
+                <a:sym typeface="Open Sans"/>
+              </a:rPr>
+              <a:t>teoria orgânica da ordem política</a:t>
+            </a:r>
+            <a:endParaRPr i="1" sz="2400">
+              <a:latin typeface="Open Sans"/>
+              <a:ea typeface="Open Sans"/>
+              <a:cs typeface="Open Sans"/>
+              <a:sym typeface="Open Sans"/>
+            </a:endParaRPr>
+          </a:p>
+          <a:p>
+            <a:pPr indent="0" lvl="0" marL="406400" rtl="0" algn="l">
+              <a:lnSpc>
+                <a:spcPct val="115000"/>
+              </a:lnSpc>
+              <a:spcBef>
+                <a:spcPts val="0"/>
+              </a:spcBef>
+              <a:spcAft>
+                <a:spcPts val="0"/>
+              </a:spcAft>
+              <a:buNone/>
+            </a:pPr>
+            <a:r>
+              <a:t/>
+            </a:r>
+            <a:endParaRPr i="1" sz="2400">
+              <a:latin typeface="Open Sans"/>
+              <a:ea typeface="Open Sans"/>
+              <a:cs typeface="Open Sans"/>
+              <a:sym typeface="Open Sans"/>
+            </a:endParaRPr>
+          </a:p>
+          <a:p>
+            <a:pPr indent="-358140" lvl="0" marL="457200" rtl="0" algn="l">
+              <a:lnSpc>
+                <a:spcPct val="115000"/>
+              </a:lnSpc>
+              <a:spcBef>
+                <a:spcPts val="0"/>
+              </a:spcBef>
+              <a:spcAft>
+                <a:spcPts val="0"/>
+              </a:spcAft>
+              <a:buClr>
+                <a:schemeClr val="dk1"/>
+              </a:buClr>
+              <a:buSzPct val="100000"/>
+              <a:buFont typeface="Open Sans"/>
+              <a:buChar char="•"/>
+            </a:pPr>
+            <a:r>
+              <a:rPr lang="en-US" sz="2400">
+                <a:latin typeface="Open Sans"/>
+                <a:ea typeface="Open Sans"/>
+                <a:cs typeface="Open Sans"/>
+                <a:sym typeface="Open Sans"/>
+              </a:rPr>
+              <a:t>O paradoxo se dá pela idéia de que um tirano pode governar, se for escolhido por Deus, mas a injustiça de suas leis contradiz a idéia de direito natural divino</a:t>
             </a:r>
             <a:endParaRPr sz="2400">
               <a:latin typeface="Open Sans"/>
@@ -13046,7 +14312,7 @@
             </a:endParaRPr>
           </a:p>
           <a:p>
-            <a:pPr indent="-381000" lvl="0" marL="457200" rtl="0" algn="l">
+            <a:pPr indent="-358140" lvl="0" marL="457200" rtl="0" algn="l">
               <a:lnSpc>
                 <a:spcPct val="115000"/>
               </a:lnSpc>
@@ -13059,7 +14325,7 @@
               <a:buClr>
                 <a:schemeClr val="dk1"/>
               </a:buClr>
-              <a:buSzPts val="2400"/>
+              <a:buSzPct val="100000"/>
               <a:buFont typeface="Open Sans"/>
               <a:buChar char="•"/>
             </a:pPr>
@@ -13070,18 +14336,9 @@
                 <a:cs typeface="Open Sans"/>
                 <a:sym typeface="Open Sans"/>
               </a:rPr>
-              <a:t>De Soto então passa a discutir o que seria o capital: em uma leitura de Smith, De Soto afirma que capital não é o acumulado de bens, mas </a:t>
-            </a:r>
-            <a:r>
-              <a:rPr i="1" lang="en-US" sz="2400">
-                <a:latin typeface="Open Sans"/>
-                <a:ea typeface="Open Sans"/>
-                <a:cs typeface="Open Sans"/>
-                <a:sym typeface="Open Sans"/>
-              </a:rPr>
-              <a:t>o potencial que tal acumulação pode gerar no futuro</a:t>
-            </a:r>
-            <a:endParaRPr i="1" sz="2400">
+              <a:t>Se era natural aos governantes passarem o poder para seu filho mais velho; os problema de sucessão eram muitos</a:t>
+            </a:r>
+            <a:endParaRPr sz="2400">
               <a:latin typeface="Open Sans"/>
               <a:ea typeface="Open Sans"/>
               <a:cs typeface="Open Sans"/>
@@ -13104,7 +14361,7 @@
             <a:r>
               <a:t/>
             </a:r>
-            <a:endParaRPr i="1" sz="2400">
+            <a:endParaRPr sz="2400">
               <a:latin typeface="Open Sans"/>
               <a:ea typeface="Open Sans"/>
               <a:cs typeface="Open Sans"/>
@@ -13112,7 +14369,7 @@
             </a:endParaRPr>
           </a:p>
           <a:p>
-            <a:pPr indent="-381000" lvl="0" marL="457200" rtl="0" algn="l">
+            <a:pPr indent="-358140" lvl="0" marL="457200" rtl="0" algn="l">
               <a:lnSpc>
                 <a:spcPct val="115000"/>
               </a:lnSpc>
@@ -13125,7 +14382,7 @@
               <a:buClr>
                 <a:schemeClr val="dk1"/>
               </a:buClr>
-              <a:buSzPts val="2400"/>
+              <a:buSzPct val="100000"/>
               <a:buFont typeface="Open Sans"/>
               <a:buChar char="•"/>
             </a:pPr>
@@ -13136,25 +14393,7 @@
                 <a:cs typeface="Open Sans"/>
                 <a:sym typeface="Open Sans"/>
               </a:rPr>
-              <a:t>Capital, com efeito, </a:t>
-            </a:r>
-            <a:r>
-              <a:rPr i="1" lang="en-US" sz="2400">
-                <a:latin typeface="Open Sans"/>
-                <a:ea typeface="Open Sans"/>
-                <a:cs typeface="Open Sans"/>
-                <a:sym typeface="Open Sans"/>
-              </a:rPr>
-              <a:t>não é sinônimo de dinheiro</a:t>
-            </a:r>
-            <a:r>
-              <a:rPr lang="en-US" sz="2400">
-                <a:latin typeface="Open Sans"/>
-                <a:ea typeface="Open Sans"/>
-                <a:cs typeface="Open Sans"/>
-                <a:sym typeface="Open Sans"/>
-              </a:rPr>
-              <a:t>, mas muito maior do que ele: é um ativo que, em termos marxistas, pode reproduzir a si mesmo</a:t>
+              <a:t>John propõe que a igreja atue como mediadora de conflitos</a:t>
             </a:r>
             <a:endParaRPr>
               <a:latin typeface="Open Sans"/>
@@ -13167,7 +14406,7 @@
       </p:sp>
       <p:pic>
         <p:nvPicPr>
-          <p:cNvPr id="179" name="Google Shape;179;p28"/>
+          <p:cNvPr id="180" name="Google Shape;180;p28"/>
           <p:cNvPicPr preferRelativeResize="0"/>
           <p:nvPr/>
         </p:nvPicPr>
@@ -13181,8 +14420,8 @@
         </p:blipFill>
         <p:spPr>
           <a:xfrm>
-            <a:off x="152400" y="6055824"/>
-            <a:ext cx="2164649" cy="649775"/>
+            <a:off x="152400" y="6013899"/>
+            <a:ext cx="2304373" cy="691700"/>
           </a:xfrm>
           <a:prstGeom prst="rect">
             <a:avLst/>
@@ -13206,7 +14445,7 @@
   <p:cSld>
     <p:spTree>
       <p:nvGrpSpPr>
-        <p:cNvPr id="184" name="Shape 184"/>
+        <p:cNvPr id="185" name="Shape 185"/>
         <p:cNvGrpSpPr/>
         <p:nvPr/>
       </p:nvGrpSpPr>
@@ -13220,7 +14459,7 @@
       </p:grpSpPr>
       <p:sp>
         <p:nvSpPr>
-          <p:cNvPr id="185" name="Google Shape;185;p29"/>
+          <p:cNvPr id="186" name="Google Shape;186;p29"/>
           <p:cNvSpPr txBox="1"/>
           <p:nvPr>
             <p:ph type="title"/>
@@ -13269,7 +14508,7 @@
                 <a:cs typeface="Open Sans"/>
                 <a:sym typeface="Open Sans"/>
               </a:rPr>
-              <a:t>The Mystery of Capital</a:t>
+              <a:t>Policraticus</a:t>
             </a:r>
             <a:endParaRPr>
               <a:latin typeface="Open Sans"/>
@@ -13282,7 +14521,898 @@
       </p:sp>
       <p:sp>
         <p:nvSpPr>
-          <p:cNvPr id="186" name="Google Shape;186;p29"/>
+          <p:cNvPr id="187" name="Google Shape;187;p29"/>
+          <p:cNvSpPr txBox="1"/>
+          <p:nvPr>
+            <p:ph idx="1" type="body"/>
+          </p:nvPr>
+        </p:nvSpPr>
+        <p:spPr>
+          <a:xfrm>
+            <a:off x="457200" y="1665725"/>
+            <a:ext cx="8229600" cy="4336800"/>
+          </a:xfrm>
+          <a:prstGeom prst="rect">
+            <a:avLst/>
+          </a:prstGeom>
+          <a:noFill/>
+          <a:ln>
+            <a:noFill/>
+          </a:ln>
+        </p:spPr>
+        <p:txBody>
+          <a:bodyPr anchorCtr="0" anchor="t" bIns="91425" lIns="91425" spcFirstLastPara="1" rIns="91425" wrap="square" tIns="91425">
+            <a:normAutofit fontScale="92500" lnSpcReduction="10000"/>
+          </a:bodyPr>
+          <a:lstStyle/>
+          <a:p>
+            <a:pPr indent="-369570" lvl="0" marL="457200" rtl="0" algn="l">
+              <a:lnSpc>
+                <a:spcPct val="115000"/>
+              </a:lnSpc>
+              <a:spcBef>
+                <a:spcPts val="0"/>
+              </a:spcBef>
+              <a:spcAft>
+                <a:spcPts val="0"/>
+              </a:spcAft>
+              <a:buClr>
+                <a:schemeClr val="dk1"/>
+              </a:buClr>
+              <a:buSzPct val="100000"/>
+              <a:buFont typeface="Open Sans"/>
+              <a:buChar char="•"/>
+            </a:pPr>
+            <a:r>
+              <a:rPr lang="en-US" sz="2400">
+                <a:latin typeface="Open Sans"/>
+                <a:ea typeface="Open Sans"/>
+                <a:cs typeface="Open Sans"/>
+                <a:sym typeface="Open Sans"/>
+              </a:rPr>
+              <a:t>John of Salisbury também é pioneiro ao afirmar a idéia, depois presente em vários autores, famosamente em Hobbes, de que o corpo político é único</a:t>
+            </a:r>
+            <a:endParaRPr sz="2400">
+              <a:latin typeface="Open Sans"/>
+              <a:ea typeface="Open Sans"/>
+              <a:cs typeface="Open Sans"/>
+              <a:sym typeface="Open Sans"/>
+            </a:endParaRPr>
+          </a:p>
+          <a:p>
+            <a:pPr indent="0" lvl="0" marL="406400" rtl="0" algn="l">
+              <a:lnSpc>
+                <a:spcPct val="115000"/>
+              </a:lnSpc>
+              <a:spcBef>
+                <a:spcPts val="0"/>
+              </a:spcBef>
+              <a:spcAft>
+                <a:spcPts val="0"/>
+              </a:spcAft>
+              <a:buNone/>
+            </a:pPr>
+            <a:r>
+              <a:t/>
+            </a:r>
+            <a:endParaRPr sz="2400">
+              <a:latin typeface="Open Sans"/>
+              <a:ea typeface="Open Sans"/>
+              <a:cs typeface="Open Sans"/>
+              <a:sym typeface="Open Sans"/>
+            </a:endParaRPr>
+          </a:p>
+          <a:p>
+            <a:pPr indent="-369570" lvl="0" marL="457200" rtl="0" algn="l">
+              <a:lnSpc>
+                <a:spcPct val="115000"/>
+              </a:lnSpc>
+              <a:spcBef>
+                <a:spcPts val="0"/>
+              </a:spcBef>
+              <a:spcAft>
+                <a:spcPts val="0"/>
+              </a:spcAft>
+              <a:buClr>
+                <a:schemeClr val="dk1"/>
+              </a:buClr>
+              <a:buSzPct val="100000"/>
+              <a:buFont typeface="Open Sans"/>
+              <a:buChar char="•"/>
+            </a:pPr>
+            <a:r>
+              <a:rPr lang="en-US" sz="2400">
+                <a:latin typeface="Open Sans"/>
+                <a:ea typeface="Open Sans"/>
+                <a:cs typeface="Open Sans"/>
+                <a:sym typeface="Open Sans"/>
+              </a:rPr>
+              <a:t>O rei seria a cabeça, o senado o coração, os juízes os olhos, os soldados as mãos, etc</a:t>
+            </a:r>
+            <a:endParaRPr sz="2400">
+              <a:latin typeface="Open Sans"/>
+              <a:ea typeface="Open Sans"/>
+              <a:cs typeface="Open Sans"/>
+              <a:sym typeface="Open Sans"/>
+            </a:endParaRPr>
+          </a:p>
+          <a:p>
+            <a:pPr indent="0" lvl="0" marL="406400" rtl="0" algn="l">
+              <a:lnSpc>
+                <a:spcPct val="115000"/>
+              </a:lnSpc>
+              <a:spcBef>
+                <a:spcPts val="0"/>
+              </a:spcBef>
+              <a:spcAft>
+                <a:spcPts val="0"/>
+              </a:spcAft>
+              <a:buNone/>
+            </a:pPr>
+            <a:r>
+              <a:t/>
+            </a:r>
+            <a:endParaRPr sz="2400">
+              <a:latin typeface="Open Sans"/>
+              <a:ea typeface="Open Sans"/>
+              <a:cs typeface="Open Sans"/>
+              <a:sym typeface="Open Sans"/>
+            </a:endParaRPr>
+          </a:p>
+          <a:p>
+            <a:pPr indent="-369570" lvl="0" marL="457200" rtl="0" algn="l">
+              <a:lnSpc>
+                <a:spcPct val="115000"/>
+              </a:lnSpc>
+              <a:spcBef>
+                <a:spcPts val="0"/>
+              </a:spcBef>
+              <a:spcAft>
+                <a:spcPts val="0"/>
+              </a:spcAft>
+              <a:buClr>
+                <a:schemeClr val="dk1"/>
+              </a:buClr>
+              <a:buSzPct val="100000"/>
+              <a:buFont typeface="Open Sans"/>
+              <a:buChar char="•"/>
+            </a:pPr>
+            <a:r>
+              <a:rPr lang="en-US" sz="2400">
+                <a:latin typeface="Open Sans"/>
+                <a:ea typeface="Open Sans"/>
+                <a:cs typeface="Open Sans"/>
+                <a:sym typeface="Open Sans"/>
+              </a:rPr>
+              <a:t>A metáfora explica que a ordem política é natural ao homem, que o governo não seria necessariamente imposto por contrato ou pela força, mas por uma certa “ordem natural das coisas”</a:t>
+            </a:r>
+            <a:endParaRPr>
+              <a:latin typeface="Open Sans"/>
+              <a:ea typeface="Open Sans"/>
+              <a:cs typeface="Open Sans"/>
+              <a:sym typeface="Open Sans"/>
+            </a:endParaRPr>
+          </a:p>
+        </p:txBody>
+      </p:sp>
+      <p:pic>
+        <p:nvPicPr>
+          <p:cNvPr id="188" name="Google Shape;188;p29"/>
+          <p:cNvPicPr preferRelativeResize="0"/>
+          <p:nvPr/>
+        </p:nvPicPr>
+        <p:blipFill>
+          <a:blip r:embed="rId3">
+            <a:alphaModFix/>
+          </a:blip>
+          <a:stretch>
+            <a:fillRect/>
+          </a:stretch>
+        </p:blipFill>
+        <p:spPr>
+          <a:xfrm>
+            <a:off x="152400" y="6013899"/>
+            <a:ext cx="2304373" cy="691700"/>
+          </a:xfrm>
+          <a:prstGeom prst="rect">
+            <a:avLst/>
+          </a:prstGeom>
+          <a:noFill/>
+          <a:ln>
+            <a:noFill/>
+          </a:ln>
+        </p:spPr>
+      </p:pic>
+    </p:spTree>
+  </p:cSld>
+  <p:clrMapOvr>
+    <a:masterClrMapping/>
+  </p:clrMapOvr>
+</p:sld>
+</file>
+
+<file path=ppt/slides/slide17.xml><?xml version="1.0" encoding="utf-8"?>
+<p:sld xmlns:a="http://schemas.openxmlformats.org/drawingml/2006/main" xmlns:r="http://schemas.openxmlformats.org/officeDocument/2006/relationships" xmlns:mc="http://schemas.openxmlformats.org/markup-compatibility/2006" xmlns:mv="urn:schemas-microsoft-com:mac:vml" xmlns:p="http://schemas.openxmlformats.org/presentationml/2006/main" xmlns:c="http://schemas.openxmlformats.org/drawingml/2006/chart" xmlns:dgm="http://schemas.openxmlformats.org/drawingml/2006/diagram" xmlns:o="urn:schemas-microsoft-com:office:office" xmlns:v="urn:schemas-microsoft-com:vml" xmlns:pvml="urn:schemas-microsoft-com:office:powerpoint" xmlns:com="http://schemas.openxmlformats.org/drawingml/2006/compatibility" xmlns:p14="http://schemas.microsoft.com/office/powerpoint/2010/main" xmlns:p15="http://schemas.microsoft.com/office/powerpoint/2012/main" xmlns:ahyp="http://schemas.microsoft.com/office/drawing/2018/hyperlinkcolor">
+  <p:cSld>
+    <p:spTree>
+      <p:nvGrpSpPr>
+        <p:cNvPr id="193" name="Shape 193"/>
+        <p:cNvGrpSpPr/>
+        <p:nvPr/>
+      </p:nvGrpSpPr>
+      <p:grpSpPr>
+        <a:xfrm>
+          <a:off x="0" y="0"/>
+          <a:ext cx="0" cy="0"/>
+          <a:chOff x="0" y="0"/>
+          <a:chExt cx="0" cy="0"/>
+        </a:xfrm>
+      </p:grpSpPr>
+      <p:sp>
+        <p:nvSpPr>
+          <p:cNvPr id="194" name="Google Shape;194;p30"/>
+          <p:cNvSpPr txBox="1"/>
+          <p:nvPr>
+            <p:ph type="title"/>
+          </p:nvPr>
+        </p:nvSpPr>
+        <p:spPr>
+          <a:xfrm>
+            <a:off x="457200" y="274637"/>
+            <a:ext cx="8229600" cy="1143000"/>
+          </a:xfrm>
+          <a:prstGeom prst="rect">
+            <a:avLst/>
+          </a:prstGeom>
+          <a:noFill/>
+          <a:ln>
+            <a:noFill/>
+          </a:ln>
+        </p:spPr>
+        <p:txBody>
+          <a:bodyPr anchorCtr="0" anchor="ctr" bIns="91425" lIns="91425" spcFirstLastPara="1" rIns="91425" wrap="square" tIns="91425">
+            <a:normAutofit/>
+          </a:bodyPr>
+          <a:lstStyle/>
+          <a:p>
+            <a:pPr indent="0" lvl="0" marL="0" marR="0" rtl="0" algn="ctr">
+              <a:lnSpc>
+                <a:spcPct val="100000"/>
+              </a:lnSpc>
+              <a:spcBef>
+                <a:spcPts val="0"/>
+              </a:spcBef>
+              <a:spcAft>
+                <a:spcPts val="0"/>
+              </a:spcAft>
+              <a:buClr>
+                <a:schemeClr val="dk1"/>
+              </a:buClr>
+              <a:buSzPts val="900"/>
+              <a:buFont typeface="Calibri"/>
+              <a:buNone/>
+            </a:pPr>
+            <a:r>
+              <a:rPr b="1" lang="en-US" sz="3600">
+                <a:latin typeface="Open Sans"/>
+                <a:ea typeface="Open Sans"/>
+                <a:cs typeface="Open Sans"/>
+                <a:sym typeface="Open Sans"/>
+              </a:rPr>
+              <a:t>O Estado de Direito</a:t>
+            </a:r>
+            <a:endParaRPr>
+              <a:latin typeface="Open Sans"/>
+              <a:ea typeface="Open Sans"/>
+              <a:cs typeface="Open Sans"/>
+              <a:sym typeface="Open Sans"/>
+            </a:endParaRPr>
+          </a:p>
+        </p:txBody>
+      </p:sp>
+      <p:sp>
+        <p:nvSpPr>
+          <p:cNvPr id="195" name="Google Shape;195;p30"/>
+          <p:cNvSpPr txBox="1"/>
+          <p:nvPr>
+            <p:ph idx="1" type="body"/>
+          </p:nvPr>
+        </p:nvSpPr>
+        <p:spPr>
+          <a:xfrm>
+            <a:off x="457200" y="1665725"/>
+            <a:ext cx="8229600" cy="4336800"/>
+          </a:xfrm>
+          <a:prstGeom prst="rect">
+            <a:avLst/>
+          </a:prstGeom>
+          <a:noFill/>
+          <a:ln>
+            <a:noFill/>
+          </a:ln>
+        </p:spPr>
+        <p:txBody>
+          <a:bodyPr anchorCtr="0" anchor="t" bIns="91425" lIns="91425" spcFirstLastPara="1" rIns="91425" wrap="square" tIns="91425">
+            <a:normAutofit fontScale="92500" lnSpcReduction="20000"/>
+          </a:bodyPr>
+          <a:lstStyle/>
+          <a:p>
+            <a:pPr indent="-369570" lvl="0" marL="457200" rtl="0" algn="l">
+              <a:lnSpc>
+                <a:spcPct val="115000"/>
+              </a:lnSpc>
+              <a:spcBef>
+                <a:spcPts val="0"/>
+              </a:spcBef>
+              <a:spcAft>
+                <a:spcPts val="0"/>
+              </a:spcAft>
+              <a:buClr>
+                <a:schemeClr val="dk1"/>
+              </a:buClr>
+              <a:buSzPct val="100000"/>
+              <a:buFont typeface="Open Sans"/>
+              <a:buChar char="•"/>
+            </a:pPr>
+            <a:r>
+              <a:rPr lang="en-US" sz="2400">
+                <a:latin typeface="Open Sans"/>
+                <a:ea typeface="Open Sans"/>
+                <a:cs typeface="Open Sans"/>
+                <a:sym typeface="Open Sans"/>
+              </a:rPr>
+              <a:t>A idéia de que o estado secular e a igreja teriam domínios separados traz em si o germe do conceito de </a:t>
+            </a:r>
+            <a:r>
+              <a:rPr i="1" lang="en-US" sz="2400">
+                <a:latin typeface="Open Sans"/>
+                <a:ea typeface="Open Sans"/>
+                <a:cs typeface="Open Sans"/>
+                <a:sym typeface="Open Sans"/>
+              </a:rPr>
+              <a:t>Rechsstaat</a:t>
+            </a:r>
+            <a:r>
+              <a:rPr lang="en-US" sz="2400">
+                <a:latin typeface="Open Sans"/>
+                <a:ea typeface="Open Sans"/>
+                <a:cs typeface="Open Sans"/>
+                <a:sym typeface="Open Sans"/>
+              </a:rPr>
+              <a:t>, o estado de direito</a:t>
+            </a:r>
+            <a:endParaRPr sz="2400">
+              <a:latin typeface="Open Sans"/>
+              <a:ea typeface="Open Sans"/>
+              <a:cs typeface="Open Sans"/>
+              <a:sym typeface="Open Sans"/>
+            </a:endParaRPr>
+          </a:p>
+          <a:p>
+            <a:pPr indent="0" lvl="0" marL="406400" rtl="0" algn="l">
+              <a:lnSpc>
+                <a:spcPct val="115000"/>
+              </a:lnSpc>
+              <a:spcBef>
+                <a:spcPts val="0"/>
+              </a:spcBef>
+              <a:spcAft>
+                <a:spcPts val="0"/>
+              </a:spcAft>
+              <a:buNone/>
+            </a:pPr>
+            <a:r>
+              <a:t/>
+            </a:r>
+            <a:endParaRPr sz="2400">
+              <a:latin typeface="Open Sans"/>
+              <a:ea typeface="Open Sans"/>
+              <a:cs typeface="Open Sans"/>
+              <a:sym typeface="Open Sans"/>
+            </a:endParaRPr>
+          </a:p>
+          <a:p>
+            <a:pPr indent="-369570" lvl="0" marL="457200" rtl="0" algn="l">
+              <a:lnSpc>
+                <a:spcPct val="115000"/>
+              </a:lnSpc>
+              <a:spcBef>
+                <a:spcPts val="0"/>
+              </a:spcBef>
+              <a:spcAft>
+                <a:spcPts val="0"/>
+              </a:spcAft>
+              <a:buClr>
+                <a:schemeClr val="dk1"/>
+              </a:buClr>
+              <a:buSzPct val="100000"/>
+              <a:buFont typeface="Open Sans"/>
+              <a:buChar char="•"/>
+            </a:pPr>
+            <a:r>
+              <a:rPr lang="en-US" sz="2400">
+                <a:latin typeface="Open Sans"/>
+                <a:ea typeface="Open Sans"/>
+                <a:cs typeface="Open Sans"/>
+                <a:sym typeface="Open Sans"/>
+              </a:rPr>
+              <a:t>Implícito estava o pensamento de que tanto o poder secular quanto o eclesiástico deveriam se coordenar por leis e, também, que internamente seriam governados por sua legislação particular</a:t>
+            </a:r>
+            <a:endParaRPr sz="2400">
+              <a:latin typeface="Open Sans"/>
+              <a:ea typeface="Open Sans"/>
+              <a:cs typeface="Open Sans"/>
+              <a:sym typeface="Open Sans"/>
+            </a:endParaRPr>
+          </a:p>
+          <a:p>
+            <a:pPr indent="0" lvl="0" marL="406400" rtl="0" algn="l">
+              <a:lnSpc>
+                <a:spcPct val="115000"/>
+              </a:lnSpc>
+              <a:spcBef>
+                <a:spcPts val="0"/>
+              </a:spcBef>
+              <a:spcAft>
+                <a:spcPts val="0"/>
+              </a:spcAft>
+              <a:buNone/>
+            </a:pPr>
+            <a:r>
+              <a:t/>
+            </a:r>
+            <a:endParaRPr sz="2400">
+              <a:latin typeface="Open Sans"/>
+              <a:ea typeface="Open Sans"/>
+              <a:cs typeface="Open Sans"/>
+              <a:sym typeface="Open Sans"/>
+            </a:endParaRPr>
+          </a:p>
+          <a:p>
+            <a:pPr indent="-369570" lvl="0" marL="457200" rtl="0" algn="l">
+              <a:lnSpc>
+                <a:spcPct val="115000"/>
+              </a:lnSpc>
+              <a:spcBef>
+                <a:spcPts val="0"/>
+              </a:spcBef>
+              <a:spcAft>
+                <a:spcPts val="0"/>
+              </a:spcAft>
+              <a:buClr>
+                <a:schemeClr val="dk1"/>
+              </a:buClr>
+              <a:buSzPct val="100000"/>
+              <a:buFont typeface="Open Sans"/>
+              <a:buChar char="•"/>
+            </a:pPr>
+            <a:r>
+              <a:rPr lang="en-US" sz="2400">
+                <a:latin typeface="Open Sans"/>
+                <a:ea typeface="Open Sans"/>
+                <a:cs typeface="Open Sans"/>
+                <a:sym typeface="Open Sans"/>
+              </a:rPr>
+              <a:t>Dada a Revolução Papal, que enfatizou a lei, e a fragmentação de poder local, ambos tinham incentivos para aceitar regras que limitavam o comportamento</a:t>
+            </a:r>
+            <a:endParaRPr>
+              <a:latin typeface="Open Sans"/>
+              <a:ea typeface="Open Sans"/>
+              <a:cs typeface="Open Sans"/>
+              <a:sym typeface="Open Sans"/>
+            </a:endParaRPr>
+          </a:p>
+        </p:txBody>
+      </p:sp>
+      <p:pic>
+        <p:nvPicPr>
+          <p:cNvPr id="196" name="Google Shape;196;p30"/>
+          <p:cNvPicPr preferRelativeResize="0"/>
+          <p:nvPr/>
+        </p:nvPicPr>
+        <p:blipFill>
+          <a:blip r:embed="rId3">
+            <a:alphaModFix/>
+          </a:blip>
+          <a:stretch>
+            <a:fillRect/>
+          </a:stretch>
+        </p:blipFill>
+        <p:spPr>
+          <a:xfrm>
+            <a:off x="152400" y="6013899"/>
+            <a:ext cx="2304373" cy="691700"/>
+          </a:xfrm>
+          <a:prstGeom prst="rect">
+            <a:avLst/>
+          </a:prstGeom>
+          <a:noFill/>
+          <a:ln>
+            <a:noFill/>
+          </a:ln>
+        </p:spPr>
+      </p:pic>
+    </p:spTree>
+  </p:cSld>
+  <p:clrMapOvr>
+    <a:masterClrMapping/>
+  </p:clrMapOvr>
+</p:sld>
+</file>
+
+<file path=ppt/slides/slide18.xml><?xml version="1.0" encoding="utf-8"?>
+<p:sld xmlns:a="http://schemas.openxmlformats.org/drawingml/2006/main" xmlns:r="http://schemas.openxmlformats.org/officeDocument/2006/relationships" xmlns:mc="http://schemas.openxmlformats.org/markup-compatibility/2006" xmlns:mv="urn:schemas-microsoft-com:mac:vml" xmlns:p="http://schemas.openxmlformats.org/presentationml/2006/main" xmlns:c="http://schemas.openxmlformats.org/drawingml/2006/chart" xmlns:dgm="http://schemas.openxmlformats.org/drawingml/2006/diagram" xmlns:o="urn:schemas-microsoft-com:office:office" xmlns:v="urn:schemas-microsoft-com:vml" xmlns:pvml="urn:schemas-microsoft-com:office:powerpoint" xmlns:com="http://schemas.openxmlformats.org/drawingml/2006/compatibility" xmlns:p14="http://schemas.microsoft.com/office/powerpoint/2010/main" xmlns:p15="http://schemas.microsoft.com/office/powerpoint/2012/main" xmlns:ahyp="http://schemas.microsoft.com/office/drawing/2018/hyperlinkcolor">
+  <p:cSld>
+    <p:spTree>
+      <p:nvGrpSpPr>
+        <p:cNvPr id="201" name="Shape 201"/>
+        <p:cNvGrpSpPr/>
+        <p:nvPr/>
+      </p:nvGrpSpPr>
+      <p:grpSpPr>
+        <a:xfrm>
+          <a:off x="0" y="0"/>
+          <a:ext cx="0" cy="0"/>
+          <a:chOff x="0" y="0"/>
+          <a:chExt cx="0" cy="0"/>
+        </a:xfrm>
+      </p:grpSpPr>
+      <p:sp>
+        <p:nvSpPr>
+          <p:cNvPr id="202" name="Google Shape;202;p31"/>
+          <p:cNvSpPr txBox="1"/>
+          <p:nvPr>
+            <p:ph type="title"/>
+          </p:nvPr>
+        </p:nvSpPr>
+        <p:spPr>
+          <a:xfrm>
+            <a:off x="457200" y="274637"/>
+            <a:ext cx="8229600" cy="1143000"/>
+          </a:xfrm>
+          <a:prstGeom prst="rect">
+            <a:avLst/>
+          </a:prstGeom>
+          <a:noFill/>
+          <a:ln>
+            <a:noFill/>
+          </a:ln>
+        </p:spPr>
+        <p:txBody>
+          <a:bodyPr anchorCtr="0" anchor="ctr" bIns="91425" lIns="91425" spcFirstLastPara="1" rIns="91425" wrap="square" tIns="91425">
+            <a:normAutofit/>
+          </a:bodyPr>
+          <a:lstStyle/>
+          <a:p>
+            <a:pPr indent="0" lvl="0" marL="0" marR="0" rtl="0" algn="ctr">
+              <a:lnSpc>
+                <a:spcPct val="100000"/>
+              </a:lnSpc>
+              <a:spcBef>
+                <a:spcPts val="0"/>
+              </a:spcBef>
+              <a:spcAft>
+                <a:spcPts val="0"/>
+              </a:spcAft>
+              <a:buClr>
+                <a:schemeClr val="dk1"/>
+              </a:buClr>
+              <a:buSzPts val="900"/>
+              <a:buFont typeface="Calibri"/>
+              <a:buNone/>
+            </a:pPr>
+            <a:r>
+              <a:rPr b="1" lang="en-US" sz="3600">
+                <a:latin typeface="Open Sans"/>
+                <a:ea typeface="Open Sans"/>
+                <a:cs typeface="Open Sans"/>
+                <a:sym typeface="Open Sans"/>
+              </a:rPr>
+              <a:t>O Direito Feudal</a:t>
+            </a:r>
+            <a:endParaRPr>
+              <a:latin typeface="Open Sans"/>
+              <a:ea typeface="Open Sans"/>
+              <a:cs typeface="Open Sans"/>
+              <a:sym typeface="Open Sans"/>
+            </a:endParaRPr>
+          </a:p>
+        </p:txBody>
+      </p:sp>
+      <p:sp>
+        <p:nvSpPr>
+          <p:cNvPr id="203" name="Google Shape;203;p31"/>
+          <p:cNvSpPr txBox="1"/>
+          <p:nvPr>
+            <p:ph idx="1" type="body"/>
+          </p:nvPr>
+        </p:nvSpPr>
+        <p:spPr>
+          <a:xfrm>
+            <a:off x="457200" y="1665725"/>
+            <a:ext cx="8229600" cy="4336800"/>
+          </a:xfrm>
+          <a:prstGeom prst="rect">
+            <a:avLst/>
+          </a:prstGeom>
+          <a:noFill/>
+          <a:ln>
+            <a:noFill/>
+          </a:ln>
+        </p:spPr>
+        <p:txBody>
+          <a:bodyPr anchorCtr="0" anchor="t" bIns="91425" lIns="91425" spcFirstLastPara="1" rIns="91425" wrap="square" tIns="91425">
+            <a:normAutofit fontScale="92500" lnSpcReduction="20000"/>
+          </a:bodyPr>
+          <a:lstStyle/>
+          <a:p>
+            <a:pPr indent="-369570" lvl="0" marL="457200" rtl="0" algn="l">
+              <a:lnSpc>
+                <a:spcPct val="115000"/>
+              </a:lnSpc>
+              <a:spcBef>
+                <a:spcPts val="0"/>
+              </a:spcBef>
+              <a:spcAft>
+                <a:spcPts val="0"/>
+              </a:spcAft>
+              <a:buClr>
+                <a:schemeClr val="dk1"/>
+              </a:buClr>
+              <a:buSzPct val="100000"/>
+              <a:buFont typeface="Open Sans"/>
+              <a:buChar char="•"/>
+            </a:pPr>
+            <a:r>
+              <a:rPr lang="en-US" sz="2400">
+                <a:latin typeface="Open Sans"/>
+                <a:ea typeface="Open Sans"/>
+                <a:cs typeface="Open Sans"/>
+                <a:sym typeface="Open Sans"/>
+              </a:rPr>
+              <a:t>Antes do século 11, a Europa era constituída por diversos tribos, ducados, baronatos, etc, organizados em torno de um rei que era também o comandante da igreja e do exército</a:t>
+            </a:r>
+            <a:endParaRPr sz="2400">
+              <a:latin typeface="Open Sans"/>
+              <a:ea typeface="Open Sans"/>
+              <a:cs typeface="Open Sans"/>
+              <a:sym typeface="Open Sans"/>
+            </a:endParaRPr>
+          </a:p>
+          <a:p>
+            <a:pPr indent="0" lvl="0" marL="406400" rtl="0" algn="l">
+              <a:lnSpc>
+                <a:spcPct val="115000"/>
+              </a:lnSpc>
+              <a:spcBef>
+                <a:spcPts val="0"/>
+              </a:spcBef>
+              <a:spcAft>
+                <a:spcPts val="0"/>
+              </a:spcAft>
+              <a:buNone/>
+            </a:pPr>
+            <a:r>
+              <a:t/>
+            </a:r>
+            <a:endParaRPr sz="2400">
+              <a:latin typeface="Open Sans"/>
+              <a:ea typeface="Open Sans"/>
+              <a:cs typeface="Open Sans"/>
+              <a:sym typeface="Open Sans"/>
+            </a:endParaRPr>
+          </a:p>
+          <a:p>
+            <a:pPr indent="-369570" lvl="0" marL="457200" rtl="0" algn="l">
+              <a:lnSpc>
+                <a:spcPct val="115000"/>
+              </a:lnSpc>
+              <a:spcBef>
+                <a:spcPts val="0"/>
+              </a:spcBef>
+              <a:spcAft>
+                <a:spcPts val="0"/>
+              </a:spcAft>
+              <a:buClr>
+                <a:schemeClr val="dk1"/>
+              </a:buClr>
+              <a:buSzPct val="100000"/>
+              <a:buFont typeface="Open Sans"/>
+              <a:buChar char="•"/>
+            </a:pPr>
+            <a:r>
+              <a:rPr lang="en-US" sz="2400">
+                <a:latin typeface="Open Sans"/>
+                <a:ea typeface="Open Sans"/>
+                <a:cs typeface="Open Sans"/>
+                <a:sym typeface="Open Sans"/>
+              </a:rPr>
+              <a:t>A igreja não era uma entidade autônoma, mas subordinada ao poder político local</a:t>
+            </a:r>
+            <a:endParaRPr sz="2400">
+              <a:latin typeface="Open Sans"/>
+              <a:ea typeface="Open Sans"/>
+              <a:cs typeface="Open Sans"/>
+              <a:sym typeface="Open Sans"/>
+            </a:endParaRPr>
+          </a:p>
+          <a:p>
+            <a:pPr indent="0" lvl="0" marL="406400" rtl="0" algn="l">
+              <a:lnSpc>
+                <a:spcPct val="115000"/>
+              </a:lnSpc>
+              <a:spcBef>
+                <a:spcPts val="0"/>
+              </a:spcBef>
+              <a:spcAft>
+                <a:spcPts val="0"/>
+              </a:spcAft>
+              <a:buNone/>
+            </a:pPr>
+            <a:r>
+              <a:t/>
+            </a:r>
+            <a:endParaRPr sz="2400">
+              <a:latin typeface="Open Sans"/>
+              <a:ea typeface="Open Sans"/>
+              <a:cs typeface="Open Sans"/>
+              <a:sym typeface="Open Sans"/>
+            </a:endParaRPr>
+          </a:p>
+          <a:p>
+            <a:pPr indent="-369570" lvl="0" marL="457200" rtl="0" algn="l">
+              <a:lnSpc>
+                <a:spcPct val="115000"/>
+              </a:lnSpc>
+              <a:spcBef>
+                <a:spcPts val="0"/>
+              </a:spcBef>
+              <a:spcAft>
+                <a:spcPts val="0"/>
+              </a:spcAft>
+              <a:buClr>
+                <a:schemeClr val="dk1"/>
+              </a:buClr>
+              <a:buSzPct val="100000"/>
+              <a:buFont typeface="Open Sans"/>
+              <a:buChar char="•"/>
+            </a:pPr>
+            <a:r>
+              <a:rPr lang="en-US" sz="2400">
+                <a:latin typeface="Open Sans"/>
+                <a:ea typeface="Open Sans"/>
+                <a:cs typeface="Open Sans"/>
+                <a:sym typeface="Open Sans"/>
+              </a:rPr>
+              <a:t>O império dos francos e demais reinos tinham pouquíssima administração central e o rei e seus duques estavam quase sempre viajando de um lugar para outro para exercer seu domínio </a:t>
+            </a:r>
+            <a:endParaRPr>
+              <a:latin typeface="Open Sans"/>
+              <a:ea typeface="Open Sans"/>
+              <a:cs typeface="Open Sans"/>
+              <a:sym typeface="Open Sans"/>
+            </a:endParaRPr>
+          </a:p>
+        </p:txBody>
+      </p:sp>
+      <p:pic>
+        <p:nvPicPr>
+          <p:cNvPr id="204" name="Google Shape;204;p31"/>
+          <p:cNvPicPr preferRelativeResize="0"/>
+          <p:nvPr/>
+        </p:nvPicPr>
+        <p:blipFill>
+          <a:blip r:embed="rId3">
+            <a:alphaModFix/>
+          </a:blip>
+          <a:stretch>
+            <a:fillRect/>
+          </a:stretch>
+        </p:blipFill>
+        <p:spPr>
+          <a:xfrm>
+            <a:off x="152400" y="6013899"/>
+            <a:ext cx="2304373" cy="691700"/>
+          </a:xfrm>
+          <a:prstGeom prst="rect">
+            <a:avLst/>
+          </a:prstGeom>
+          <a:noFill/>
+          <a:ln>
+            <a:noFill/>
+          </a:ln>
+        </p:spPr>
+      </p:pic>
+    </p:spTree>
+  </p:cSld>
+  <p:clrMapOvr>
+    <a:masterClrMapping/>
+  </p:clrMapOvr>
+</p:sld>
+</file>
+
+<file path=ppt/slides/slide19.xml><?xml version="1.0" encoding="utf-8"?>
+<p:sld xmlns:a="http://schemas.openxmlformats.org/drawingml/2006/main" xmlns:r="http://schemas.openxmlformats.org/officeDocument/2006/relationships" xmlns:mc="http://schemas.openxmlformats.org/markup-compatibility/2006" xmlns:mv="urn:schemas-microsoft-com:mac:vml" xmlns:p="http://schemas.openxmlformats.org/presentationml/2006/main" xmlns:c="http://schemas.openxmlformats.org/drawingml/2006/chart" xmlns:dgm="http://schemas.openxmlformats.org/drawingml/2006/diagram" xmlns:o="urn:schemas-microsoft-com:office:office" xmlns:v="urn:schemas-microsoft-com:vml" xmlns:pvml="urn:schemas-microsoft-com:office:powerpoint" xmlns:com="http://schemas.openxmlformats.org/drawingml/2006/compatibility" xmlns:p14="http://schemas.microsoft.com/office/powerpoint/2010/main" xmlns:p15="http://schemas.microsoft.com/office/powerpoint/2012/main" xmlns:ahyp="http://schemas.microsoft.com/office/drawing/2018/hyperlinkcolor">
+  <p:cSld>
+    <p:spTree>
+      <p:nvGrpSpPr>
+        <p:cNvPr id="209" name="Shape 209"/>
+        <p:cNvGrpSpPr/>
+        <p:nvPr/>
+      </p:nvGrpSpPr>
+      <p:grpSpPr>
+        <a:xfrm>
+          <a:off x="0" y="0"/>
+          <a:ext cx="0" cy="0"/>
+          <a:chOff x="0" y="0"/>
+          <a:chExt cx="0" cy="0"/>
+        </a:xfrm>
+      </p:grpSpPr>
+      <p:sp>
+        <p:nvSpPr>
+          <p:cNvPr id="210" name="Google Shape;210;p32"/>
+          <p:cNvSpPr txBox="1"/>
+          <p:nvPr>
+            <p:ph type="title"/>
+          </p:nvPr>
+        </p:nvSpPr>
+        <p:spPr>
+          <a:xfrm>
+            <a:off x="457200" y="274637"/>
+            <a:ext cx="8229600" cy="1143000"/>
+          </a:xfrm>
+          <a:prstGeom prst="rect">
+            <a:avLst/>
+          </a:prstGeom>
+          <a:noFill/>
+          <a:ln>
+            <a:noFill/>
+          </a:ln>
+        </p:spPr>
+        <p:txBody>
+          <a:bodyPr anchorCtr="0" anchor="ctr" bIns="91425" lIns="91425" spcFirstLastPara="1" rIns="91425" wrap="square" tIns="91425">
+            <a:normAutofit/>
+          </a:bodyPr>
+          <a:lstStyle/>
+          <a:p>
+            <a:pPr indent="0" lvl="0" marL="0" marR="0" rtl="0" algn="ctr">
+              <a:lnSpc>
+                <a:spcPct val="100000"/>
+              </a:lnSpc>
+              <a:spcBef>
+                <a:spcPts val="0"/>
+              </a:spcBef>
+              <a:spcAft>
+                <a:spcPts val="0"/>
+              </a:spcAft>
+              <a:buClr>
+                <a:schemeClr val="dk1"/>
+              </a:buClr>
+              <a:buSzPts val="900"/>
+              <a:buFont typeface="Calibri"/>
+              <a:buNone/>
+            </a:pPr>
+            <a:r>
+              <a:rPr b="1" lang="en-US" sz="3600">
+                <a:latin typeface="Open Sans"/>
+                <a:ea typeface="Open Sans"/>
+                <a:cs typeface="Open Sans"/>
+                <a:sym typeface="Open Sans"/>
+              </a:rPr>
+              <a:t>O Direito Feudal</a:t>
+            </a:r>
+            <a:endParaRPr>
+              <a:latin typeface="Open Sans"/>
+              <a:ea typeface="Open Sans"/>
+              <a:cs typeface="Open Sans"/>
+              <a:sym typeface="Open Sans"/>
+            </a:endParaRPr>
+          </a:p>
+        </p:txBody>
+      </p:sp>
+      <p:sp>
+        <p:nvSpPr>
+          <p:cNvPr id="211" name="Google Shape;211;p32"/>
           <p:cNvSpPr txBox="1"/>
           <p:nvPr>
             <p:ph idx="1" type="body"/>
@@ -13331,7 +15461,7 @@
                 <a:cs typeface="Open Sans"/>
                 <a:sym typeface="Open Sans"/>
               </a:rPr>
-              <a:t>Se capital não é apenas dinheiro, talvez outras formas de valor também possam ser convertidas em capital</a:t>
+              <a:t>Entre os anos 1050 e 1150 o direito feudal sofreu grandes transformações</a:t>
             </a:r>
             <a:endParaRPr sz="2400">
               <a:latin typeface="Open Sans"/>
@@ -13382,14 +15512,71 @@
               <a:buChar char="•"/>
             </a:pPr>
             <a:r>
+              <a:rPr i="1" lang="en-US" sz="2400">
+                <a:latin typeface="Open Sans"/>
+                <a:ea typeface="Open Sans"/>
+                <a:cs typeface="Open Sans"/>
+                <a:sym typeface="Open Sans"/>
+              </a:rPr>
+              <a:t>Objetividade</a:t>
+            </a:r>
+            <a:r>
               <a:rPr lang="en-US" sz="2400">
                 <a:latin typeface="Open Sans"/>
                 <a:ea typeface="Open Sans"/>
                 <a:cs typeface="Open Sans"/>
                 <a:sym typeface="Open Sans"/>
               </a:rPr>
-              <a:t>Daí vem o </a:t>
-            </a:r>
+              <a:t>: racionalização dos rituais e mecanismos de vassalagem nos reinos</a:t>
+            </a:r>
+            <a:endParaRPr sz="2400">
+              <a:latin typeface="Open Sans"/>
+              <a:ea typeface="Open Sans"/>
+              <a:cs typeface="Open Sans"/>
+              <a:sym typeface="Open Sans"/>
+            </a:endParaRPr>
+          </a:p>
+          <a:p>
+            <a:pPr indent="0" lvl="0" marL="406400" rtl="0" algn="l">
+              <a:lnSpc>
+                <a:spcPct val="115000"/>
+              </a:lnSpc>
+              <a:spcBef>
+                <a:spcPts val="0"/>
+              </a:spcBef>
+              <a:spcAft>
+                <a:spcPts val="0"/>
+              </a:spcAft>
+              <a:buNone/>
+            </a:pPr>
+            <a:r>
+              <a:t/>
+            </a:r>
+            <a:endParaRPr sz="2400">
+              <a:latin typeface="Open Sans"/>
+              <a:ea typeface="Open Sans"/>
+              <a:cs typeface="Open Sans"/>
+              <a:sym typeface="Open Sans"/>
+            </a:endParaRPr>
+          </a:p>
+          <a:p>
+            <a:pPr indent="-346710" lvl="0" marL="457200" rtl="0" algn="l">
+              <a:lnSpc>
+                <a:spcPct val="115000"/>
+              </a:lnSpc>
+              <a:spcBef>
+                <a:spcPts val="0"/>
+              </a:spcBef>
+              <a:spcAft>
+                <a:spcPts val="0"/>
+              </a:spcAft>
+              <a:buClr>
+                <a:schemeClr val="dk1"/>
+              </a:buClr>
+              <a:buSzPct val="100000"/>
+              <a:buFont typeface="Open Sans"/>
+              <a:buChar char="•"/>
+            </a:pPr>
             <a:r>
               <a:rPr i="1" lang="en-US" sz="2400">
                 <a:latin typeface="Open Sans"/>
@@ -13397,7 +15584,7 @@
                 <a:cs typeface="Open Sans"/>
                 <a:sym typeface="Open Sans"/>
               </a:rPr>
-              <a:t>insight</a:t>
+              <a:t>Universalidade</a:t>
             </a:r>
             <a:r>
               <a:rPr lang="en-US" sz="2400">
@@ -13406,7 +15593,7 @@
                 <a:cs typeface="Open Sans"/>
                 <a:sym typeface="Open Sans"/>
               </a:rPr>
-              <a:t> maior de De Soto: a conversão de capital se daria pela regulamentação de propriedade dos mais pobres</a:t>
+              <a:t>: a lei passaria a ser aplicável de modo relativamente uniforme por toda a Europa</a:t>
             </a:r>
             <a:endParaRPr sz="2400">
               <a:latin typeface="Open Sans"/>
@@ -13457,13 +15644,22 @@
               <a:buChar char="•"/>
             </a:pPr>
             <a:r>
+              <a:rPr i="1" lang="en-US" sz="2400">
+                <a:latin typeface="Open Sans"/>
+                <a:ea typeface="Open Sans"/>
+                <a:cs typeface="Open Sans"/>
+                <a:sym typeface="Open Sans"/>
+              </a:rPr>
+              <a:t>Reciprocidade</a:t>
+            </a:r>
+            <a:r>
               <a:rPr lang="en-US" sz="2400">
                 <a:latin typeface="Open Sans"/>
                 <a:ea typeface="Open Sans"/>
                 <a:cs typeface="Open Sans"/>
                 <a:sym typeface="Open Sans"/>
               </a:rPr>
-              <a:t>A regulamentação traria vantagens consideráveis:</a:t>
+              <a:t>: deveres pessoais passaram a ser codificados</a:t>
             </a:r>
             <a:endParaRPr sz="2400">
               <a:latin typeface="Open Sans"/>
@@ -13514,13 +15710,22 @@
               <a:buChar char="•"/>
             </a:pPr>
             <a:r>
+              <a:rPr i="1" lang="en-US" sz="2400">
+                <a:latin typeface="Open Sans"/>
+                <a:ea typeface="Open Sans"/>
+                <a:cs typeface="Open Sans"/>
+                <a:sym typeface="Open Sans"/>
+              </a:rPr>
+              <a:t>Justiça participativa</a:t>
+            </a:r>
+            <a:r>
               <a:rPr lang="en-US" sz="2400">
                 <a:latin typeface="Open Sans"/>
                 <a:ea typeface="Open Sans"/>
                 <a:cs typeface="Open Sans"/>
                 <a:sym typeface="Open Sans"/>
               </a:rPr>
-              <a:t>Realiza o potencial econômico dos bens;</a:t>
+              <a:t>: vassalos teriam recursos em órgãos superiores</a:t>
             </a:r>
             <a:endParaRPr sz="2400">
               <a:latin typeface="Open Sans"/>
@@ -13571,70 +15776,22 @@
               <a:buChar char="•"/>
             </a:pPr>
             <a:r>
+              <a:rPr i="1" lang="en-US" sz="2400">
+                <a:latin typeface="Open Sans"/>
+                <a:ea typeface="Open Sans"/>
+                <a:cs typeface="Open Sans"/>
+                <a:sym typeface="Open Sans"/>
+              </a:rPr>
+              <a:t>Integração</a:t>
+            </a:r>
+            <a:r>
               <a:rPr lang="en-US" sz="2400">
                 <a:latin typeface="Open Sans"/>
                 <a:ea typeface="Open Sans"/>
                 <a:cs typeface="Open Sans"/>
                 <a:sym typeface="Open Sans"/>
               </a:rPr>
-              <a:t>Resolve o problema de informação contábil, pois seria possível estimar o total da riqueza dos pobres;</a:t>
-            </a:r>
-            <a:endParaRPr sz="2400">
-              <a:latin typeface="Open Sans"/>
-              <a:ea typeface="Open Sans"/>
-              <a:cs typeface="Open Sans"/>
-              <a:sym typeface="Open Sans"/>
-            </a:endParaRPr>
-          </a:p>
-          <a:p>
-            <a:pPr indent="0" lvl="0" marL="406400" rtl="0" algn="l">
-              <a:lnSpc>
-                <a:spcPct val="115000"/>
-              </a:lnSpc>
-              <a:spcBef>
-                <a:spcPts val="0"/>
-              </a:spcBef>
-              <a:spcAft>
-                <a:spcPts val="0"/>
-              </a:spcAft>
-              <a:buNone/>
-            </a:pPr>
-            <a:r>
-              <a:t/>
-            </a:r>
-            <a:endParaRPr sz="2400">
-              <a:latin typeface="Open Sans"/>
-              <a:ea typeface="Open Sans"/>
-              <a:cs typeface="Open Sans"/>
-              <a:sym typeface="Open Sans"/>
-            </a:endParaRPr>
-          </a:p>
-          <a:p>
-            <a:pPr indent="-346710" lvl="0" marL="457200" rtl="0" algn="l">
-              <a:lnSpc>
-                <a:spcPct val="115000"/>
-              </a:lnSpc>
-              <a:spcBef>
-                <a:spcPts val="0"/>
-              </a:spcBef>
-              <a:spcAft>
-                <a:spcPts val="0"/>
-              </a:spcAft>
-              <a:buClr>
-                <a:schemeClr val="dk1"/>
-              </a:buClr>
-              <a:buSzPct val="100000"/>
-              <a:buFont typeface="Open Sans"/>
-              <a:buChar char="•"/>
-            </a:pPr>
-            <a:r>
-              <a:rPr lang="en-US" sz="2400">
-                <a:latin typeface="Open Sans"/>
-                <a:ea typeface="Open Sans"/>
-                <a:cs typeface="Open Sans"/>
-                <a:sym typeface="Open Sans"/>
-              </a:rPr>
-              <a:t>Aumenta a segurança nas transações por poder responsabilizar as pessoas</a:t>
+              <a:t>: costumes foram sistematizados em estatutos</a:t>
             </a:r>
             <a:endParaRPr>
               <a:latin typeface="Open Sans"/>
@@ -13647,7 +15804,7 @@
       </p:sp>
       <p:pic>
         <p:nvPicPr>
-          <p:cNvPr id="187" name="Google Shape;187;p29"/>
+          <p:cNvPr id="212" name="Google Shape;212;p32"/>
           <p:cNvPicPr preferRelativeResize="0"/>
           <p:nvPr/>
         </p:nvPicPr>
@@ -13661,572 +15818,8 @@
         </p:blipFill>
         <p:spPr>
           <a:xfrm>
-            <a:off x="152400" y="6055824"/>
-            <a:ext cx="2164649" cy="649775"/>
-          </a:xfrm>
-          <a:prstGeom prst="rect">
-            <a:avLst/>
-          </a:prstGeom>
-          <a:noFill/>
-          <a:ln>
-            <a:noFill/>
-          </a:ln>
-        </p:spPr>
-      </p:pic>
-    </p:spTree>
-  </p:cSld>
-  <p:clrMapOvr>
-    <a:masterClrMapping/>
-  </p:clrMapOvr>
-</p:sld>
-</file>
-
-<file path=ppt/slides/slide17.xml><?xml version="1.0" encoding="utf-8"?>
-<p:sld xmlns:a="http://schemas.openxmlformats.org/drawingml/2006/main" xmlns:r="http://schemas.openxmlformats.org/officeDocument/2006/relationships" xmlns:mc="http://schemas.openxmlformats.org/markup-compatibility/2006" xmlns:mv="urn:schemas-microsoft-com:mac:vml" xmlns:p="http://schemas.openxmlformats.org/presentationml/2006/main" xmlns:c="http://schemas.openxmlformats.org/drawingml/2006/chart" xmlns:dgm="http://schemas.openxmlformats.org/drawingml/2006/diagram" xmlns:o="urn:schemas-microsoft-com:office:office" xmlns:v="urn:schemas-microsoft-com:vml" xmlns:pvml="urn:schemas-microsoft-com:office:powerpoint" xmlns:com="http://schemas.openxmlformats.org/drawingml/2006/compatibility" xmlns:p14="http://schemas.microsoft.com/office/powerpoint/2010/main" xmlns:p15="http://schemas.microsoft.com/office/powerpoint/2012/main" xmlns:ahyp="http://schemas.microsoft.com/office/drawing/2018/hyperlinkcolor">
-  <p:cSld>
-    <p:spTree>
-      <p:nvGrpSpPr>
-        <p:cNvPr id="192" name="Shape 192"/>
-        <p:cNvGrpSpPr/>
-        <p:nvPr/>
-      </p:nvGrpSpPr>
-      <p:grpSpPr>
-        <a:xfrm>
-          <a:off x="0" y="0"/>
-          <a:ext cx="0" cy="0"/>
-          <a:chOff x="0" y="0"/>
-          <a:chExt cx="0" cy="0"/>
-        </a:xfrm>
-      </p:grpSpPr>
-      <p:sp>
-        <p:nvSpPr>
-          <p:cNvPr id="193" name="Google Shape;193;p30"/>
-          <p:cNvSpPr txBox="1"/>
-          <p:nvPr>
-            <p:ph type="title"/>
-          </p:nvPr>
-        </p:nvSpPr>
-        <p:spPr>
-          <a:xfrm>
-            <a:off x="457200" y="274637"/>
-            <a:ext cx="8229600" cy="1143000"/>
-          </a:xfrm>
-          <a:prstGeom prst="rect">
-            <a:avLst/>
-          </a:prstGeom>
-          <a:noFill/>
-          <a:ln>
-            <a:noFill/>
-          </a:ln>
-        </p:spPr>
-        <p:txBody>
-          <a:bodyPr anchorCtr="0" anchor="ctr" bIns="91425" lIns="91425" spcFirstLastPara="1" rIns="91425" wrap="square" tIns="91425">
-            <a:normAutofit/>
-          </a:bodyPr>
-          <a:lstStyle/>
-          <a:p>
-            <a:pPr indent="0" lvl="0" marL="0" marR="0" rtl="0" algn="ctr">
-              <a:lnSpc>
-                <a:spcPct val="100000"/>
-              </a:lnSpc>
-              <a:spcBef>
-                <a:spcPts val="0"/>
-              </a:spcBef>
-              <a:spcAft>
-                <a:spcPts val="0"/>
-              </a:spcAft>
-              <a:buClr>
-                <a:schemeClr val="dk1"/>
-              </a:buClr>
-              <a:buSzPts val="900"/>
-              <a:buFont typeface="Calibri"/>
-              <a:buNone/>
-            </a:pPr>
-            <a:r>
-              <a:rPr b="1" lang="en-US" sz="3600">
-                <a:latin typeface="Open Sans"/>
-                <a:ea typeface="Open Sans"/>
-                <a:cs typeface="Open Sans"/>
-                <a:sym typeface="Open Sans"/>
-              </a:rPr>
-              <a:t>The Mystery of Capital</a:t>
-            </a:r>
-            <a:endParaRPr>
-              <a:latin typeface="Open Sans"/>
-              <a:ea typeface="Open Sans"/>
-              <a:cs typeface="Open Sans"/>
-              <a:sym typeface="Open Sans"/>
-            </a:endParaRPr>
-          </a:p>
-        </p:txBody>
-      </p:sp>
-      <p:sp>
-        <p:nvSpPr>
-          <p:cNvPr id="194" name="Google Shape;194;p30"/>
-          <p:cNvSpPr txBox="1"/>
-          <p:nvPr>
-            <p:ph idx="1" type="body"/>
-          </p:nvPr>
-        </p:nvSpPr>
-        <p:spPr>
-          <a:xfrm>
-            <a:off x="457200" y="1665725"/>
-            <a:ext cx="8229600" cy="4336800"/>
-          </a:xfrm>
-          <a:prstGeom prst="rect">
-            <a:avLst/>
-          </a:prstGeom>
-          <a:noFill/>
-          <a:ln>
-            <a:noFill/>
-          </a:ln>
-        </p:spPr>
-        <p:txBody>
-          <a:bodyPr anchorCtr="0" anchor="t" bIns="91425" lIns="91425" spcFirstLastPara="1" rIns="91425" wrap="square" tIns="91425">
-            <a:normAutofit fontScale="92500" lnSpcReduction="10000"/>
-          </a:bodyPr>
-          <a:lstStyle/>
-          <a:p>
-            <a:pPr indent="-369570" lvl="0" marL="457200" rtl="0" algn="l">
-              <a:lnSpc>
-                <a:spcPct val="115000"/>
-              </a:lnSpc>
-              <a:spcBef>
-                <a:spcPts val="0"/>
-              </a:spcBef>
-              <a:spcAft>
-                <a:spcPts val="0"/>
-              </a:spcAft>
-              <a:buClr>
-                <a:schemeClr val="dk1"/>
-              </a:buClr>
-              <a:buSzPct val="100000"/>
-              <a:buFont typeface="Open Sans"/>
-              <a:buChar char="•"/>
-            </a:pPr>
-            <a:r>
-              <a:rPr lang="en-US" sz="2400">
-                <a:latin typeface="Open Sans"/>
-                <a:ea typeface="Open Sans"/>
-                <a:cs typeface="Open Sans"/>
-                <a:sym typeface="Open Sans"/>
-              </a:rPr>
-              <a:t>Transforma os bens em ativos tangíveis, que podem ser divididos, empregados em novas maneiras, ou utilizados para fins diversos do original (uma casa como garantia de empréstimos, por exemplo)</a:t>
-            </a:r>
-            <a:endParaRPr sz="2400">
-              <a:latin typeface="Open Sans"/>
-              <a:ea typeface="Open Sans"/>
-              <a:cs typeface="Open Sans"/>
-              <a:sym typeface="Open Sans"/>
-            </a:endParaRPr>
-          </a:p>
-          <a:p>
-            <a:pPr indent="0" lvl="0" marL="406400" rtl="0" algn="l">
-              <a:lnSpc>
-                <a:spcPct val="115000"/>
-              </a:lnSpc>
-              <a:spcBef>
-                <a:spcPts val="0"/>
-              </a:spcBef>
-              <a:spcAft>
-                <a:spcPts val="0"/>
-              </a:spcAft>
-              <a:buNone/>
-            </a:pPr>
-            <a:r>
-              <a:t/>
-            </a:r>
-            <a:endParaRPr sz="2400">
-              <a:latin typeface="Open Sans"/>
-              <a:ea typeface="Open Sans"/>
-              <a:cs typeface="Open Sans"/>
-              <a:sym typeface="Open Sans"/>
-            </a:endParaRPr>
-          </a:p>
-          <a:p>
-            <a:pPr indent="-369570" lvl="0" marL="457200" rtl="0" algn="l">
-              <a:lnSpc>
-                <a:spcPct val="115000"/>
-              </a:lnSpc>
-              <a:spcBef>
-                <a:spcPts val="0"/>
-              </a:spcBef>
-              <a:spcAft>
-                <a:spcPts val="0"/>
-              </a:spcAft>
-              <a:buClr>
-                <a:schemeClr val="dk1"/>
-              </a:buClr>
-              <a:buSzPct val="100000"/>
-              <a:buFont typeface="Open Sans"/>
-              <a:buChar char="•"/>
-            </a:pPr>
-            <a:r>
-              <a:rPr lang="en-US" sz="2400">
-                <a:latin typeface="Open Sans"/>
-                <a:ea typeface="Open Sans"/>
-                <a:cs typeface="Open Sans"/>
-                <a:sym typeface="Open Sans"/>
-              </a:rPr>
-              <a:t>Aumenta a rede de contatos dos indivíduos, pois eles passam a fazer parte de novas redes sociais e comerciais</a:t>
-            </a:r>
-            <a:endParaRPr sz="2400">
-              <a:latin typeface="Open Sans"/>
-              <a:ea typeface="Open Sans"/>
-              <a:cs typeface="Open Sans"/>
-              <a:sym typeface="Open Sans"/>
-            </a:endParaRPr>
-          </a:p>
-          <a:p>
-            <a:pPr indent="0" lvl="0" marL="406400" rtl="0" algn="l">
-              <a:lnSpc>
-                <a:spcPct val="115000"/>
-              </a:lnSpc>
-              <a:spcBef>
-                <a:spcPts val="0"/>
-              </a:spcBef>
-              <a:spcAft>
-                <a:spcPts val="0"/>
-              </a:spcAft>
-              <a:buNone/>
-            </a:pPr>
-            <a:r>
-              <a:t/>
-            </a:r>
-            <a:endParaRPr sz="2400">
-              <a:latin typeface="Open Sans"/>
-              <a:ea typeface="Open Sans"/>
-              <a:cs typeface="Open Sans"/>
-              <a:sym typeface="Open Sans"/>
-            </a:endParaRPr>
-          </a:p>
-          <a:p>
-            <a:pPr indent="-369570" lvl="0" marL="457200" rtl="0" algn="l">
-              <a:lnSpc>
-                <a:spcPct val="115000"/>
-              </a:lnSpc>
-              <a:spcBef>
-                <a:spcPts val="0"/>
-              </a:spcBef>
-              <a:spcAft>
-                <a:spcPts val="0"/>
-              </a:spcAft>
-              <a:buClr>
-                <a:schemeClr val="dk1"/>
-              </a:buClr>
-              <a:buSzPct val="100000"/>
-              <a:buFont typeface="Open Sans"/>
-              <a:buChar char="•"/>
-            </a:pPr>
-            <a:r>
-              <a:rPr lang="en-US" sz="2400">
-                <a:latin typeface="Open Sans"/>
-                <a:ea typeface="Open Sans"/>
-                <a:cs typeface="Open Sans"/>
-                <a:sym typeface="Open Sans"/>
-              </a:rPr>
-              <a:t>Protege as transações, pois dá maior garantia aos que emprestam, o que permite maior capilarização dos fundos</a:t>
-            </a:r>
-            <a:endParaRPr>
-              <a:latin typeface="Open Sans"/>
-              <a:ea typeface="Open Sans"/>
-              <a:cs typeface="Open Sans"/>
-              <a:sym typeface="Open Sans"/>
-            </a:endParaRPr>
-          </a:p>
-        </p:txBody>
-      </p:sp>
-      <p:pic>
-        <p:nvPicPr>
-          <p:cNvPr id="195" name="Google Shape;195;p30"/>
-          <p:cNvPicPr preferRelativeResize="0"/>
-          <p:nvPr/>
-        </p:nvPicPr>
-        <p:blipFill>
-          <a:blip r:embed="rId3">
-            <a:alphaModFix/>
-          </a:blip>
-          <a:stretch>
-            <a:fillRect/>
-          </a:stretch>
-        </p:blipFill>
-        <p:spPr>
-          <a:xfrm>
-            <a:off x="152400" y="6055824"/>
-            <a:ext cx="2164649" cy="649775"/>
-          </a:xfrm>
-          <a:prstGeom prst="rect">
-            <a:avLst/>
-          </a:prstGeom>
-          <a:noFill/>
-          <a:ln>
-            <a:noFill/>
-          </a:ln>
-        </p:spPr>
-      </p:pic>
-    </p:spTree>
-  </p:cSld>
-  <p:clrMapOvr>
-    <a:masterClrMapping/>
-  </p:clrMapOvr>
-</p:sld>
-</file>
-
-<file path=ppt/slides/slide18.xml><?xml version="1.0" encoding="utf-8"?>
-<p:sld xmlns:a="http://schemas.openxmlformats.org/drawingml/2006/main" xmlns:r="http://schemas.openxmlformats.org/officeDocument/2006/relationships" xmlns:mc="http://schemas.openxmlformats.org/markup-compatibility/2006" xmlns:mv="urn:schemas-microsoft-com:mac:vml" xmlns:p="http://schemas.openxmlformats.org/presentationml/2006/main" xmlns:c="http://schemas.openxmlformats.org/drawingml/2006/chart" xmlns:dgm="http://schemas.openxmlformats.org/drawingml/2006/diagram" xmlns:o="urn:schemas-microsoft-com:office:office" xmlns:v="urn:schemas-microsoft-com:vml" xmlns:pvml="urn:schemas-microsoft-com:office:powerpoint" xmlns:com="http://schemas.openxmlformats.org/drawingml/2006/compatibility" xmlns:p14="http://schemas.microsoft.com/office/powerpoint/2010/main" xmlns:p15="http://schemas.microsoft.com/office/powerpoint/2012/main" xmlns:ahyp="http://schemas.microsoft.com/office/drawing/2018/hyperlinkcolor">
-  <p:cSld>
-    <p:spTree>
-      <p:nvGrpSpPr>
-        <p:cNvPr id="200" name="Shape 200"/>
-        <p:cNvGrpSpPr/>
-        <p:nvPr/>
-      </p:nvGrpSpPr>
-      <p:grpSpPr>
-        <a:xfrm>
-          <a:off x="0" y="0"/>
-          <a:ext cx="0" cy="0"/>
-          <a:chOff x="0" y="0"/>
-          <a:chExt cx="0" cy="0"/>
-        </a:xfrm>
-      </p:grpSpPr>
-      <p:sp>
-        <p:nvSpPr>
-          <p:cNvPr id="201" name="Google Shape;201;p31"/>
-          <p:cNvSpPr txBox="1"/>
-          <p:nvPr>
-            <p:ph type="title"/>
-          </p:nvPr>
-        </p:nvSpPr>
-        <p:spPr>
-          <a:xfrm>
-            <a:off x="457200" y="274637"/>
-            <a:ext cx="8229600" cy="1143000"/>
-          </a:xfrm>
-          <a:prstGeom prst="rect">
-            <a:avLst/>
-          </a:prstGeom>
-          <a:noFill/>
-          <a:ln>
-            <a:noFill/>
-          </a:ln>
-        </p:spPr>
-        <p:txBody>
-          <a:bodyPr anchorCtr="0" anchor="ctr" bIns="91425" lIns="91425" spcFirstLastPara="1" rIns="91425" wrap="square" tIns="91425">
-            <a:normAutofit/>
-          </a:bodyPr>
-          <a:lstStyle/>
-          <a:p>
-            <a:pPr indent="0" lvl="0" marL="0" marR="0" rtl="0" algn="ctr">
-              <a:lnSpc>
-                <a:spcPct val="100000"/>
-              </a:lnSpc>
-              <a:spcBef>
-                <a:spcPts val="0"/>
-              </a:spcBef>
-              <a:spcAft>
-                <a:spcPts val="0"/>
-              </a:spcAft>
-              <a:buClr>
-                <a:schemeClr val="dk1"/>
-              </a:buClr>
-              <a:buSzPts val="900"/>
-              <a:buFont typeface="Calibri"/>
-              <a:buNone/>
-            </a:pPr>
-            <a:r>
-              <a:rPr b="1" i="0" lang="en-US" sz="3600" u="none" cap="none" strike="noStrike">
-                <a:solidFill>
-                  <a:schemeClr val="dk1"/>
-                </a:solidFill>
-                <a:latin typeface="Open Sans"/>
-                <a:ea typeface="Open Sans"/>
-                <a:cs typeface="Open Sans"/>
-                <a:sym typeface="Open Sans"/>
-              </a:rPr>
-              <a:t>Questões</a:t>
-            </a:r>
-            <a:endParaRPr>
-              <a:latin typeface="Open Sans"/>
-              <a:ea typeface="Open Sans"/>
-              <a:cs typeface="Open Sans"/>
-              <a:sym typeface="Open Sans"/>
-            </a:endParaRPr>
-          </a:p>
-        </p:txBody>
-      </p:sp>
-      <p:sp>
-        <p:nvSpPr>
-          <p:cNvPr id="202" name="Google Shape;202;p31"/>
-          <p:cNvSpPr txBox="1"/>
-          <p:nvPr>
-            <p:ph idx="1" type="body"/>
-          </p:nvPr>
-        </p:nvSpPr>
-        <p:spPr>
-          <a:xfrm>
-            <a:off x="457200" y="1665725"/>
-            <a:ext cx="8229600" cy="4336800"/>
-          </a:xfrm>
-          <a:prstGeom prst="rect">
-            <a:avLst/>
-          </a:prstGeom>
-          <a:noFill/>
-          <a:ln>
-            <a:noFill/>
-          </a:ln>
-        </p:spPr>
-        <p:txBody>
-          <a:bodyPr anchorCtr="0" anchor="t" bIns="91425" lIns="91425" spcFirstLastPara="1" rIns="91425" wrap="square" tIns="91425">
-            <a:normAutofit lnSpcReduction="10000"/>
-          </a:bodyPr>
-          <a:lstStyle/>
-          <a:p>
-            <a:pPr indent="-381000" lvl="0" marL="457200" rtl="0" algn="l">
-              <a:lnSpc>
-                <a:spcPct val="100000"/>
-              </a:lnSpc>
-              <a:spcBef>
-                <a:spcPts val="0"/>
-              </a:spcBef>
-              <a:spcAft>
-                <a:spcPts val="0"/>
-              </a:spcAft>
-              <a:buClr>
-                <a:schemeClr val="dk1"/>
-              </a:buClr>
-              <a:buSzPts val="2400"/>
-              <a:buFont typeface="Open Sans"/>
-              <a:buChar char="•"/>
-            </a:pPr>
-            <a:r>
-              <a:rPr lang="en-US" sz="2400">
-                <a:latin typeface="Open Sans"/>
-                <a:ea typeface="Open Sans"/>
-                <a:cs typeface="Open Sans"/>
-                <a:sym typeface="Open Sans"/>
-              </a:rPr>
-              <a:t>De Soto deixa implícito o argumento que apenas o estado pode garantir a propriedade. Intuitivamente esta posição faz sentido. Vocês poderiam dar exemplos </a:t>
-            </a:r>
-            <a:r>
-              <a:rPr i="1" lang="en-US" sz="2400">
-                <a:latin typeface="Open Sans"/>
-                <a:ea typeface="Open Sans"/>
-                <a:cs typeface="Open Sans"/>
-                <a:sym typeface="Open Sans"/>
-              </a:rPr>
-              <a:t>práticos</a:t>
-            </a:r>
-            <a:r>
-              <a:rPr lang="en-US" sz="2400">
-                <a:latin typeface="Open Sans"/>
-                <a:ea typeface="Open Sans"/>
-                <a:cs typeface="Open Sans"/>
-                <a:sym typeface="Open Sans"/>
-              </a:rPr>
-              <a:t> onde a propriedade privada é mantida por arranjos não estatais?</a:t>
-            </a:r>
-            <a:endParaRPr sz="2400">
-              <a:latin typeface="Open Sans"/>
-              <a:ea typeface="Open Sans"/>
-              <a:cs typeface="Open Sans"/>
-              <a:sym typeface="Open Sans"/>
-            </a:endParaRPr>
-          </a:p>
-          <a:p>
-            <a:pPr indent="0" lvl="0" marL="406400" rtl="0" algn="l">
-              <a:lnSpc>
-                <a:spcPct val="100000"/>
-              </a:lnSpc>
-              <a:spcBef>
-                <a:spcPts val="0"/>
-              </a:spcBef>
-              <a:spcAft>
-                <a:spcPts val="0"/>
-              </a:spcAft>
-              <a:buNone/>
-            </a:pPr>
-            <a:r>
-              <a:t/>
-            </a:r>
-            <a:endParaRPr sz="2400">
-              <a:latin typeface="Open Sans"/>
-              <a:ea typeface="Open Sans"/>
-              <a:cs typeface="Open Sans"/>
-              <a:sym typeface="Open Sans"/>
-            </a:endParaRPr>
-          </a:p>
-          <a:p>
-            <a:pPr indent="-381000" lvl="0" marL="457200" rtl="0" algn="l">
-              <a:lnSpc>
-                <a:spcPct val="100000"/>
-              </a:lnSpc>
-              <a:spcBef>
-                <a:spcPts val="0"/>
-              </a:spcBef>
-              <a:spcAft>
-                <a:spcPts val="0"/>
-              </a:spcAft>
-              <a:buClr>
-                <a:schemeClr val="dk1"/>
-              </a:buClr>
-              <a:buSzPts val="2400"/>
-              <a:buFont typeface="Open Sans"/>
-              <a:buChar char="•"/>
-            </a:pPr>
-            <a:r>
-              <a:rPr lang="en-US" sz="2400">
-                <a:latin typeface="Open Sans"/>
-                <a:ea typeface="Open Sans"/>
-                <a:cs typeface="Open Sans"/>
-                <a:sym typeface="Open Sans"/>
-              </a:rPr>
-              <a:t>A regulamentação fundiária individual da pequena propriedade é o melhor modelo para isso? Ela não deixaria os indivíduos vulneráveis à especulação? Qual a vantagem, se é que há, da regulamentação das terras como propriedades </a:t>
-            </a:r>
-            <a:r>
-              <a:rPr i="1" lang="en-US" sz="2400">
-                <a:latin typeface="Open Sans"/>
-                <a:ea typeface="Open Sans"/>
-                <a:cs typeface="Open Sans"/>
-                <a:sym typeface="Open Sans"/>
-              </a:rPr>
-              <a:t>coletivas</a:t>
-            </a:r>
-            <a:r>
-              <a:rPr lang="en-US" sz="2400">
-                <a:latin typeface="Open Sans"/>
-                <a:ea typeface="Open Sans"/>
-                <a:cs typeface="Open Sans"/>
-                <a:sym typeface="Open Sans"/>
-              </a:rPr>
-              <a:t>? E quais as desvantagens, se existem?</a:t>
-            </a:r>
-            <a:endParaRPr>
-              <a:latin typeface="Open Sans"/>
-              <a:ea typeface="Open Sans"/>
-              <a:cs typeface="Open Sans"/>
-              <a:sym typeface="Open Sans"/>
-            </a:endParaRPr>
-          </a:p>
-        </p:txBody>
-      </p:sp>
-      <p:pic>
-        <p:nvPicPr>
-          <p:cNvPr id="203" name="Google Shape;203;p31"/>
-          <p:cNvPicPr preferRelativeResize="0"/>
-          <p:nvPr/>
-        </p:nvPicPr>
-        <p:blipFill>
-          <a:blip r:embed="rId3">
-            <a:alphaModFix/>
-          </a:blip>
-          <a:stretch>
-            <a:fillRect/>
-          </a:stretch>
-        </p:blipFill>
-        <p:spPr>
-          <a:xfrm>
-            <a:off x="152400" y="6055824"/>
-            <a:ext cx="2164649" cy="649775"/>
+            <a:off x="152400" y="6013899"/>
+            <a:ext cx="2304373" cy="691700"/>
           </a:xfrm>
           <a:prstGeom prst="rect">
             <a:avLst/>
@@ -14313,7 +15906,7 @@
                 <a:cs typeface="Open Sans"/>
                 <a:sym typeface="Open Sans"/>
               </a:rPr>
-              <a:t>Hernando de Soto</a:t>
+              <a:t>Harold Berman</a:t>
             </a:r>
             <a:endParaRPr>
               <a:latin typeface="Open Sans"/>
@@ -14351,7 +15944,7 @@
           </a:bodyPr>
           <a:lstStyle/>
           <a:p>
-            <a:pPr indent="-368300" lvl="0" marL="457200" marR="0" rtl="0" algn="l">
+            <a:pPr indent="-363220" lvl="0" marL="457200" marR="0" rtl="0" algn="l">
               <a:lnSpc>
                 <a:spcPct val="180000"/>
               </a:lnSpc>
@@ -14361,20 +15954,20 @@
               <a:spcAft>
                 <a:spcPts val="0"/>
               </a:spcAft>
-              <a:buSzPts val="2200"/>
+              <a:buSzPts val="2120"/>
               <a:buFont typeface="Open Sans"/>
               <a:buChar char="•"/>
             </a:pPr>
             <a:r>
-              <a:rPr lang="en-US" sz="2200">
+              <a:rPr lang="en-US" sz="2120">
                 <a:latin typeface="Open Sans"/>
                 <a:ea typeface="Open Sans"/>
                 <a:cs typeface="Open Sans"/>
                 <a:sym typeface="Open Sans"/>
               </a:rPr>
-              <a:t>Economista peruano (1941)</a:t>
-            </a:r>
-            <a:endParaRPr sz="3000">
+              <a:t>Jurista americano (1918-2007)</a:t>
+            </a:r>
+            <a:endParaRPr sz="2860">
               <a:latin typeface="Open Sans"/>
               <a:ea typeface="Open Sans"/>
               <a:cs typeface="Open Sans"/>
@@ -14382,7 +15975,7 @@
             </a:endParaRPr>
           </a:p>
           <a:p>
-            <a:pPr indent="-368300" lvl="0" marL="457200" marR="0" rtl="0" algn="l">
+            <a:pPr indent="-363220" lvl="0" marL="457200" marR="0" rtl="0" algn="l">
               <a:lnSpc>
                 <a:spcPct val="180000"/>
               </a:lnSpc>
@@ -14392,20 +15985,20 @@
               <a:spcAft>
                 <a:spcPts val="0"/>
               </a:spcAft>
-              <a:buSzPts val="2200"/>
+              <a:buSzPts val="2120"/>
               <a:buFont typeface="Open Sans"/>
               <a:buChar char="•"/>
             </a:pPr>
             <a:r>
-              <a:rPr lang="en-US" sz="2200">
+              <a:rPr lang="en-US" sz="2120">
                 <a:latin typeface="Open Sans"/>
                 <a:ea typeface="Open Sans"/>
                 <a:cs typeface="Open Sans"/>
                 <a:sym typeface="Open Sans"/>
               </a:rPr>
-              <a:t>Analista da economia informal na AL</a:t>
-            </a:r>
-            <a:endParaRPr sz="3000">
+              <a:t>Especialista em direito soviético (!) </a:t>
+            </a:r>
+            <a:endParaRPr sz="2860">
               <a:latin typeface="Open Sans"/>
               <a:ea typeface="Open Sans"/>
               <a:cs typeface="Open Sans"/>
@@ -14413,7 +16006,7 @@
             </a:endParaRPr>
           </a:p>
           <a:p>
-            <a:pPr indent="-368300" lvl="0" marL="457200" marR="0" rtl="0" algn="l">
+            <a:pPr indent="-363220" lvl="0" marL="457200" marR="0" rtl="0" algn="l">
               <a:lnSpc>
                 <a:spcPct val="180000"/>
               </a:lnSpc>
@@ -14423,38 +16016,82 @@
               <a:spcAft>
                 <a:spcPts val="0"/>
               </a:spcAft>
-              <a:buSzPts val="2200"/>
+              <a:buSzPts val="2120"/>
               <a:buFont typeface="Open Sans"/>
               <a:buChar char="•"/>
             </a:pPr>
             <a:r>
-              <a:rPr lang="en-US" sz="2200">
+              <a:rPr lang="en-US" sz="2120">
                 <a:latin typeface="Open Sans"/>
                 <a:ea typeface="Open Sans"/>
                 <a:cs typeface="Open Sans"/>
                 <a:sym typeface="Open Sans"/>
               </a:rPr>
-              <a:t>Famoso por </a:t>
-            </a:r>
-            <a:r>
-              <a:rPr i="1" lang="en-US" sz="2200">
+              <a:t>Professor da Harvard Law School</a:t>
+            </a:r>
+            <a:endParaRPr sz="2860">
+              <a:latin typeface="Open Sans"/>
+              <a:ea typeface="Open Sans"/>
+              <a:cs typeface="Open Sans"/>
+              <a:sym typeface="Open Sans"/>
+            </a:endParaRPr>
+          </a:p>
+          <a:p>
+            <a:pPr indent="-363220" lvl="0" marL="457200" marR="0" rtl="0" algn="l">
+              <a:lnSpc>
+                <a:spcPct val="180000"/>
+              </a:lnSpc>
+              <a:spcBef>
+                <a:spcPts val="0"/>
+              </a:spcBef>
+              <a:spcAft>
+                <a:spcPts val="0"/>
+              </a:spcAft>
+              <a:buSzPts val="2120"/>
+              <a:buFont typeface="Open Sans"/>
+              <a:buChar char="•"/>
+            </a:pPr>
+            <a:r>
+              <a:rPr lang="en-US" sz="2120">
                 <a:latin typeface="Open Sans"/>
                 <a:ea typeface="Open Sans"/>
                 <a:cs typeface="Open Sans"/>
                 <a:sym typeface="Open Sans"/>
               </a:rPr>
-              <a:t>The Mystery of Capital</a:t>
-            </a:r>
-            <a:r>
-              <a:rPr lang="en-US" sz="2200">
+              <a:t>Importante obra sobre a lei no Ocidente</a:t>
+            </a:r>
+            <a:endParaRPr sz="2860">
+              <a:latin typeface="Open Sans"/>
+              <a:ea typeface="Open Sans"/>
+              <a:cs typeface="Open Sans"/>
+              <a:sym typeface="Open Sans"/>
+            </a:endParaRPr>
+          </a:p>
+          <a:p>
+            <a:pPr indent="-363220" lvl="0" marL="457200" marR="0" rtl="0" algn="l">
+              <a:lnSpc>
+                <a:spcPct val="180000"/>
+              </a:lnSpc>
+              <a:spcBef>
+                <a:spcPts val="0"/>
+              </a:spcBef>
+              <a:spcAft>
+                <a:spcPts val="0"/>
+              </a:spcAft>
+              <a:buSzPts val="2120"/>
+              <a:buFont typeface="Open Sans"/>
+              <a:buChar char="•"/>
+            </a:pPr>
+            <a:r>
+              <a:rPr lang="en-US" sz="2120">
                 <a:latin typeface="Open Sans"/>
                 <a:ea typeface="Open Sans"/>
                 <a:cs typeface="Open Sans"/>
                 <a:sym typeface="Open Sans"/>
               </a:rPr>
-              <a:t> (2000)</a:t>
-            </a:r>
-            <a:endParaRPr sz="3000">
+              <a:t>Escreveu 25 livros e mais de 400 artigos</a:t>
+            </a:r>
+            <a:endParaRPr sz="2860">
               <a:latin typeface="Open Sans"/>
               <a:ea typeface="Open Sans"/>
               <a:cs typeface="Open Sans"/>
@@ -14462,7 +16099,7 @@
             </a:endParaRPr>
           </a:p>
           <a:p>
-            <a:pPr indent="-368300" lvl="0" marL="457200" marR="0" rtl="0" algn="l">
+            <a:pPr indent="-363220" lvl="0" marL="457200" marR="0" rtl="0" algn="l">
               <a:lnSpc>
                 <a:spcPct val="180000"/>
               </a:lnSpc>
@@ -14472,89 +16109,45 @@
               <a:spcAft>
                 <a:spcPts val="0"/>
               </a:spcAft>
-              <a:buSzPts val="2200"/>
+              <a:buSzPts val="2120"/>
               <a:buFont typeface="Open Sans"/>
               <a:buChar char="•"/>
             </a:pPr>
             <a:r>
-              <a:rPr lang="en-US" sz="2200">
+              <a:rPr i="1" lang="en-US" sz="2120">
                 <a:latin typeface="Open Sans"/>
                 <a:ea typeface="Open Sans"/>
                 <a:cs typeface="Open Sans"/>
                 <a:sym typeface="Open Sans"/>
               </a:rPr>
-              <a:t>Ênfase no direito de propriedade</a:t>
-            </a:r>
-            <a:endParaRPr sz="3000">
+              <a:t>Law and Revolution </a:t>
+            </a:r>
+            <a:r>
+              <a:rPr lang="en-US" sz="2120">
+                <a:latin typeface="Open Sans"/>
+                <a:ea typeface="Open Sans"/>
+                <a:cs typeface="Open Sans"/>
+                <a:sym typeface="Open Sans"/>
+              </a:rPr>
+              <a:t>(1983) é seu trabalho mais conhecido</a:t>
+            </a:r>
+            <a:endParaRPr sz="2860">
               <a:latin typeface="Open Sans"/>
               <a:ea typeface="Open Sans"/>
               <a:cs typeface="Open Sans"/>
               <a:sym typeface="Open Sans"/>
             </a:endParaRPr>
           </a:p>
-          <a:p>
-            <a:pPr indent="-368300" lvl="0" marL="457200" marR="0" rtl="0" algn="l">
-              <a:lnSpc>
-                <a:spcPct val="180000"/>
-              </a:lnSpc>
-              <a:spcBef>
-                <a:spcPts val="0"/>
-              </a:spcBef>
-              <a:spcAft>
-                <a:spcPts val="0"/>
-              </a:spcAft>
-              <a:buSzPts val="2200"/>
-              <a:buFont typeface="Open Sans"/>
-              <a:buChar char="•"/>
-            </a:pPr>
-            <a:r>
-              <a:rPr lang="en-US" sz="2200">
-                <a:latin typeface="Open Sans"/>
-                <a:ea typeface="Open Sans"/>
-                <a:cs typeface="Open Sans"/>
-                <a:sym typeface="Open Sans"/>
-              </a:rPr>
-              <a:t>Criador do Institute for Liberty and Democracy: </a:t>
-            </a:r>
-            <a:r>
-              <a:rPr lang="en-US" sz="2200" u="sng">
-                <a:solidFill>
-                  <a:schemeClr val="hlink"/>
-                </a:solidFill>
-                <a:latin typeface="Open Sans"/>
-                <a:ea typeface="Open Sans"/>
-                <a:cs typeface="Open Sans"/>
-                <a:sym typeface="Open Sans"/>
-                <a:hlinkClick r:id="rId3"/>
-              </a:rPr>
-              <a:t>http://www.ild.org.pe/</a:t>
-            </a:r>
-            <a:r>
-              <a:rPr lang="en-US" sz="2200">
-                <a:latin typeface="Open Sans"/>
-                <a:ea typeface="Open Sans"/>
-                <a:cs typeface="Open Sans"/>
-                <a:sym typeface="Open Sans"/>
-              </a:rPr>
-              <a:t> </a:t>
-            </a:r>
-            <a:endParaRPr sz="3000">
-              <a:latin typeface="Open Sans"/>
-              <a:ea typeface="Open Sans"/>
-              <a:cs typeface="Open Sans"/>
-              <a:sym typeface="Open Sans"/>
-            </a:endParaRPr>
-          </a:p>
         </p:txBody>
       </p:sp>
       <p:pic>
         <p:nvPicPr>
-          <p:cNvPr descr="Hernando-de-Soto.jpg" id="74" name="Google Shape;74;p15"/>
+          <p:cNvPr descr="berman.jpg" id="74" name="Google Shape;74;p15"/>
           <p:cNvPicPr preferRelativeResize="0"/>
           <p:nvPr/>
         </p:nvPicPr>
         <p:blipFill rotWithShape="1">
-          <a:blip r:embed="rId4">
+          <a:blip r:embed="rId3">
             <a:alphaModFix/>
           </a:blip>
           <a:srcRect b="0" l="0" r="0" t="0"/>
@@ -14562,8 +16155,8 @@
         </p:blipFill>
         <p:spPr>
           <a:xfrm>
-            <a:off x="6462125" y="1417625"/>
-            <a:ext cx="2530600" cy="2785675"/>
+            <a:off x="6188049" y="1665724"/>
+            <a:ext cx="2955950" cy="2895875"/>
           </a:xfrm>
           <a:prstGeom prst="rect">
             <a:avLst/>
@@ -14581,7 +16174,7 @@
           <p:nvPr/>
         </p:nvPicPr>
         <p:blipFill>
-          <a:blip r:embed="rId5">
+          <a:blip r:embed="rId4">
             <a:alphaModFix/>
           </a:blip>
           <a:stretch>
@@ -14590,8 +16183,2216 @@
         </p:blipFill>
         <p:spPr>
           <a:xfrm>
-            <a:off x="152400" y="6055824"/>
-            <a:ext cx="2164649" cy="649775"/>
+            <a:off x="152400" y="6013899"/>
+            <a:ext cx="2304373" cy="691700"/>
+          </a:xfrm>
+          <a:prstGeom prst="rect">
+            <a:avLst/>
+          </a:prstGeom>
+          <a:noFill/>
+          <a:ln>
+            <a:noFill/>
+          </a:ln>
+        </p:spPr>
+      </p:pic>
+    </p:spTree>
+  </p:cSld>
+  <p:clrMapOvr>
+    <a:masterClrMapping/>
+  </p:clrMapOvr>
+</p:sld>
+</file>
+
+<file path=ppt/slides/slide20.xml><?xml version="1.0" encoding="utf-8"?>
+<p:sld xmlns:a="http://schemas.openxmlformats.org/drawingml/2006/main" xmlns:r="http://schemas.openxmlformats.org/officeDocument/2006/relationships" xmlns:mc="http://schemas.openxmlformats.org/markup-compatibility/2006" xmlns:mv="urn:schemas-microsoft-com:mac:vml" xmlns:p="http://schemas.openxmlformats.org/presentationml/2006/main" xmlns:c="http://schemas.openxmlformats.org/drawingml/2006/chart" xmlns:dgm="http://schemas.openxmlformats.org/drawingml/2006/diagram" xmlns:o="urn:schemas-microsoft-com:office:office" xmlns:v="urn:schemas-microsoft-com:vml" xmlns:pvml="urn:schemas-microsoft-com:office:powerpoint" xmlns:com="http://schemas.openxmlformats.org/drawingml/2006/compatibility" xmlns:p14="http://schemas.microsoft.com/office/powerpoint/2010/main" xmlns:p15="http://schemas.microsoft.com/office/powerpoint/2012/main" xmlns:ahyp="http://schemas.microsoft.com/office/drawing/2018/hyperlinkcolor">
+  <p:cSld>
+    <p:spTree>
+      <p:nvGrpSpPr>
+        <p:cNvPr id="217" name="Shape 217"/>
+        <p:cNvGrpSpPr/>
+        <p:nvPr/>
+      </p:nvGrpSpPr>
+      <p:grpSpPr>
+        <a:xfrm>
+          <a:off x="0" y="0"/>
+          <a:ext cx="0" cy="0"/>
+          <a:chOff x="0" y="0"/>
+          <a:chExt cx="0" cy="0"/>
+        </a:xfrm>
+      </p:grpSpPr>
+      <p:sp>
+        <p:nvSpPr>
+          <p:cNvPr id="218" name="Google Shape;218;p33"/>
+          <p:cNvSpPr txBox="1"/>
+          <p:nvPr>
+            <p:ph type="title"/>
+          </p:nvPr>
+        </p:nvSpPr>
+        <p:spPr>
+          <a:xfrm>
+            <a:off x="457200" y="274637"/>
+            <a:ext cx="8229600" cy="1143000"/>
+          </a:xfrm>
+          <a:prstGeom prst="rect">
+            <a:avLst/>
+          </a:prstGeom>
+          <a:noFill/>
+          <a:ln>
+            <a:noFill/>
+          </a:ln>
+        </p:spPr>
+        <p:txBody>
+          <a:bodyPr anchorCtr="0" anchor="ctr" bIns="91425" lIns="91425" spcFirstLastPara="1" rIns="91425" wrap="square" tIns="91425">
+            <a:normAutofit/>
+          </a:bodyPr>
+          <a:lstStyle/>
+          <a:p>
+            <a:pPr indent="0" lvl="0" marL="0" marR="0" rtl="0" algn="ctr">
+              <a:lnSpc>
+                <a:spcPct val="100000"/>
+              </a:lnSpc>
+              <a:spcBef>
+                <a:spcPts val="0"/>
+              </a:spcBef>
+              <a:spcAft>
+                <a:spcPts val="0"/>
+              </a:spcAft>
+              <a:buClr>
+                <a:schemeClr val="dk1"/>
+              </a:buClr>
+              <a:buSzPts val="900"/>
+              <a:buFont typeface="Calibri"/>
+              <a:buNone/>
+            </a:pPr>
+            <a:r>
+              <a:rPr b="1" lang="en-US" sz="3600">
+                <a:latin typeface="Open Sans"/>
+                <a:ea typeface="Open Sans"/>
+                <a:cs typeface="Open Sans"/>
+                <a:sym typeface="Open Sans"/>
+              </a:rPr>
+              <a:t>Manorial Law</a:t>
+            </a:r>
+            <a:endParaRPr>
+              <a:latin typeface="Open Sans"/>
+              <a:ea typeface="Open Sans"/>
+              <a:cs typeface="Open Sans"/>
+              <a:sym typeface="Open Sans"/>
+            </a:endParaRPr>
+          </a:p>
+        </p:txBody>
+      </p:sp>
+      <p:sp>
+        <p:nvSpPr>
+          <p:cNvPr id="219" name="Google Shape;219;p33"/>
+          <p:cNvSpPr txBox="1"/>
+          <p:nvPr>
+            <p:ph idx="1" type="body"/>
+          </p:nvPr>
+        </p:nvSpPr>
+        <p:spPr>
+          <a:xfrm>
+            <a:off x="457200" y="1665725"/>
+            <a:ext cx="8229600" cy="4336800"/>
+          </a:xfrm>
+          <a:prstGeom prst="rect">
+            <a:avLst/>
+          </a:prstGeom>
+          <a:noFill/>
+          <a:ln>
+            <a:noFill/>
+          </a:ln>
+        </p:spPr>
+        <p:txBody>
+          <a:bodyPr anchorCtr="0" anchor="t" bIns="91425" lIns="91425" spcFirstLastPara="1" rIns="91425" wrap="square" tIns="91425">
+            <a:normAutofit lnSpcReduction="20000"/>
+          </a:bodyPr>
+          <a:lstStyle/>
+          <a:p>
+            <a:pPr indent="-381000" lvl="0" marL="457200" rtl="0" algn="l">
+              <a:lnSpc>
+                <a:spcPct val="100000"/>
+              </a:lnSpc>
+              <a:spcBef>
+                <a:spcPts val="0"/>
+              </a:spcBef>
+              <a:spcAft>
+                <a:spcPts val="0"/>
+              </a:spcAft>
+              <a:buClr>
+                <a:schemeClr val="dk1"/>
+              </a:buClr>
+              <a:buSzPts val="2400"/>
+              <a:buFont typeface="Open Sans"/>
+              <a:buChar char="•"/>
+            </a:pPr>
+            <a:r>
+              <a:rPr i="1" lang="en-US" sz="2400">
+                <a:latin typeface="Open Sans"/>
+                <a:ea typeface="Open Sans"/>
+                <a:cs typeface="Open Sans"/>
+                <a:sym typeface="Open Sans"/>
+              </a:rPr>
+              <a:t>Manor</a:t>
+            </a:r>
+            <a:r>
+              <a:rPr lang="en-US" sz="2400">
+                <a:latin typeface="Open Sans"/>
+                <a:ea typeface="Open Sans"/>
+                <a:cs typeface="Open Sans"/>
+                <a:sym typeface="Open Sans"/>
+              </a:rPr>
+              <a:t>, do latim </a:t>
+            </a:r>
+            <a:r>
+              <a:rPr i="1" lang="en-US" sz="2400">
+                <a:latin typeface="Open Sans"/>
+                <a:ea typeface="Open Sans"/>
+                <a:cs typeface="Open Sans"/>
+                <a:sym typeface="Open Sans"/>
+              </a:rPr>
+              <a:t>manerium</a:t>
+            </a:r>
+            <a:r>
+              <a:rPr lang="en-US" sz="2400">
+                <a:latin typeface="Open Sans"/>
+                <a:ea typeface="Open Sans"/>
+                <a:cs typeface="Open Sans"/>
+                <a:sym typeface="Open Sans"/>
+              </a:rPr>
+              <a:t>, possui dois significados em inglês: </a:t>
+            </a:r>
+            <a:endParaRPr sz="2400">
+              <a:latin typeface="Open Sans"/>
+              <a:ea typeface="Open Sans"/>
+              <a:cs typeface="Open Sans"/>
+              <a:sym typeface="Open Sans"/>
+            </a:endParaRPr>
+          </a:p>
+          <a:p>
+            <a:pPr indent="0" lvl="0" marL="406400" rtl="0" algn="l">
+              <a:lnSpc>
+                <a:spcPct val="100000"/>
+              </a:lnSpc>
+              <a:spcBef>
+                <a:spcPts val="0"/>
+              </a:spcBef>
+              <a:spcAft>
+                <a:spcPts val="0"/>
+              </a:spcAft>
+              <a:buNone/>
+            </a:pPr>
+            <a:r>
+              <a:t/>
+            </a:r>
+            <a:endParaRPr sz="2400">
+              <a:latin typeface="Open Sans"/>
+              <a:ea typeface="Open Sans"/>
+              <a:cs typeface="Open Sans"/>
+              <a:sym typeface="Open Sans"/>
+            </a:endParaRPr>
+          </a:p>
+          <a:p>
+            <a:pPr indent="-381000" lvl="0" marL="457200" rtl="0" algn="l">
+              <a:lnSpc>
+                <a:spcPct val="100000"/>
+              </a:lnSpc>
+              <a:spcBef>
+                <a:spcPts val="0"/>
+              </a:spcBef>
+              <a:spcAft>
+                <a:spcPts val="0"/>
+              </a:spcAft>
+              <a:buClr>
+                <a:schemeClr val="dk1"/>
+              </a:buClr>
+              <a:buSzPts val="2400"/>
+              <a:buFont typeface="Open Sans"/>
+              <a:buChar char="•"/>
+            </a:pPr>
+            <a:r>
+              <a:rPr lang="en-US" sz="2400">
+                <a:latin typeface="Open Sans"/>
+                <a:ea typeface="Open Sans"/>
+                <a:cs typeface="Open Sans"/>
+                <a:sym typeface="Open Sans"/>
+              </a:rPr>
+              <a:t>O centro administrativo de uma fazenda, onde fica o dono das terras locais (“</a:t>
+            </a:r>
+            <a:r>
+              <a:rPr i="1" lang="en-US" sz="2400">
+                <a:latin typeface="Open Sans"/>
+                <a:ea typeface="Open Sans"/>
+                <a:cs typeface="Open Sans"/>
+                <a:sym typeface="Open Sans"/>
+              </a:rPr>
+              <a:t>manor house</a:t>
+            </a:r>
+            <a:r>
+              <a:rPr lang="en-US" sz="2400">
+                <a:latin typeface="Open Sans"/>
+                <a:ea typeface="Open Sans"/>
+                <a:cs typeface="Open Sans"/>
+                <a:sym typeface="Open Sans"/>
+              </a:rPr>
+              <a:t>”)</a:t>
+            </a:r>
+            <a:endParaRPr sz="2400">
+              <a:latin typeface="Open Sans"/>
+              <a:ea typeface="Open Sans"/>
+              <a:cs typeface="Open Sans"/>
+              <a:sym typeface="Open Sans"/>
+            </a:endParaRPr>
+          </a:p>
+          <a:p>
+            <a:pPr indent="0" lvl="0" marL="406400" rtl="0" algn="l">
+              <a:lnSpc>
+                <a:spcPct val="100000"/>
+              </a:lnSpc>
+              <a:spcBef>
+                <a:spcPts val="0"/>
+              </a:spcBef>
+              <a:spcAft>
+                <a:spcPts val="0"/>
+              </a:spcAft>
+              <a:buNone/>
+            </a:pPr>
+            <a:r>
+              <a:t/>
+            </a:r>
+            <a:endParaRPr sz="2400">
+              <a:latin typeface="Open Sans"/>
+              <a:ea typeface="Open Sans"/>
+              <a:cs typeface="Open Sans"/>
+              <a:sym typeface="Open Sans"/>
+            </a:endParaRPr>
+          </a:p>
+          <a:p>
+            <a:pPr indent="-381000" lvl="0" marL="457200" rtl="0" algn="l">
+              <a:lnSpc>
+                <a:spcPct val="100000"/>
+              </a:lnSpc>
+              <a:spcBef>
+                <a:spcPts val="0"/>
+              </a:spcBef>
+              <a:spcAft>
+                <a:spcPts val="0"/>
+              </a:spcAft>
+              <a:buClr>
+                <a:schemeClr val="dk1"/>
+              </a:buClr>
+              <a:buSzPts val="2400"/>
+              <a:buFont typeface="Open Sans"/>
+              <a:buChar char="•"/>
+            </a:pPr>
+            <a:r>
+              <a:rPr lang="en-US" sz="2400">
+                <a:latin typeface="Open Sans"/>
+                <a:ea typeface="Open Sans"/>
+                <a:cs typeface="Open Sans"/>
+                <a:sym typeface="Open Sans"/>
+              </a:rPr>
+              <a:t>Uma propriedade sob domínio de um senhor, “</a:t>
+            </a:r>
+            <a:r>
+              <a:rPr i="1" lang="en-US" sz="2400">
+                <a:latin typeface="Open Sans"/>
+                <a:ea typeface="Open Sans"/>
+                <a:cs typeface="Open Sans"/>
+                <a:sym typeface="Open Sans"/>
+              </a:rPr>
+              <a:t>the lord of the manor</a:t>
+            </a:r>
+            <a:r>
+              <a:rPr lang="en-US" sz="2400">
+                <a:latin typeface="Open Sans"/>
+                <a:ea typeface="Open Sans"/>
+                <a:cs typeface="Open Sans"/>
+                <a:sym typeface="Open Sans"/>
+              </a:rPr>
+              <a:t>”</a:t>
+            </a:r>
+            <a:endParaRPr sz="2400">
+              <a:latin typeface="Open Sans"/>
+              <a:ea typeface="Open Sans"/>
+              <a:cs typeface="Open Sans"/>
+              <a:sym typeface="Open Sans"/>
+            </a:endParaRPr>
+          </a:p>
+          <a:p>
+            <a:pPr indent="0" lvl="0" marL="406400" rtl="0" algn="l">
+              <a:lnSpc>
+                <a:spcPct val="100000"/>
+              </a:lnSpc>
+              <a:spcBef>
+                <a:spcPts val="0"/>
+              </a:spcBef>
+              <a:spcAft>
+                <a:spcPts val="0"/>
+              </a:spcAft>
+              <a:buNone/>
+            </a:pPr>
+            <a:r>
+              <a:t/>
+            </a:r>
+            <a:endParaRPr sz="2400">
+              <a:latin typeface="Open Sans"/>
+              <a:ea typeface="Open Sans"/>
+              <a:cs typeface="Open Sans"/>
+              <a:sym typeface="Open Sans"/>
+            </a:endParaRPr>
+          </a:p>
+          <a:p>
+            <a:pPr indent="-381000" lvl="0" marL="457200" rtl="0" algn="l">
+              <a:lnSpc>
+                <a:spcPct val="100000"/>
+              </a:lnSpc>
+              <a:spcBef>
+                <a:spcPts val="0"/>
+              </a:spcBef>
+              <a:spcAft>
+                <a:spcPts val="0"/>
+              </a:spcAft>
+              <a:buClr>
+                <a:schemeClr val="dk1"/>
+              </a:buClr>
+              <a:buSzPts val="2400"/>
+              <a:buFont typeface="Open Sans"/>
+              <a:buChar char="•"/>
+            </a:pPr>
+            <a:r>
+              <a:rPr i="1" lang="en-US" sz="2400">
+                <a:latin typeface="Open Sans"/>
+                <a:ea typeface="Open Sans"/>
+                <a:cs typeface="Open Sans"/>
+                <a:sym typeface="Open Sans"/>
+              </a:rPr>
+              <a:t>Manors</a:t>
+            </a:r>
+            <a:r>
+              <a:rPr lang="en-US" sz="2400">
+                <a:latin typeface="Open Sans"/>
+                <a:ea typeface="Open Sans"/>
+                <a:cs typeface="Open Sans"/>
+                <a:sym typeface="Open Sans"/>
+              </a:rPr>
+              <a:t> sobreviveram por vários séculos e se tornaram extintos apenas no século 17</a:t>
+            </a:r>
+            <a:endParaRPr sz="2400">
+              <a:latin typeface="Open Sans"/>
+              <a:ea typeface="Open Sans"/>
+              <a:cs typeface="Open Sans"/>
+              <a:sym typeface="Open Sans"/>
+            </a:endParaRPr>
+          </a:p>
+          <a:p>
+            <a:pPr indent="0" lvl="0" marL="406400" rtl="0" algn="l">
+              <a:lnSpc>
+                <a:spcPct val="100000"/>
+              </a:lnSpc>
+              <a:spcBef>
+                <a:spcPts val="0"/>
+              </a:spcBef>
+              <a:spcAft>
+                <a:spcPts val="0"/>
+              </a:spcAft>
+              <a:buNone/>
+            </a:pPr>
+            <a:r>
+              <a:t/>
+            </a:r>
+            <a:endParaRPr sz="2400">
+              <a:latin typeface="Open Sans"/>
+              <a:ea typeface="Open Sans"/>
+              <a:cs typeface="Open Sans"/>
+              <a:sym typeface="Open Sans"/>
+            </a:endParaRPr>
+          </a:p>
+          <a:p>
+            <a:pPr indent="-381000" lvl="0" marL="457200" rtl="0" algn="l">
+              <a:lnSpc>
+                <a:spcPct val="100000"/>
+              </a:lnSpc>
+              <a:spcBef>
+                <a:spcPts val="0"/>
+              </a:spcBef>
+              <a:spcAft>
+                <a:spcPts val="0"/>
+              </a:spcAft>
+              <a:buClr>
+                <a:schemeClr val="dk1"/>
+              </a:buClr>
+              <a:buSzPts val="2400"/>
+              <a:buFont typeface="Open Sans"/>
+              <a:buChar char="•"/>
+            </a:pPr>
+            <a:r>
+              <a:rPr lang="en-US" sz="2400">
+                <a:latin typeface="Open Sans"/>
+                <a:ea typeface="Open Sans"/>
+                <a:cs typeface="Open Sans"/>
+                <a:sym typeface="Open Sans"/>
+              </a:rPr>
+              <a:t>A base do feudalismo inglês, domínio sobre o campesinato</a:t>
+            </a:r>
+            <a:endParaRPr>
+              <a:latin typeface="Open Sans"/>
+              <a:ea typeface="Open Sans"/>
+              <a:cs typeface="Open Sans"/>
+              <a:sym typeface="Open Sans"/>
+            </a:endParaRPr>
+          </a:p>
+        </p:txBody>
+      </p:sp>
+      <p:pic>
+        <p:nvPicPr>
+          <p:cNvPr id="220" name="Google Shape;220;p33"/>
+          <p:cNvPicPr preferRelativeResize="0"/>
+          <p:nvPr/>
+        </p:nvPicPr>
+        <p:blipFill>
+          <a:blip r:embed="rId3">
+            <a:alphaModFix/>
+          </a:blip>
+          <a:stretch>
+            <a:fillRect/>
+          </a:stretch>
+        </p:blipFill>
+        <p:spPr>
+          <a:xfrm>
+            <a:off x="152400" y="6013899"/>
+            <a:ext cx="2304373" cy="691700"/>
+          </a:xfrm>
+          <a:prstGeom prst="rect">
+            <a:avLst/>
+          </a:prstGeom>
+          <a:noFill/>
+          <a:ln>
+            <a:noFill/>
+          </a:ln>
+        </p:spPr>
+      </p:pic>
+    </p:spTree>
+  </p:cSld>
+  <p:clrMapOvr>
+    <a:masterClrMapping/>
+  </p:clrMapOvr>
+</p:sld>
+</file>
+
+<file path=ppt/slides/slide21.xml><?xml version="1.0" encoding="utf-8"?>
+<p:sld xmlns:a="http://schemas.openxmlformats.org/drawingml/2006/main" xmlns:r="http://schemas.openxmlformats.org/officeDocument/2006/relationships" xmlns:mc="http://schemas.openxmlformats.org/markup-compatibility/2006" xmlns:mv="urn:schemas-microsoft-com:mac:vml" xmlns:p="http://schemas.openxmlformats.org/presentationml/2006/main" xmlns:c="http://schemas.openxmlformats.org/drawingml/2006/chart" xmlns:dgm="http://schemas.openxmlformats.org/drawingml/2006/diagram" xmlns:o="urn:schemas-microsoft-com:office:office" xmlns:v="urn:schemas-microsoft-com:vml" xmlns:pvml="urn:schemas-microsoft-com:office:powerpoint" xmlns:com="http://schemas.openxmlformats.org/drawingml/2006/compatibility" xmlns:p14="http://schemas.microsoft.com/office/powerpoint/2010/main" xmlns:p15="http://schemas.microsoft.com/office/powerpoint/2012/main" xmlns:ahyp="http://schemas.microsoft.com/office/drawing/2018/hyperlinkcolor">
+  <p:cSld>
+    <p:spTree>
+      <p:nvGrpSpPr>
+        <p:cNvPr id="225" name="Shape 225"/>
+        <p:cNvGrpSpPr/>
+        <p:nvPr/>
+      </p:nvGrpSpPr>
+      <p:grpSpPr>
+        <a:xfrm>
+          <a:off x="0" y="0"/>
+          <a:ext cx="0" cy="0"/>
+          <a:chOff x="0" y="0"/>
+          <a:chExt cx="0" cy="0"/>
+        </a:xfrm>
+      </p:grpSpPr>
+      <p:sp>
+        <p:nvSpPr>
+          <p:cNvPr id="226" name="Google Shape;226;p34"/>
+          <p:cNvSpPr txBox="1"/>
+          <p:nvPr>
+            <p:ph type="title"/>
+          </p:nvPr>
+        </p:nvSpPr>
+        <p:spPr>
+          <a:xfrm>
+            <a:off x="457200" y="274637"/>
+            <a:ext cx="8229600" cy="1143000"/>
+          </a:xfrm>
+          <a:prstGeom prst="rect">
+            <a:avLst/>
+          </a:prstGeom>
+          <a:noFill/>
+          <a:ln>
+            <a:noFill/>
+          </a:ln>
+        </p:spPr>
+        <p:txBody>
+          <a:bodyPr anchorCtr="0" anchor="ctr" bIns="91425" lIns="91425" spcFirstLastPara="1" rIns="91425" wrap="square" tIns="91425">
+            <a:normAutofit/>
+          </a:bodyPr>
+          <a:lstStyle/>
+          <a:p>
+            <a:pPr indent="0" lvl="0" marL="0" marR="0" rtl="0" algn="ctr">
+              <a:lnSpc>
+                <a:spcPct val="100000"/>
+              </a:lnSpc>
+              <a:spcBef>
+                <a:spcPts val="0"/>
+              </a:spcBef>
+              <a:spcAft>
+                <a:spcPts val="0"/>
+              </a:spcAft>
+              <a:buClr>
+                <a:schemeClr val="dk1"/>
+              </a:buClr>
+              <a:buSzPts val="900"/>
+              <a:buFont typeface="Calibri"/>
+              <a:buNone/>
+            </a:pPr>
+            <a:r>
+              <a:rPr b="1" lang="en-US" sz="3600">
+                <a:latin typeface="Open Sans"/>
+                <a:ea typeface="Open Sans"/>
+                <a:cs typeface="Open Sans"/>
+                <a:sym typeface="Open Sans"/>
+              </a:rPr>
+              <a:t>Manorial Law</a:t>
+            </a:r>
+            <a:endParaRPr>
+              <a:latin typeface="Open Sans"/>
+              <a:ea typeface="Open Sans"/>
+              <a:cs typeface="Open Sans"/>
+              <a:sym typeface="Open Sans"/>
+            </a:endParaRPr>
+          </a:p>
+        </p:txBody>
+      </p:sp>
+      <p:sp>
+        <p:nvSpPr>
+          <p:cNvPr id="227" name="Google Shape;227;p34"/>
+          <p:cNvSpPr txBox="1"/>
+          <p:nvPr>
+            <p:ph idx="1" type="body"/>
+          </p:nvPr>
+        </p:nvSpPr>
+        <p:spPr>
+          <a:xfrm>
+            <a:off x="457200" y="1665725"/>
+            <a:ext cx="8229600" cy="4336800"/>
+          </a:xfrm>
+          <a:prstGeom prst="rect">
+            <a:avLst/>
+          </a:prstGeom>
+          <a:noFill/>
+          <a:ln>
+            <a:noFill/>
+          </a:ln>
+        </p:spPr>
+        <p:txBody>
+          <a:bodyPr anchorCtr="0" anchor="t" bIns="91425" lIns="91425" spcFirstLastPara="1" rIns="91425" wrap="square" tIns="91425">
+            <a:normAutofit/>
+          </a:bodyPr>
+          <a:lstStyle/>
+          <a:p>
+            <a:pPr indent="0" lvl="0" marL="0" rtl="0" algn="l">
+              <a:lnSpc>
+                <a:spcPct val="100000"/>
+              </a:lnSpc>
+              <a:spcBef>
+                <a:spcPts val="0"/>
+              </a:spcBef>
+              <a:spcAft>
+                <a:spcPts val="0"/>
+              </a:spcAft>
+              <a:buSzPts val="2400"/>
+              <a:buNone/>
+            </a:pPr>
+            <a:r>
+              <a:t/>
+            </a:r>
+            <a:endParaRPr sz="2400"/>
+          </a:p>
+        </p:txBody>
+      </p:sp>
+      <p:pic>
+        <p:nvPicPr>
+          <p:cNvPr descr="8846846.jpg" id="228" name="Google Shape;228;p34"/>
+          <p:cNvPicPr preferRelativeResize="0"/>
+          <p:nvPr/>
+        </p:nvPicPr>
+        <p:blipFill rotWithShape="1">
+          <a:blip r:embed="rId3">
+            <a:alphaModFix/>
+          </a:blip>
+          <a:srcRect b="0" l="0" r="0" t="0"/>
+          <a:stretch/>
+        </p:blipFill>
+        <p:spPr>
+          <a:xfrm>
+            <a:off x="457200" y="1436225"/>
+            <a:ext cx="8333825" cy="4566300"/>
+          </a:xfrm>
+          <a:prstGeom prst="rect">
+            <a:avLst/>
+          </a:prstGeom>
+          <a:noFill/>
+          <a:ln>
+            <a:noFill/>
+          </a:ln>
+        </p:spPr>
+      </p:pic>
+      <p:pic>
+        <p:nvPicPr>
+          <p:cNvPr id="229" name="Google Shape;229;p34"/>
+          <p:cNvPicPr preferRelativeResize="0"/>
+          <p:nvPr/>
+        </p:nvPicPr>
+        <p:blipFill>
+          <a:blip r:embed="rId4">
+            <a:alphaModFix/>
+          </a:blip>
+          <a:stretch>
+            <a:fillRect/>
+          </a:stretch>
+        </p:blipFill>
+        <p:spPr>
+          <a:xfrm>
+            <a:off x="152400" y="6013899"/>
+            <a:ext cx="2304373" cy="691700"/>
+          </a:xfrm>
+          <a:prstGeom prst="rect">
+            <a:avLst/>
+          </a:prstGeom>
+          <a:noFill/>
+          <a:ln>
+            <a:noFill/>
+          </a:ln>
+        </p:spPr>
+      </p:pic>
+    </p:spTree>
+  </p:cSld>
+  <p:clrMapOvr>
+    <a:masterClrMapping/>
+  </p:clrMapOvr>
+</p:sld>
+</file>
+
+<file path=ppt/slides/slide22.xml><?xml version="1.0" encoding="utf-8"?>
+<p:sld xmlns:a="http://schemas.openxmlformats.org/drawingml/2006/main" xmlns:r="http://schemas.openxmlformats.org/officeDocument/2006/relationships" xmlns:mc="http://schemas.openxmlformats.org/markup-compatibility/2006" xmlns:mv="urn:schemas-microsoft-com:mac:vml" xmlns:p="http://schemas.openxmlformats.org/presentationml/2006/main" xmlns:c="http://schemas.openxmlformats.org/drawingml/2006/chart" xmlns:dgm="http://schemas.openxmlformats.org/drawingml/2006/diagram" xmlns:o="urn:schemas-microsoft-com:office:office" xmlns:v="urn:schemas-microsoft-com:vml" xmlns:pvml="urn:schemas-microsoft-com:office:powerpoint" xmlns:com="http://schemas.openxmlformats.org/drawingml/2006/compatibility" xmlns:p14="http://schemas.microsoft.com/office/powerpoint/2010/main" xmlns:p15="http://schemas.microsoft.com/office/powerpoint/2012/main" xmlns:ahyp="http://schemas.microsoft.com/office/drawing/2018/hyperlinkcolor">
+  <p:cSld>
+    <p:spTree>
+      <p:nvGrpSpPr>
+        <p:cNvPr id="234" name="Shape 234"/>
+        <p:cNvGrpSpPr/>
+        <p:nvPr/>
+      </p:nvGrpSpPr>
+      <p:grpSpPr>
+        <a:xfrm>
+          <a:off x="0" y="0"/>
+          <a:ext cx="0" cy="0"/>
+          <a:chOff x="0" y="0"/>
+          <a:chExt cx="0" cy="0"/>
+        </a:xfrm>
+      </p:grpSpPr>
+      <p:sp>
+        <p:nvSpPr>
+          <p:cNvPr id="235" name="Google Shape;235;p35"/>
+          <p:cNvSpPr txBox="1"/>
+          <p:nvPr>
+            <p:ph type="title"/>
+          </p:nvPr>
+        </p:nvSpPr>
+        <p:spPr>
+          <a:xfrm>
+            <a:off x="457200" y="274637"/>
+            <a:ext cx="8229600" cy="1143000"/>
+          </a:xfrm>
+          <a:prstGeom prst="rect">
+            <a:avLst/>
+          </a:prstGeom>
+          <a:noFill/>
+          <a:ln>
+            <a:noFill/>
+          </a:ln>
+        </p:spPr>
+        <p:txBody>
+          <a:bodyPr anchorCtr="0" anchor="ctr" bIns="91425" lIns="91425" spcFirstLastPara="1" rIns="91425" wrap="square" tIns="91425">
+            <a:normAutofit/>
+          </a:bodyPr>
+          <a:lstStyle/>
+          <a:p>
+            <a:pPr indent="0" lvl="0" marL="0" marR="0" rtl="0" algn="ctr">
+              <a:lnSpc>
+                <a:spcPct val="100000"/>
+              </a:lnSpc>
+              <a:spcBef>
+                <a:spcPts val="0"/>
+              </a:spcBef>
+              <a:spcAft>
+                <a:spcPts val="0"/>
+              </a:spcAft>
+              <a:buClr>
+                <a:schemeClr val="dk1"/>
+              </a:buClr>
+              <a:buSzPts val="900"/>
+              <a:buFont typeface="Calibri"/>
+              <a:buNone/>
+            </a:pPr>
+            <a:r>
+              <a:rPr b="1" lang="en-US" sz="3600">
+                <a:latin typeface="Open Sans"/>
+                <a:ea typeface="Open Sans"/>
+                <a:cs typeface="Open Sans"/>
+                <a:sym typeface="Open Sans"/>
+              </a:rPr>
+              <a:t>Manorial Law </a:t>
+            </a:r>
+            <a:endParaRPr>
+              <a:latin typeface="Open Sans"/>
+              <a:ea typeface="Open Sans"/>
+              <a:cs typeface="Open Sans"/>
+              <a:sym typeface="Open Sans"/>
+            </a:endParaRPr>
+          </a:p>
+        </p:txBody>
+      </p:sp>
+      <p:sp>
+        <p:nvSpPr>
+          <p:cNvPr id="236" name="Google Shape;236;p35"/>
+          <p:cNvSpPr txBox="1"/>
+          <p:nvPr>
+            <p:ph idx="1" type="body"/>
+          </p:nvPr>
+        </p:nvSpPr>
+        <p:spPr>
+          <a:xfrm>
+            <a:off x="457200" y="1665725"/>
+            <a:ext cx="8229600" cy="4336800"/>
+          </a:xfrm>
+          <a:prstGeom prst="rect">
+            <a:avLst/>
+          </a:prstGeom>
+          <a:noFill/>
+          <a:ln>
+            <a:noFill/>
+          </a:ln>
+        </p:spPr>
+        <p:txBody>
+          <a:bodyPr anchorCtr="0" anchor="t" bIns="91425" lIns="91425" spcFirstLastPara="1" rIns="91425" wrap="square" tIns="91425">
+            <a:normAutofit fontScale="92500" lnSpcReduction="20000"/>
+          </a:bodyPr>
+          <a:lstStyle/>
+          <a:p>
+            <a:pPr indent="-369570" lvl="0" marL="457200" rtl="0" algn="l">
+              <a:lnSpc>
+                <a:spcPct val="100000"/>
+              </a:lnSpc>
+              <a:spcBef>
+                <a:spcPts val="0"/>
+              </a:spcBef>
+              <a:spcAft>
+                <a:spcPts val="0"/>
+              </a:spcAft>
+              <a:buSzPct val="100000"/>
+              <a:buFont typeface="Open Sans"/>
+              <a:buChar char="•"/>
+            </a:pPr>
+            <a:r>
+              <a:rPr lang="en-US" sz="2400">
+                <a:latin typeface="Open Sans"/>
+                <a:ea typeface="Open Sans"/>
+                <a:cs typeface="Open Sans"/>
+                <a:sym typeface="Open Sans"/>
+              </a:rPr>
+              <a:t>O feudalismo inglês possuía um sistema relativamente dual:</a:t>
+            </a:r>
+            <a:endParaRPr sz="2400">
+              <a:latin typeface="Open Sans"/>
+              <a:ea typeface="Open Sans"/>
+              <a:cs typeface="Open Sans"/>
+              <a:sym typeface="Open Sans"/>
+            </a:endParaRPr>
+          </a:p>
+          <a:p>
+            <a:pPr indent="0" lvl="0" marL="406400" rtl="0" algn="l">
+              <a:lnSpc>
+                <a:spcPct val="100000"/>
+              </a:lnSpc>
+              <a:spcBef>
+                <a:spcPts val="0"/>
+              </a:spcBef>
+              <a:spcAft>
+                <a:spcPts val="0"/>
+              </a:spcAft>
+              <a:buNone/>
+            </a:pPr>
+            <a:r>
+              <a:t/>
+            </a:r>
+            <a:endParaRPr sz="2400">
+              <a:latin typeface="Open Sans"/>
+              <a:ea typeface="Open Sans"/>
+              <a:cs typeface="Open Sans"/>
+              <a:sym typeface="Open Sans"/>
+            </a:endParaRPr>
+          </a:p>
+          <a:p>
+            <a:pPr indent="-369570" lvl="0" marL="457200" rtl="0" algn="l">
+              <a:lnSpc>
+                <a:spcPct val="100000"/>
+              </a:lnSpc>
+              <a:spcBef>
+                <a:spcPts val="0"/>
+              </a:spcBef>
+              <a:spcAft>
+                <a:spcPts val="0"/>
+              </a:spcAft>
+              <a:buSzPct val="100000"/>
+              <a:buFont typeface="Open Sans"/>
+              <a:buChar char="•"/>
+            </a:pPr>
+            <a:r>
+              <a:rPr lang="en-US" sz="2400">
+                <a:latin typeface="Open Sans"/>
+                <a:ea typeface="Open Sans"/>
+                <a:cs typeface="Open Sans"/>
+                <a:sym typeface="Open Sans"/>
+              </a:rPr>
+              <a:t>Por um lado, as relações entre os nobres;</a:t>
+            </a:r>
+            <a:endParaRPr sz="2400">
+              <a:latin typeface="Open Sans"/>
+              <a:ea typeface="Open Sans"/>
+              <a:cs typeface="Open Sans"/>
+              <a:sym typeface="Open Sans"/>
+            </a:endParaRPr>
+          </a:p>
+          <a:p>
+            <a:pPr indent="0" lvl="0" marL="406400" rtl="0" algn="l">
+              <a:lnSpc>
+                <a:spcPct val="100000"/>
+              </a:lnSpc>
+              <a:spcBef>
+                <a:spcPts val="0"/>
+              </a:spcBef>
+              <a:spcAft>
+                <a:spcPts val="0"/>
+              </a:spcAft>
+              <a:buNone/>
+            </a:pPr>
+            <a:r>
+              <a:t/>
+            </a:r>
+            <a:endParaRPr sz="2400">
+              <a:latin typeface="Open Sans"/>
+              <a:ea typeface="Open Sans"/>
+              <a:cs typeface="Open Sans"/>
+              <a:sym typeface="Open Sans"/>
+            </a:endParaRPr>
+          </a:p>
+          <a:p>
+            <a:pPr indent="-369570" lvl="0" marL="457200" rtl="0" algn="l">
+              <a:lnSpc>
+                <a:spcPct val="100000"/>
+              </a:lnSpc>
+              <a:spcBef>
+                <a:spcPts val="0"/>
+              </a:spcBef>
+              <a:spcAft>
+                <a:spcPts val="0"/>
+              </a:spcAft>
+              <a:buSzPct val="100000"/>
+              <a:buFont typeface="Open Sans"/>
+              <a:buChar char="•"/>
+            </a:pPr>
+            <a:r>
+              <a:rPr lang="en-US" sz="2400">
+                <a:latin typeface="Open Sans"/>
+                <a:ea typeface="Open Sans"/>
+                <a:cs typeface="Open Sans"/>
+                <a:sym typeface="Open Sans"/>
+              </a:rPr>
+              <a:t>Por outro, as relações entre nobres e camponeses</a:t>
+            </a:r>
+            <a:endParaRPr sz="2400">
+              <a:latin typeface="Open Sans"/>
+              <a:ea typeface="Open Sans"/>
+              <a:cs typeface="Open Sans"/>
+              <a:sym typeface="Open Sans"/>
+            </a:endParaRPr>
+          </a:p>
+          <a:p>
+            <a:pPr indent="0" lvl="0" marL="406400" rtl="0" algn="l">
+              <a:lnSpc>
+                <a:spcPct val="100000"/>
+              </a:lnSpc>
+              <a:spcBef>
+                <a:spcPts val="0"/>
+              </a:spcBef>
+              <a:spcAft>
+                <a:spcPts val="0"/>
+              </a:spcAft>
+              <a:buNone/>
+            </a:pPr>
+            <a:r>
+              <a:t/>
+            </a:r>
+            <a:endParaRPr sz="2400">
+              <a:latin typeface="Open Sans"/>
+              <a:ea typeface="Open Sans"/>
+              <a:cs typeface="Open Sans"/>
+              <a:sym typeface="Open Sans"/>
+            </a:endParaRPr>
+          </a:p>
+          <a:p>
+            <a:pPr indent="-369570" lvl="0" marL="457200" rtl="0" algn="l">
+              <a:lnSpc>
+                <a:spcPct val="100000"/>
+              </a:lnSpc>
+              <a:spcBef>
+                <a:spcPts val="0"/>
+              </a:spcBef>
+              <a:spcAft>
+                <a:spcPts val="0"/>
+              </a:spcAft>
+              <a:buSzPct val="100000"/>
+              <a:buFont typeface="Open Sans"/>
+              <a:buChar char="•"/>
+            </a:pPr>
+            <a:r>
+              <a:rPr lang="en-US" sz="2400">
+                <a:latin typeface="Open Sans"/>
+                <a:ea typeface="Open Sans"/>
+                <a:cs typeface="Open Sans"/>
+                <a:sym typeface="Open Sans"/>
+              </a:rPr>
+              <a:t>Os </a:t>
+            </a:r>
+            <a:r>
+              <a:rPr i="1" lang="en-US" sz="2400">
+                <a:latin typeface="Open Sans"/>
+                <a:ea typeface="Open Sans"/>
+                <a:cs typeface="Open Sans"/>
+                <a:sym typeface="Open Sans"/>
+              </a:rPr>
+              <a:t>manors </a:t>
+            </a:r>
+            <a:r>
+              <a:rPr lang="en-US" sz="2400">
+                <a:latin typeface="Open Sans"/>
+                <a:ea typeface="Open Sans"/>
+                <a:cs typeface="Open Sans"/>
+                <a:sym typeface="Open Sans"/>
+              </a:rPr>
+              <a:t>se tornaram a forma principal de produção econômica do feudalismo a partir do século 11</a:t>
+            </a:r>
+            <a:endParaRPr sz="2400">
+              <a:latin typeface="Open Sans"/>
+              <a:ea typeface="Open Sans"/>
+              <a:cs typeface="Open Sans"/>
+              <a:sym typeface="Open Sans"/>
+            </a:endParaRPr>
+          </a:p>
+          <a:p>
+            <a:pPr indent="0" lvl="0" marL="406400" rtl="0" algn="l">
+              <a:lnSpc>
+                <a:spcPct val="100000"/>
+              </a:lnSpc>
+              <a:spcBef>
+                <a:spcPts val="0"/>
+              </a:spcBef>
+              <a:spcAft>
+                <a:spcPts val="0"/>
+              </a:spcAft>
+              <a:buNone/>
+            </a:pPr>
+            <a:r>
+              <a:t/>
+            </a:r>
+            <a:endParaRPr sz="2400">
+              <a:latin typeface="Open Sans"/>
+              <a:ea typeface="Open Sans"/>
+              <a:cs typeface="Open Sans"/>
+              <a:sym typeface="Open Sans"/>
+            </a:endParaRPr>
+          </a:p>
+          <a:p>
+            <a:pPr indent="-369570" lvl="0" marL="457200" rtl="0" algn="l">
+              <a:lnSpc>
+                <a:spcPct val="100000"/>
+              </a:lnSpc>
+              <a:spcBef>
+                <a:spcPts val="0"/>
+              </a:spcBef>
+              <a:spcAft>
+                <a:spcPts val="0"/>
+              </a:spcAft>
+              <a:buSzPct val="100000"/>
+              <a:buFont typeface="Open Sans"/>
+              <a:buChar char="•"/>
+            </a:pPr>
+            <a:r>
+              <a:rPr lang="en-US" sz="2400">
+                <a:latin typeface="Open Sans"/>
+                <a:ea typeface="Open Sans"/>
+                <a:cs typeface="Open Sans"/>
+                <a:sym typeface="Open Sans"/>
+              </a:rPr>
+              <a:t>Os servos tinham obrigações com os senhores, os quais moravam nos </a:t>
+            </a:r>
+            <a:r>
+              <a:rPr i="1" lang="en-US" sz="2400">
+                <a:latin typeface="Open Sans"/>
+                <a:ea typeface="Open Sans"/>
+                <a:cs typeface="Open Sans"/>
+                <a:sym typeface="Open Sans"/>
+              </a:rPr>
+              <a:t>manors</a:t>
+            </a:r>
+            <a:r>
+              <a:rPr lang="en-US" sz="2400">
+                <a:latin typeface="Open Sans"/>
+                <a:ea typeface="Open Sans"/>
+                <a:cs typeface="Open Sans"/>
+                <a:sym typeface="Open Sans"/>
+              </a:rPr>
+              <a:t> a maior parte do tempo</a:t>
+            </a:r>
+            <a:endParaRPr sz="2400">
+              <a:latin typeface="Open Sans"/>
+              <a:ea typeface="Open Sans"/>
+              <a:cs typeface="Open Sans"/>
+              <a:sym typeface="Open Sans"/>
+            </a:endParaRPr>
+          </a:p>
+          <a:p>
+            <a:pPr indent="0" lvl="0" marL="406400" rtl="0" algn="l">
+              <a:lnSpc>
+                <a:spcPct val="100000"/>
+              </a:lnSpc>
+              <a:spcBef>
+                <a:spcPts val="0"/>
+              </a:spcBef>
+              <a:spcAft>
+                <a:spcPts val="0"/>
+              </a:spcAft>
+              <a:buNone/>
+            </a:pPr>
+            <a:r>
+              <a:t/>
+            </a:r>
+            <a:endParaRPr sz="2400">
+              <a:latin typeface="Open Sans"/>
+              <a:ea typeface="Open Sans"/>
+              <a:cs typeface="Open Sans"/>
+              <a:sym typeface="Open Sans"/>
+            </a:endParaRPr>
+          </a:p>
+          <a:p>
+            <a:pPr indent="-369570" lvl="0" marL="457200" rtl="0" algn="l">
+              <a:lnSpc>
+                <a:spcPct val="100000"/>
+              </a:lnSpc>
+              <a:spcBef>
+                <a:spcPts val="0"/>
+              </a:spcBef>
+              <a:spcAft>
+                <a:spcPts val="0"/>
+              </a:spcAft>
+              <a:buSzPct val="100000"/>
+              <a:buFont typeface="Open Sans"/>
+              <a:buChar char="•"/>
+            </a:pPr>
+            <a:r>
+              <a:rPr lang="en-US" sz="2400">
+                <a:latin typeface="Open Sans"/>
+                <a:ea typeface="Open Sans"/>
+                <a:cs typeface="Open Sans"/>
+                <a:sym typeface="Open Sans"/>
+              </a:rPr>
+              <a:t>A interdependência entre servos e senhores contribuiu para a objetividade do direito servil</a:t>
+            </a:r>
+            <a:endParaRPr>
+              <a:latin typeface="Open Sans"/>
+              <a:ea typeface="Open Sans"/>
+              <a:cs typeface="Open Sans"/>
+              <a:sym typeface="Open Sans"/>
+            </a:endParaRPr>
+          </a:p>
+        </p:txBody>
+      </p:sp>
+      <p:pic>
+        <p:nvPicPr>
+          <p:cNvPr id="237" name="Google Shape;237;p35"/>
+          <p:cNvPicPr preferRelativeResize="0"/>
+          <p:nvPr/>
+        </p:nvPicPr>
+        <p:blipFill>
+          <a:blip r:embed="rId3">
+            <a:alphaModFix/>
+          </a:blip>
+          <a:stretch>
+            <a:fillRect/>
+          </a:stretch>
+        </p:blipFill>
+        <p:spPr>
+          <a:xfrm>
+            <a:off x="152400" y="6013899"/>
+            <a:ext cx="2304373" cy="691700"/>
+          </a:xfrm>
+          <a:prstGeom prst="rect">
+            <a:avLst/>
+          </a:prstGeom>
+          <a:noFill/>
+          <a:ln>
+            <a:noFill/>
+          </a:ln>
+        </p:spPr>
+      </p:pic>
+    </p:spTree>
+  </p:cSld>
+  <p:clrMapOvr>
+    <a:masterClrMapping/>
+  </p:clrMapOvr>
+</p:sld>
+</file>
+
+<file path=ppt/slides/slide23.xml><?xml version="1.0" encoding="utf-8"?>
+<p:sld xmlns:a="http://schemas.openxmlformats.org/drawingml/2006/main" xmlns:r="http://schemas.openxmlformats.org/officeDocument/2006/relationships" xmlns:mc="http://schemas.openxmlformats.org/markup-compatibility/2006" xmlns:mv="urn:schemas-microsoft-com:mac:vml" xmlns:p="http://schemas.openxmlformats.org/presentationml/2006/main" xmlns:c="http://schemas.openxmlformats.org/drawingml/2006/chart" xmlns:dgm="http://schemas.openxmlformats.org/drawingml/2006/diagram" xmlns:o="urn:schemas-microsoft-com:office:office" xmlns:v="urn:schemas-microsoft-com:vml" xmlns:pvml="urn:schemas-microsoft-com:office:powerpoint" xmlns:com="http://schemas.openxmlformats.org/drawingml/2006/compatibility" xmlns:p14="http://schemas.microsoft.com/office/powerpoint/2010/main" xmlns:p15="http://schemas.microsoft.com/office/powerpoint/2012/main" xmlns:ahyp="http://schemas.microsoft.com/office/drawing/2018/hyperlinkcolor">
+  <p:cSld>
+    <p:spTree>
+      <p:nvGrpSpPr>
+        <p:cNvPr id="242" name="Shape 242"/>
+        <p:cNvGrpSpPr/>
+        <p:nvPr/>
+      </p:nvGrpSpPr>
+      <p:grpSpPr>
+        <a:xfrm>
+          <a:off x="0" y="0"/>
+          <a:ext cx="0" cy="0"/>
+          <a:chOff x="0" y="0"/>
+          <a:chExt cx="0" cy="0"/>
+        </a:xfrm>
+      </p:grpSpPr>
+      <p:sp>
+        <p:nvSpPr>
+          <p:cNvPr id="243" name="Google Shape;243;p36"/>
+          <p:cNvSpPr txBox="1"/>
+          <p:nvPr>
+            <p:ph type="title"/>
+          </p:nvPr>
+        </p:nvSpPr>
+        <p:spPr>
+          <a:xfrm>
+            <a:off x="457200" y="274637"/>
+            <a:ext cx="8229600" cy="1143000"/>
+          </a:xfrm>
+          <a:prstGeom prst="rect">
+            <a:avLst/>
+          </a:prstGeom>
+          <a:noFill/>
+          <a:ln>
+            <a:noFill/>
+          </a:ln>
+        </p:spPr>
+        <p:txBody>
+          <a:bodyPr anchorCtr="0" anchor="ctr" bIns="91425" lIns="91425" spcFirstLastPara="1" rIns="91425" wrap="square" tIns="91425">
+            <a:normAutofit/>
+          </a:bodyPr>
+          <a:lstStyle/>
+          <a:p>
+            <a:pPr indent="0" lvl="0" marL="0" marR="0" rtl="0" algn="ctr">
+              <a:lnSpc>
+                <a:spcPct val="100000"/>
+              </a:lnSpc>
+              <a:spcBef>
+                <a:spcPts val="0"/>
+              </a:spcBef>
+              <a:spcAft>
+                <a:spcPts val="0"/>
+              </a:spcAft>
+              <a:buClr>
+                <a:schemeClr val="dk1"/>
+              </a:buClr>
+              <a:buSzPts val="900"/>
+              <a:buFont typeface="Calibri"/>
+              <a:buNone/>
+            </a:pPr>
+            <a:r>
+              <a:rPr b="1" lang="en-US" sz="3600">
+                <a:latin typeface="Open Sans"/>
+                <a:ea typeface="Open Sans"/>
+                <a:cs typeface="Open Sans"/>
+                <a:sym typeface="Open Sans"/>
+              </a:rPr>
+              <a:t>Manorial Law </a:t>
+            </a:r>
+            <a:endParaRPr>
+              <a:latin typeface="Open Sans"/>
+              <a:ea typeface="Open Sans"/>
+              <a:cs typeface="Open Sans"/>
+              <a:sym typeface="Open Sans"/>
+            </a:endParaRPr>
+          </a:p>
+        </p:txBody>
+      </p:sp>
+      <p:sp>
+        <p:nvSpPr>
+          <p:cNvPr id="244" name="Google Shape;244;p36"/>
+          <p:cNvSpPr txBox="1"/>
+          <p:nvPr>
+            <p:ph idx="1" type="body"/>
+          </p:nvPr>
+        </p:nvSpPr>
+        <p:spPr>
+          <a:xfrm>
+            <a:off x="457200" y="1665725"/>
+            <a:ext cx="8229600" cy="4336800"/>
+          </a:xfrm>
+          <a:prstGeom prst="rect">
+            <a:avLst/>
+          </a:prstGeom>
+          <a:noFill/>
+          <a:ln>
+            <a:noFill/>
+          </a:ln>
+        </p:spPr>
+        <p:txBody>
+          <a:bodyPr anchorCtr="0" anchor="t" bIns="91425" lIns="91425" spcFirstLastPara="1" rIns="91425" wrap="square" tIns="91425">
+            <a:normAutofit fontScale="92500" lnSpcReduction="20000"/>
+          </a:bodyPr>
+          <a:lstStyle/>
+          <a:p>
+            <a:pPr indent="-369570" lvl="0" marL="457200" rtl="0" algn="l">
+              <a:lnSpc>
+                <a:spcPct val="100000"/>
+              </a:lnSpc>
+              <a:spcBef>
+                <a:spcPts val="0"/>
+              </a:spcBef>
+              <a:spcAft>
+                <a:spcPts val="0"/>
+              </a:spcAft>
+              <a:buSzPct val="100000"/>
+              <a:buFont typeface="Open Sans"/>
+              <a:buChar char="•"/>
+            </a:pPr>
+            <a:r>
+              <a:rPr lang="en-US" sz="2400">
+                <a:latin typeface="Open Sans"/>
+                <a:ea typeface="Open Sans"/>
+                <a:cs typeface="Open Sans"/>
+                <a:sym typeface="Open Sans"/>
+              </a:rPr>
+              <a:t>Interpretação marxista do feudalismo: o sistema jurídico foi derivado de luta de classes</a:t>
+            </a:r>
+            <a:endParaRPr sz="2400">
+              <a:latin typeface="Open Sans"/>
+              <a:ea typeface="Open Sans"/>
+              <a:cs typeface="Open Sans"/>
+              <a:sym typeface="Open Sans"/>
+            </a:endParaRPr>
+          </a:p>
+          <a:p>
+            <a:pPr indent="0" lvl="0" marL="406400" rtl="0" algn="l">
+              <a:lnSpc>
+                <a:spcPct val="100000"/>
+              </a:lnSpc>
+              <a:spcBef>
+                <a:spcPts val="0"/>
+              </a:spcBef>
+              <a:spcAft>
+                <a:spcPts val="0"/>
+              </a:spcAft>
+              <a:buNone/>
+            </a:pPr>
+            <a:r>
+              <a:t/>
+            </a:r>
+            <a:endParaRPr sz="2400">
+              <a:latin typeface="Open Sans"/>
+              <a:ea typeface="Open Sans"/>
+              <a:cs typeface="Open Sans"/>
+              <a:sym typeface="Open Sans"/>
+            </a:endParaRPr>
+          </a:p>
+          <a:p>
+            <a:pPr indent="-369570" lvl="0" marL="457200" rtl="0" algn="l">
+              <a:lnSpc>
+                <a:spcPct val="100000"/>
+              </a:lnSpc>
+              <a:spcBef>
+                <a:spcPts val="0"/>
+              </a:spcBef>
+              <a:spcAft>
+                <a:spcPts val="0"/>
+              </a:spcAft>
+              <a:buSzPct val="100000"/>
+              <a:buFont typeface="Open Sans"/>
+              <a:buChar char="•"/>
+            </a:pPr>
+            <a:r>
+              <a:rPr lang="en-US" sz="2400">
+                <a:latin typeface="Open Sans"/>
+                <a:ea typeface="Open Sans"/>
+                <a:cs typeface="Open Sans"/>
+                <a:sym typeface="Open Sans"/>
+              </a:rPr>
+              <a:t>A expansão econômica da época, pelo término das invasões, trouxe benefícios para os servos</a:t>
+            </a:r>
+            <a:endParaRPr sz="2400">
+              <a:latin typeface="Open Sans"/>
+              <a:ea typeface="Open Sans"/>
+              <a:cs typeface="Open Sans"/>
+              <a:sym typeface="Open Sans"/>
+            </a:endParaRPr>
+          </a:p>
+          <a:p>
+            <a:pPr indent="0" lvl="0" marL="406400" rtl="0" algn="l">
+              <a:lnSpc>
+                <a:spcPct val="100000"/>
+              </a:lnSpc>
+              <a:spcBef>
+                <a:spcPts val="0"/>
+              </a:spcBef>
+              <a:spcAft>
+                <a:spcPts val="0"/>
+              </a:spcAft>
+              <a:buNone/>
+            </a:pPr>
+            <a:r>
+              <a:t/>
+            </a:r>
+            <a:endParaRPr sz="2400">
+              <a:latin typeface="Open Sans"/>
+              <a:ea typeface="Open Sans"/>
+              <a:cs typeface="Open Sans"/>
+              <a:sym typeface="Open Sans"/>
+            </a:endParaRPr>
+          </a:p>
+          <a:p>
+            <a:pPr indent="-369570" lvl="0" marL="457200" rtl="0" algn="l">
+              <a:lnSpc>
+                <a:spcPct val="100000"/>
+              </a:lnSpc>
+              <a:spcBef>
+                <a:spcPts val="0"/>
+              </a:spcBef>
+              <a:spcAft>
+                <a:spcPts val="0"/>
+              </a:spcAft>
+              <a:buSzPct val="100000"/>
+              <a:buFont typeface="Open Sans"/>
+              <a:buChar char="•"/>
+            </a:pPr>
+            <a:r>
+              <a:rPr lang="en-US" sz="2400">
+                <a:latin typeface="Open Sans"/>
+                <a:ea typeface="Open Sans"/>
+                <a:cs typeface="Open Sans"/>
+                <a:sym typeface="Open Sans"/>
+              </a:rPr>
+              <a:t>Aumenta o poder de barganha da classe servil pelo </a:t>
+            </a:r>
+            <a:r>
+              <a:rPr i="1" lang="en-US" sz="2400">
+                <a:latin typeface="Open Sans"/>
+                <a:ea typeface="Open Sans"/>
+                <a:cs typeface="Open Sans"/>
+                <a:sym typeface="Open Sans"/>
+              </a:rPr>
+              <a:t>boom</a:t>
+            </a:r>
+            <a:r>
+              <a:rPr lang="en-US" sz="2400">
+                <a:latin typeface="Open Sans"/>
+                <a:ea typeface="Open Sans"/>
+                <a:cs typeface="Open Sans"/>
+                <a:sym typeface="Open Sans"/>
+              </a:rPr>
+              <a:t> econômico e aumento do comércio na época</a:t>
+            </a:r>
+            <a:endParaRPr sz="2400">
+              <a:latin typeface="Open Sans"/>
+              <a:ea typeface="Open Sans"/>
+              <a:cs typeface="Open Sans"/>
+              <a:sym typeface="Open Sans"/>
+            </a:endParaRPr>
+          </a:p>
+          <a:p>
+            <a:pPr indent="0" lvl="0" marL="406400" rtl="0" algn="l">
+              <a:lnSpc>
+                <a:spcPct val="100000"/>
+              </a:lnSpc>
+              <a:spcBef>
+                <a:spcPts val="0"/>
+              </a:spcBef>
+              <a:spcAft>
+                <a:spcPts val="0"/>
+              </a:spcAft>
+              <a:buNone/>
+            </a:pPr>
+            <a:r>
+              <a:t/>
+            </a:r>
+            <a:endParaRPr sz="2400">
+              <a:latin typeface="Open Sans"/>
+              <a:ea typeface="Open Sans"/>
+              <a:cs typeface="Open Sans"/>
+              <a:sym typeface="Open Sans"/>
+            </a:endParaRPr>
+          </a:p>
+          <a:p>
+            <a:pPr indent="-369570" lvl="0" marL="457200" rtl="0" algn="l">
+              <a:lnSpc>
+                <a:spcPct val="100000"/>
+              </a:lnSpc>
+              <a:spcBef>
+                <a:spcPts val="0"/>
+              </a:spcBef>
+              <a:spcAft>
+                <a:spcPts val="0"/>
+              </a:spcAft>
+              <a:buSzPct val="100000"/>
+              <a:buFont typeface="Open Sans"/>
+              <a:buChar char="•"/>
+            </a:pPr>
+            <a:r>
+              <a:rPr lang="en-US" sz="2400">
+                <a:latin typeface="Open Sans"/>
+                <a:ea typeface="Open Sans"/>
+                <a:cs typeface="Open Sans"/>
+                <a:sym typeface="Open Sans"/>
+              </a:rPr>
+              <a:t>A Igreja também ajudou, indiretamente, os servos: as relações de senhorio seriam extintas caso o servo entrasse para uma das ordens sagradas</a:t>
+            </a:r>
+            <a:endParaRPr sz="2400">
+              <a:latin typeface="Open Sans"/>
+              <a:ea typeface="Open Sans"/>
+              <a:cs typeface="Open Sans"/>
+              <a:sym typeface="Open Sans"/>
+            </a:endParaRPr>
+          </a:p>
+          <a:p>
+            <a:pPr indent="0" lvl="0" marL="406400" rtl="0" algn="l">
+              <a:lnSpc>
+                <a:spcPct val="100000"/>
+              </a:lnSpc>
+              <a:spcBef>
+                <a:spcPts val="0"/>
+              </a:spcBef>
+              <a:spcAft>
+                <a:spcPts val="0"/>
+              </a:spcAft>
+              <a:buNone/>
+            </a:pPr>
+            <a:r>
+              <a:t/>
+            </a:r>
+            <a:endParaRPr sz="2400">
+              <a:latin typeface="Open Sans"/>
+              <a:ea typeface="Open Sans"/>
+              <a:cs typeface="Open Sans"/>
+              <a:sym typeface="Open Sans"/>
+            </a:endParaRPr>
+          </a:p>
+          <a:p>
+            <a:pPr indent="-369570" lvl="0" marL="457200" rtl="0" algn="l">
+              <a:lnSpc>
+                <a:spcPct val="100000"/>
+              </a:lnSpc>
+              <a:spcBef>
+                <a:spcPts val="0"/>
+              </a:spcBef>
+              <a:spcAft>
+                <a:spcPts val="0"/>
+              </a:spcAft>
+              <a:buSzPct val="100000"/>
+              <a:buFont typeface="Open Sans"/>
+              <a:buChar char="•"/>
+            </a:pPr>
+            <a:r>
+              <a:rPr lang="en-US" sz="2400">
+                <a:latin typeface="Open Sans"/>
+                <a:ea typeface="Open Sans"/>
+                <a:cs typeface="Open Sans"/>
+                <a:sym typeface="Open Sans"/>
+              </a:rPr>
+              <a:t>Ao declarar a escravidão não ilegal, mas um pecado, a Igreja abriu caminho para a emancipação total dos servos</a:t>
+            </a:r>
+            <a:endParaRPr>
+              <a:latin typeface="Open Sans"/>
+              <a:ea typeface="Open Sans"/>
+              <a:cs typeface="Open Sans"/>
+              <a:sym typeface="Open Sans"/>
+            </a:endParaRPr>
+          </a:p>
+        </p:txBody>
+      </p:sp>
+      <p:pic>
+        <p:nvPicPr>
+          <p:cNvPr id="245" name="Google Shape;245;p36"/>
+          <p:cNvPicPr preferRelativeResize="0"/>
+          <p:nvPr/>
+        </p:nvPicPr>
+        <p:blipFill>
+          <a:blip r:embed="rId3">
+            <a:alphaModFix/>
+          </a:blip>
+          <a:stretch>
+            <a:fillRect/>
+          </a:stretch>
+        </p:blipFill>
+        <p:spPr>
+          <a:xfrm>
+            <a:off x="152400" y="6013899"/>
+            <a:ext cx="2304373" cy="691700"/>
+          </a:xfrm>
+          <a:prstGeom prst="rect">
+            <a:avLst/>
+          </a:prstGeom>
+          <a:noFill/>
+          <a:ln>
+            <a:noFill/>
+          </a:ln>
+        </p:spPr>
+      </p:pic>
+    </p:spTree>
+  </p:cSld>
+  <p:clrMapOvr>
+    <a:masterClrMapping/>
+  </p:clrMapOvr>
+</p:sld>
+</file>
+
+<file path=ppt/slides/slide24.xml><?xml version="1.0" encoding="utf-8"?>
+<p:sld xmlns:a="http://schemas.openxmlformats.org/drawingml/2006/main" xmlns:r="http://schemas.openxmlformats.org/officeDocument/2006/relationships" xmlns:mc="http://schemas.openxmlformats.org/markup-compatibility/2006" xmlns:mv="urn:schemas-microsoft-com:mac:vml" xmlns:p="http://schemas.openxmlformats.org/presentationml/2006/main" xmlns:c="http://schemas.openxmlformats.org/drawingml/2006/chart" xmlns:dgm="http://schemas.openxmlformats.org/drawingml/2006/diagram" xmlns:o="urn:schemas-microsoft-com:office:office" xmlns:v="urn:schemas-microsoft-com:vml" xmlns:pvml="urn:schemas-microsoft-com:office:powerpoint" xmlns:com="http://schemas.openxmlformats.org/drawingml/2006/compatibility" xmlns:p14="http://schemas.microsoft.com/office/powerpoint/2010/main" xmlns:p15="http://schemas.microsoft.com/office/powerpoint/2012/main" xmlns:ahyp="http://schemas.microsoft.com/office/drawing/2018/hyperlinkcolor">
+  <p:cSld>
+    <p:spTree>
+      <p:nvGrpSpPr>
+        <p:cNvPr id="250" name="Shape 250"/>
+        <p:cNvGrpSpPr/>
+        <p:nvPr/>
+      </p:nvGrpSpPr>
+      <p:grpSpPr>
+        <a:xfrm>
+          <a:off x="0" y="0"/>
+          <a:ext cx="0" cy="0"/>
+          <a:chOff x="0" y="0"/>
+          <a:chExt cx="0" cy="0"/>
+        </a:xfrm>
+      </p:grpSpPr>
+      <p:sp>
+        <p:nvSpPr>
+          <p:cNvPr id="251" name="Google Shape;251;p37"/>
+          <p:cNvSpPr txBox="1"/>
+          <p:nvPr>
+            <p:ph type="title"/>
+          </p:nvPr>
+        </p:nvSpPr>
+        <p:spPr>
+          <a:xfrm>
+            <a:off x="457200" y="274637"/>
+            <a:ext cx="8229600" cy="1143000"/>
+          </a:xfrm>
+          <a:prstGeom prst="rect">
+            <a:avLst/>
+          </a:prstGeom>
+          <a:noFill/>
+          <a:ln>
+            <a:noFill/>
+          </a:ln>
+        </p:spPr>
+        <p:txBody>
+          <a:bodyPr anchorCtr="0" anchor="ctr" bIns="91425" lIns="91425" spcFirstLastPara="1" rIns="91425" wrap="square" tIns="91425">
+            <a:normAutofit/>
+          </a:bodyPr>
+          <a:lstStyle/>
+          <a:p>
+            <a:pPr indent="0" lvl="0" marL="0" marR="0" rtl="0" algn="ctr">
+              <a:lnSpc>
+                <a:spcPct val="100000"/>
+              </a:lnSpc>
+              <a:spcBef>
+                <a:spcPts val="0"/>
+              </a:spcBef>
+              <a:spcAft>
+                <a:spcPts val="0"/>
+              </a:spcAft>
+              <a:buClr>
+                <a:schemeClr val="dk1"/>
+              </a:buClr>
+              <a:buSzPts val="900"/>
+              <a:buFont typeface="Calibri"/>
+              <a:buNone/>
+            </a:pPr>
+            <a:r>
+              <a:rPr b="1" lang="en-US" sz="3600">
+                <a:latin typeface="Open Sans"/>
+                <a:ea typeface="Open Sans"/>
+                <a:cs typeface="Open Sans"/>
+                <a:sym typeface="Open Sans"/>
+              </a:rPr>
+              <a:t>Manorial Law </a:t>
+            </a:r>
+            <a:endParaRPr>
+              <a:latin typeface="Open Sans"/>
+              <a:ea typeface="Open Sans"/>
+              <a:cs typeface="Open Sans"/>
+              <a:sym typeface="Open Sans"/>
+            </a:endParaRPr>
+          </a:p>
+        </p:txBody>
+      </p:sp>
+      <p:sp>
+        <p:nvSpPr>
+          <p:cNvPr id="252" name="Google Shape;252;p37"/>
+          <p:cNvSpPr txBox="1"/>
+          <p:nvPr>
+            <p:ph idx="1" type="body"/>
+          </p:nvPr>
+        </p:nvSpPr>
+        <p:spPr>
+          <a:xfrm>
+            <a:off x="457200" y="1665725"/>
+            <a:ext cx="8229600" cy="4336800"/>
+          </a:xfrm>
+          <a:prstGeom prst="rect">
+            <a:avLst/>
+          </a:prstGeom>
+          <a:noFill/>
+          <a:ln>
+            <a:noFill/>
+          </a:ln>
+        </p:spPr>
+        <p:txBody>
+          <a:bodyPr anchorCtr="0" anchor="t" bIns="91425" lIns="91425" spcFirstLastPara="1" rIns="91425" wrap="square" tIns="91425">
+            <a:normAutofit fontScale="92500" lnSpcReduction="20000"/>
+          </a:bodyPr>
+          <a:lstStyle/>
+          <a:p>
+            <a:pPr indent="-369570" lvl="0" marL="457200" rtl="0" algn="l">
+              <a:lnSpc>
+                <a:spcPct val="100000"/>
+              </a:lnSpc>
+              <a:spcBef>
+                <a:spcPts val="0"/>
+              </a:spcBef>
+              <a:spcAft>
+                <a:spcPts val="0"/>
+              </a:spcAft>
+              <a:buSzPct val="100000"/>
+              <a:buFont typeface="Open Sans"/>
+              <a:buChar char="•"/>
+            </a:pPr>
+            <a:r>
+              <a:rPr i="1" lang="en-US" sz="2400">
+                <a:latin typeface="Open Sans"/>
+                <a:ea typeface="Open Sans"/>
+                <a:cs typeface="Open Sans"/>
+                <a:sym typeface="Open Sans"/>
+              </a:rPr>
+              <a:t>Objetividade</a:t>
+            </a:r>
+            <a:r>
+              <a:rPr lang="en-US" sz="2400">
+                <a:latin typeface="Open Sans"/>
+                <a:ea typeface="Open Sans"/>
+                <a:cs typeface="Open Sans"/>
+                <a:sym typeface="Open Sans"/>
+              </a:rPr>
+              <a:t>: as várias taxas e contribuições passaram a ser sistematizadas</a:t>
+            </a:r>
+            <a:endParaRPr sz="2400">
+              <a:latin typeface="Open Sans"/>
+              <a:ea typeface="Open Sans"/>
+              <a:cs typeface="Open Sans"/>
+              <a:sym typeface="Open Sans"/>
+            </a:endParaRPr>
+          </a:p>
+          <a:p>
+            <a:pPr indent="0" lvl="0" marL="406400" rtl="0" algn="l">
+              <a:lnSpc>
+                <a:spcPct val="100000"/>
+              </a:lnSpc>
+              <a:spcBef>
+                <a:spcPts val="0"/>
+              </a:spcBef>
+              <a:spcAft>
+                <a:spcPts val="0"/>
+              </a:spcAft>
+              <a:buNone/>
+            </a:pPr>
+            <a:r>
+              <a:t/>
+            </a:r>
+            <a:endParaRPr sz="2400">
+              <a:latin typeface="Open Sans"/>
+              <a:ea typeface="Open Sans"/>
+              <a:cs typeface="Open Sans"/>
+              <a:sym typeface="Open Sans"/>
+            </a:endParaRPr>
+          </a:p>
+          <a:p>
+            <a:pPr indent="-369570" lvl="0" marL="457200" rtl="0" algn="l">
+              <a:lnSpc>
+                <a:spcPct val="100000"/>
+              </a:lnSpc>
+              <a:spcBef>
+                <a:spcPts val="0"/>
+              </a:spcBef>
+              <a:spcAft>
+                <a:spcPts val="0"/>
+              </a:spcAft>
+              <a:buSzPct val="100000"/>
+              <a:buFont typeface="Open Sans"/>
+              <a:buChar char="•"/>
+            </a:pPr>
+            <a:r>
+              <a:rPr i="1" lang="en-US" sz="2400">
+                <a:latin typeface="Open Sans"/>
+                <a:ea typeface="Open Sans"/>
+                <a:cs typeface="Open Sans"/>
+                <a:sym typeface="Open Sans"/>
+              </a:rPr>
+              <a:t>Reciprocidade</a:t>
+            </a:r>
+            <a:r>
+              <a:rPr lang="en-US" sz="2400">
+                <a:latin typeface="Open Sans"/>
+                <a:ea typeface="Open Sans"/>
+                <a:cs typeface="Open Sans"/>
+                <a:sym typeface="Open Sans"/>
+              </a:rPr>
+              <a:t>: aos poucos, os direitos e obrigações dos servos e dos senhores foram sendo codificados em documentos</a:t>
+            </a:r>
+            <a:endParaRPr sz="2400">
+              <a:latin typeface="Open Sans"/>
+              <a:ea typeface="Open Sans"/>
+              <a:cs typeface="Open Sans"/>
+              <a:sym typeface="Open Sans"/>
+            </a:endParaRPr>
+          </a:p>
+          <a:p>
+            <a:pPr indent="0" lvl="0" marL="406400" rtl="0" algn="l">
+              <a:lnSpc>
+                <a:spcPct val="100000"/>
+              </a:lnSpc>
+              <a:spcBef>
+                <a:spcPts val="0"/>
+              </a:spcBef>
+              <a:spcAft>
+                <a:spcPts val="0"/>
+              </a:spcAft>
+              <a:buNone/>
+            </a:pPr>
+            <a:r>
+              <a:t/>
+            </a:r>
+            <a:endParaRPr sz="2400">
+              <a:latin typeface="Open Sans"/>
+              <a:ea typeface="Open Sans"/>
+              <a:cs typeface="Open Sans"/>
+              <a:sym typeface="Open Sans"/>
+            </a:endParaRPr>
+          </a:p>
+          <a:p>
+            <a:pPr indent="-369570" lvl="0" marL="457200" rtl="0" algn="l">
+              <a:lnSpc>
+                <a:spcPct val="100000"/>
+              </a:lnSpc>
+              <a:spcBef>
+                <a:spcPts val="0"/>
+              </a:spcBef>
+              <a:spcAft>
+                <a:spcPts val="0"/>
+              </a:spcAft>
+              <a:buSzPct val="100000"/>
+              <a:buFont typeface="Open Sans"/>
+              <a:buChar char="•"/>
+            </a:pPr>
+            <a:r>
+              <a:rPr i="1" lang="en-US" sz="2400">
+                <a:latin typeface="Open Sans"/>
+                <a:ea typeface="Open Sans"/>
+                <a:cs typeface="Open Sans"/>
+                <a:sym typeface="Open Sans"/>
+              </a:rPr>
+              <a:t>Participação jurídica</a:t>
+            </a:r>
+            <a:r>
+              <a:rPr lang="en-US" sz="2400">
+                <a:latin typeface="Open Sans"/>
+                <a:ea typeface="Open Sans"/>
+                <a:cs typeface="Open Sans"/>
+                <a:sym typeface="Open Sans"/>
+              </a:rPr>
+              <a:t>: servos poderiam também contar uma gama de “funcionários” do </a:t>
+            </a:r>
+            <a:r>
+              <a:rPr i="1" lang="en-US" sz="2400">
+                <a:latin typeface="Open Sans"/>
+                <a:ea typeface="Open Sans"/>
+                <a:cs typeface="Open Sans"/>
+                <a:sym typeface="Open Sans"/>
+              </a:rPr>
+              <a:t>manor</a:t>
+            </a:r>
+            <a:r>
+              <a:rPr lang="en-US" sz="2400">
+                <a:latin typeface="Open Sans"/>
+                <a:ea typeface="Open Sans"/>
+                <a:cs typeface="Open Sans"/>
+                <a:sym typeface="Open Sans"/>
+              </a:rPr>
+              <a:t> para resolver disputas, uma vez que todos eles tinham poder legal</a:t>
+            </a:r>
+            <a:endParaRPr sz="2400">
+              <a:latin typeface="Open Sans"/>
+              <a:ea typeface="Open Sans"/>
+              <a:cs typeface="Open Sans"/>
+              <a:sym typeface="Open Sans"/>
+            </a:endParaRPr>
+          </a:p>
+          <a:p>
+            <a:pPr indent="0" lvl="0" marL="406400" rtl="0" algn="l">
+              <a:lnSpc>
+                <a:spcPct val="100000"/>
+              </a:lnSpc>
+              <a:spcBef>
+                <a:spcPts val="0"/>
+              </a:spcBef>
+              <a:spcAft>
+                <a:spcPts val="0"/>
+              </a:spcAft>
+              <a:buNone/>
+            </a:pPr>
+            <a:r>
+              <a:t/>
+            </a:r>
+            <a:endParaRPr sz="2400">
+              <a:latin typeface="Open Sans"/>
+              <a:ea typeface="Open Sans"/>
+              <a:cs typeface="Open Sans"/>
+              <a:sym typeface="Open Sans"/>
+            </a:endParaRPr>
+          </a:p>
+          <a:p>
+            <a:pPr indent="-369570" lvl="0" marL="457200" rtl="0" algn="l">
+              <a:lnSpc>
+                <a:spcPct val="100000"/>
+              </a:lnSpc>
+              <a:spcBef>
+                <a:spcPts val="0"/>
+              </a:spcBef>
+              <a:spcAft>
+                <a:spcPts val="0"/>
+              </a:spcAft>
+              <a:buSzPct val="100000"/>
+              <a:buFont typeface="Open Sans"/>
+              <a:buChar char="•"/>
+            </a:pPr>
+            <a:r>
+              <a:rPr i="1" lang="en-US" sz="2400">
+                <a:latin typeface="Open Sans"/>
+                <a:ea typeface="Open Sans"/>
+                <a:cs typeface="Open Sans"/>
+                <a:sym typeface="Open Sans"/>
+              </a:rPr>
+              <a:t>Integração</a:t>
+            </a:r>
+            <a:r>
+              <a:rPr lang="en-US" sz="2400">
+                <a:latin typeface="Open Sans"/>
+                <a:ea typeface="Open Sans"/>
+                <a:cs typeface="Open Sans"/>
+                <a:sym typeface="Open Sans"/>
+              </a:rPr>
+              <a:t>: a lei dos </a:t>
+            </a:r>
+            <a:r>
+              <a:rPr i="1" lang="en-US" sz="2400">
+                <a:latin typeface="Open Sans"/>
+                <a:ea typeface="Open Sans"/>
+                <a:cs typeface="Open Sans"/>
+                <a:sym typeface="Open Sans"/>
+              </a:rPr>
+              <a:t>manors</a:t>
+            </a:r>
+            <a:r>
+              <a:rPr lang="en-US" sz="2400">
+                <a:latin typeface="Open Sans"/>
+                <a:ea typeface="Open Sans"/>
+                <a:cs typeface="Open Sans"/>
+                <a:sym typeface="Open Sans"/>
+              </a:rPr>
+              <a:t> era costumária e quase sempre não-escrita, mas o crescimento de outras formas de direito logo trariam mudanças na </a:t>
+            </a:r>
+            <a:r>
+              <a:rPr i="1" lang="en-US" sz="2400">
+                <a:latin typeface="Open Sans"/>
+                <a:ea typeface="Open Sans"/>
+                <a:cs typeface="Open Sans"/>
+                <a:sym typeface="Open Sans"/>
+              </a:rPr>
+              <a:t>manorial law</a:t>
+            </a:r>
+            <a:endParaRPr>
+              <a:latin typeface="Open Sans"/>
+              <a:ea typeface="Open Sans"/>
+              <a:cs typeface="Open Sans"/>
+              <a:sym typeface="Open Sans"/>
+            </a:endParaRPr>
+          </a:p>
+        </p:txBody>
+      </p:sp>
+      <p:pic>
+        <p:nvPicPr>
+          <p:cNvPr id="253" name="Google Shape;253;p37"/>
+          <p:cNvPicPr preferRelativeResize="0"/>
+          <p:nvPr/>
+        </p:nvPicPr>
+        <p:blipFill>
+          <a:blip r:embed="rId3">
+            <a:alphaModFix/>
+          </a:blip>
+          <a:stretch>
+            <a:fillRect/>
+          </a:stretch>
+        </p:blipFill>
+        <p:spPr>
+          <a:xfrm>
+            <a:off x="152400" y="6013899"/>
+            <a:ext cx="2304373" cy="691700"/>
+          </a:xfrm>
+          <a:prstGeom prst="rect">
+            <a:avLst/>
+          </a:prstGeom>
+          <a:noFill/>
+          <a:ln>
+            <a:noFill/>
+          </a:ln>
+        </p:spPr>
+      </p:pic>
+    </p:spTree>
+  </p:cSld>
+  <p:clrMapOvr>
+    <a:masterClrMapping/>
+  </p:clrMapOvr>
+</p:sld>
+</file>
+
+<file path=ppt/slides/slide25.xml><?xml version="1.0" encoding="utf-8"?>
+<p:sld xmlns:a="http://schemas.openxmlformats.org/drawingml/2006/main" xmlns:r="http://schemas.openxmlformats.org/officeDocument/2006/relationships" xmlns:mc="http://schemas.openxmlformats.org/markup-compatibility/2006" xmlns:mv="urn:schemas-microsoft-com:mac:vml" xmlns:p="http://schemas.openxmlformats.org/presentationml/2006/main" xmlns:c="http://schemas.openxmlformats.org/drawingml/2006/chart" xmlns:dgm="http://schemas.openxmlformats.org/drawingml/2006/diagram" xmlns:o="urn:schemas-microsoft-com:office:office" xmlns:v="urn:schemas-microsoft-com:vml" xmlns:pvml="urn:schemas-microsoft-com:office:powerpoint" xmlns:com="http://schemas.openxmlformats.org/drawingml/2006/compatibility" xmlns:p14="http://schemas.microsoft.com/office/powerpoint/2010/main" xmlns:p15="http://schemas.microsoft.com/office/powerpoint/2012/main" xmlns:ahyp="http://schemas.microsoft.com/office/drawing/2018/hyperlinkcolor">
+  <p:cSld>
+    <p:spTree>
+      <p:nvGrpSpPr>
+        <p:cNvPr id="258" name="Shape 258"/>
+        <p:cNvGrpSpPr/>
+        <p:nvPr/>
+      </p:nvGrpSpPr>
+      <p:grpSpPr>
+        <a:xfrm>
+          <a:off x="0" y="0"/>
+          <a:ext cx="0" cy="0"/>
+          <a:chOff x="0" y="0"/>
+          <a:chExt cx="0" cy="0"/>
+        </a:xfrm>
+      </p:grpSpPr>
+      <p:sp>
+        <p:nvSpPr>
+          <p:cNvPr id="259" name="Google Shape;259;p38"/>
+          <p:cNvSpPr txBox="1"/>
+          <p:nvPr>
+            <p:ph type="title"/>
+          </p:nvPr>
+        </p:nvSpPr>
+        <p:spPr>
+          <a:xfrm>
+            <a:off x="457200" y="274637"/>
+            <a:ext cx="8229600" cy="1143000"/>
+          </a:xfrm>
+          <a:prstGeom prst="rect">
+            <a:avLst/>
+          </a:prstGeom>
+          <a:noFill/>
+          <a:ln>
+            <a:noFill/>
+          </a:ln>
+        </p:spPr>
+        <p:txBody>
+          <a:bodyPr anchorCtr="0" anchor="ctr" bIns="91425" lIns="91425" spcFirstLastPara="1" rIns="91425" wrap="square" tIns="91425">
+            <a:normAutofit/>
+          </a:bodyPr>
+          <a:lstStyle/>
+          <a:p>
+            <a:pPr indent="0" lvl="0" marL="0" marR="0" rtl="0" algn="ctr">
+              <a:lnSpc>
+                <a:spcPct val="100000"/>
+              </a:lnSpc>
+              <a:spcBef>
+                <a:spcPts val="0"/>
+              </a:spcBef>
+              <a:spcAft>
+                <a:spcPts val="0"/>
+              </a:spcAft>
+              <a:buClr>
+                <a:schemeClr val="dk1"/>
+              </a:buClr>
+              <a:buSzPts val="900"/>
+              <a:buFont typeface="Calibri"/>
+              <a:buNone/>
+            </a:pPr>
+            <a:r>
+              <a:rPr b="1" i="0" lang="en-US" sz="3600" u="none" cap="none" strike="noStrike">
+                <a:solidFill>
+                  <a:schemeClr val="dk1"/>
+                </a:solidFill>
+                <a:latin typeface="Open Sans"/>
+                <a:ea typeface="Open Sans"/>
+                <a:cs typeface="Open Sans"/>
+                <a:sym typeface="Open Sans"/>
+              </a:rPr>
+              <a:t>Questões</a:t>
+            </a:r>
+            <a:endParaRPr>
+              <a:latin typeface="Open Sans"/>
+              <a:ea typeface="Open Sans"/>
+              <a:cs typeface="Open Sans"/>
+              <a:sym typeface="Open Sans"/>
+            </a:endParaRPr>
+          </a:p>
+        </p:txBody>
+      </p:sp>
+      <p:sp>
+        <p:nvSpPr>
+          <p:cNvPr id="260" name="Google Shape;260;p38"/>
+          <p:cNvSpPr txBox="1"/>
+          <p:nvPr>
+            <p:ph idx="1" type="body"/>
+          </p:nvPr>
+        </p:nvSpPr>
+        <p:spPr>
+          <a:xfrm>
+            <a:off x="457200" y="1665725"/>
+            <a:ext cx="8229600" cy="4336800"/>
+          </a:xfrm>
+          <a:prstGeom prst="rect">
+            <a:avLst/>
+          </a:prstGeom>
+          <a:noFill/>
+          <a:ln>
+            <a:noFill/>
+          </a:ln>
+        </p:spPr>
+        <p:txBody>
+          <a:bodyPr anchorCtr="0" anchor="t" bIns="91425" lIns="91425" spcFirstLastPara="1" rIns="91425" wrap="square" tIns="91425">
+            <a:normAutofit/>
+          </a:bodyPr>
+          <a:lstStyle/>
+          <a:p>
+            <a:pPr indent="-381000" lvl="0" marL="457200" rtl="0" algn="l">
+              <a:lnSpc>
+                <a:spcPct val="100000"/>
+              </a:lnSpc>
+              <a:spcBef>
+                <a:spcPts val="0"/>
+              </a:spcBef>
+              <a:spcAft>
+                <a:spcPts val="0"/>
+              </a:spcAft>
+              <a:buClr>
+                <a:schemeClr val="dk1"/>
+              </a:buClr>
+              <a:buSzPts val="2400"/>
+              <a:buFont typeface="Open Sans"/>
+              <a:buChar char="•"/>
+            </a:pPr>
+            <a:r>
+              <a:rPr lang="en-US" sz="2400">
+                <a:latin typeface="Open Sans"/>
+                <a:ea typeface="Open Sans"/>
+                <a:cs typeface="Open Sans"/>
+                <a:sym typeface="Open Sans"/>
+              </a:rPr>
+              <a:t>É possível justificar o sistema de leis no feudalismo como ordem espontânea?</a:t>
+            </a:r>
+            <a:endParaRPr sz="2400">
+              <a:latin typeface="Open Sans"/>
+              <a:ea typeface="Open Sans"/>
+              <a:cs typeface="Open Sans"/>
+              <a:sym typeface="Open Sans"/>
+            </a:endParaRPr>
+          </a:p>
+          <a:p>
+            <a:pPr indent="0" lvl="0" marL="406400" rtl="0" algn="l">
+              <a:lnSpc>
+                <a:spcPct val="100000"/>
+              </a:lnSpc>
+              <a:spcBef>
+                <a:spcPts val="0"/>
+              </a:spcBef>
+              <a:spcAft>
+                <a:spcPts val="0"/>
+              </a:spcAft>
+              <a:buNone/>
+            </a:pPr>
+            <a:r>
+              <a:t/>
+            </a:r>
+            <a:endParaRPr sz="2400">
+              <a:latin typeface="Open Sans"/>
+              <a:ea typeface="Open Sans"/>
+              <a:cs typeface="Open Sans"/>
+              <a:sym typeface="Open Sans"/>
+            </a:endParaRPr>
+          </a:p>
+          <a:p>
+            <a:pPr indent="-381000" lvl="0" marL="457200" rtl="0" algn="l">
+              <a:lnSpc>
+                <a:spcPct val="100000"/>
+              </a:lnSpc>
+              <a:spcBef>
+                <a:spcPts val="0"/>
+              </a:spcBef>
+              <a:spcAft>
+                <a:spcPts val="0"/>
+              </a:spcAft>
+              <a:buClr>
+                <a:schemeClr val="dk1"/>
+              </a:buClr>
+              <a:buSzPts val="2400"/>
+              <a:buFont typeface="Open Sans"/>
+              <a:buChar char="•"/>
+            </a:pPr>
+            <a:r>
+              <a:rPr lang="en-US" sz="2400">
+                <a:latin typeface="Open Sans"/>
+                <a:ea typeface="Open Sans"/>
+                <a:cs typeface="Open Sans"/>
+                <a:sym typeface="Open Sans"/>
+              </a:rPr>
+              <a:t>Qual outro conceito que vimos no curso poderia ser aplicado aqui?</a:t>
+            </a:r>
+            <a:endParaRPr>
+              <a:latin typeface="Open Sans"/>
+              <a:ea typeface="Open Sans"/>
+              <a:cs typeface="Open Sans"/>
+              <a:sym typeface="Open Sans"/>
+            </a:endParaRPr>
+          </a:p>
+        </p:txBody>
+      </p:sp>
+      <p:pic>
+        <p:nvPicPr>
+          <p:cNvPr id="261" name="Google Shape;261;p38"/>
+          <p:cNvPicPr preferRelativeResize="0"/>
+          <p:nvPr/>
+        </p:nvPicPr>
+        <p:blipFill>
+          <a:blip r:embed="rId3">
+            <a:alphaModFix/>
+          </a:blip>
+          <a:stretch>
+            <a:fillRect/>
+          </a:stretch>
+        </p:blipFill>
+        <p:spPr>
+          <a:xfrm>
+            <a:off x="152400" y="6013899"/>
+            <a:ext cx="2304373" cy="691700"/>
           </a:xfrm>
           <a:prstGeom prst="rect">
             <a:avLst/>
@@ -14678,7 +18479,7 @@
                 <a:cs typeface="Open Sans"/>
                 <a:sym typeface="Open Sans"/>
               </a:rPr>
-              <a:t>The Mystery of Capital</a:t>
+              <a:t>Law and Revolution</a:t>
             </a:r>
             <a:endParaRPr>
               <a:latin typeface="Open Sans"/>
@@ -14740,7 +18541,178 @@
                 <a:cs typeface="Open Sans"/>
                 <a:sym typeface="Open Sans"/>
               </a:rPr>
-              <a:t>O mistério do capital é </a:t>
+              <a:t>Primeiro volume publicado em 1983, o segundo em 2004</a:t>
+            </a:r>
+            <a:endParaRPr sz="2400">
+              <a:latin typeface="Open Sans"/>
+              <a:ea typeface="Open Sans"/>
+              <a:cs typeface="Open Sans"/>
+              <a:sym typeface="Open Sans"/>
+            </a:endParaRPr>
+          </a:p>
+          <a:p>
+            <a:pPr indent="0" lvl="0" marL="406400" rtl="0" algn="l">
+              <a:lnSpc>
+                <a:spcPct val="115000"/>
+              </a:lnSpc>
+              <a:spcBef>
+                <a:spcPts val="0"/>
+              </a:spcBef>
+              <a:spcAft>
+                <a:spcPts val="0"/>
+              </a:spcAft>
+              <a:buNone/>
+            </a:pPr>
+            <a:r>
+              <a:t/>
+            </a:r>
+            <a:endParaRPr sz="2400">
+              <a:latin typeface="Open Sans"/>
+              <a:ea typeface="Open Sans"/>
+              <a:cs typeface="Open Sans"/>
+              <a:sym typeface="Open Sans"/>
+            </a:endParaRPr>
+          </a:p>
+          <a:p>
+            <a:pPr indent="-358140" lvl="0" marL="457200" rtl="0" algn="l">
+              <a:lnSpc>
+                <a:spcPct val="115000"/>
+              </a:lnSpc>
+              <a:spcBef>
+                <a:spcPts val="0"/>
+              </a:spcBef>
+              <a:spcAft>
+                <a:spcPts val="0"/>
+              </a:spcAft>
+              <a:buClr>
+                <a:schemeClr val="dk1"/>
+              </a:buClr>
+              <a:buSzPct val="100000"/>
+              <a:buFont typeface="Open Sans"/>
+              <a:buChar char="•"/>
+            </a:pPr>
+            <a:r>
+              <a:rPr lang="en-US" sz="2400">
+                <a:latin typeface="Open Sans"/>
+                <a:ea typeface="Open Sans"/>
+                <a:cs typeface="Open Sans"/>
+                <a:sym typeface="Open Sans"/>
+              </a:rPr>
+              <a:t>O primeiro livro, tema desta sessão, discute a formação do direito contemporâneo, cuja data de partida, para o autor, é o século 11</a:t>
+            </a:r>
+            <a:endParaRPr sz="2400">
+              <a:latin typeface="Open Sans"/>
+              <a:ea typeface="Open Sans"/>
+              <a:cs typeface="Open Sans"/>
+              <a:sym typeface="Open Sans"/>
+            </a:endParaRPr>
+          </a:p>
+          <a:p>
+            <a:pPr indent="0" lvl="0" marL="406400" rtl="0" algn="l">
+              <a:lnSpc>
+                <a:spcPct val="115000"/>
+              </a:lnSpc>
+              <a:spcBef>
+                <a:spcPts val="0"/>
+              </a:spcBef>
+              <a:spcAft>
+                <a:spcPts val="0"/>
+              </a:spcAft>
+              <a:buNone/>
+            </a:pPr>
+            <a:r>
+              <a:t/>
+            </a:r>
+            <a:endParaRPr sz="2400">
+              <a:latin typeface="Open Sans"/>
+              <a:ea typeface="Open Sans"/>
+              <a:cs typeface="Open Sans"/>
+              <a:sym typeface="Open Sans"/>
+            </a:endParaRPr>
+          </a:p>
+          <a:p>
+            <a:pPr indent="-358140" lvl="0" marL="457200" rtl="0" algn="l">
+              <a:lnSpc>
+                <a:spcPct val="115000"/>
+              </a:lnSpc>
+              <a:spcBef>
+                <a:spcPts val="0"/>
+              </a:spcBef>
+              <a:spcAft>
+                <a:spcPts val="0"/>
+              </a:spcAft>
+              <a:buClr>
+                <a:schemeClr val="dk1"/>
+              </a:buClr>
+              <a:buSzPct val="100000"/>
+              <a:buFont typeface="Open Sans"/>
+              <a:buChar char="•"/>
+            </a:pPr>
+            <a:r>
+              <a:rPr lang="en-US" sz="2400">
+                <a:latin typeface="Open Sans"/>
+                <a:ea typeface="Open Sans"/>
+                <a:cs typeface="Open Sans"/>
+                <a:sym typeface="Open Sans"/>
+              </a:rPr>
+              <a:t>O segundo volume trata do efeito da Revolução Protestante na Alemanha e a Revolução Gloriosa sobre a lei; Berman argumenta que ambas foram a origem da separação do direito civil da religião</a:t>
+            </a:r>
+            <a:endParaRPr sz="2400">
+              <a:latin typeface="Open Sans"/>
+              <a:ea typeface="Open Sans"/>
+              <a:cs typeface="Open Sans"/>
+              <a:sym typeface="Open Sans"/>
+            </a:endParaRPr>
+          </a:p>
+          <a:p>
+            <a:pPr indent="0" lvl="0" marL="406400" rtl="0" algn="l">
+              <a:lnSpc>
+                <a:spcPct val="115000"/>
+              </a:lnSpc>
+              <a:spcBef>
+                <a:spcPts val="0"/>
+              </a:spcBef>
+              <a:spcAft>
+                <a:spcPts val="0"/>
+              </a:spcAft>
+              <a:buNone/>
+            </a:pPr>
+            <a:r>
+              <a:t/>
+            </a:r>
+            <a:endParaRPr sz="2400">
+              <a:latin typeface="Open Sans"/>
+              <a:ea typeface="Open Sans"/>
+              <a:cs typeface="Open Sans"/>
+              <a:sym typeface="Open Sans"/>
+            </a:endParaRPr>
+          </a:p>
+          <a:p>
+            <a:pPr indent="-358140" lvl="0" marL="457200" rtl="0" algn="l">
+              <a:lnSpc>
+                <a:spcPct val="115000"/>
+              </a:lnSpc>
+              <a:spcBef>
+                <a:spcPts val="0"/>
+              </a:spcBef>
+              <a:spcAft>
+                <a:spcPts val="0"/>
+              </a:spcAft>
+              <a:buClr>
+                <a:schemeClr val="dk1"/>
+              </a:buClr>
+              <a:buSzPct val="100000"/>
+              <a:buFont typeface="Open Sans"/>
+              <a:buChar char="•"/>
+            </a:pPr>
+            <a:r>
+              <a:rPr lang="en-US" sz="2400">
+                <a:latin typeface="Open Sans"/>
+                <a:ea typeface="Open Sans"/>
+                <a:cs typeface="Open Sans"/>
+                <a:sym typeface="Open Sans"/>
+              </a:rPr>
+              <a:t>De acordo com a </a:t>
             </a:r>
             <a:r>
               <a:rPr i="1" lang="en-US" sz="2400">
@@ -14749,56 +18721,8 @@
                 <a:cs typeface="Open Sans"/>
                 <a:sym typeface="Open Sans"/>
               </a:rPr>
-              <a:t>a propriedade privada</a:t>
-            </a:r>
-            <a:endParaRPr i="1" sz="2400">
-              <a:latin typeface="Open Sans"/>
-              <a:ea typeface="Open Sans"/>
-              <a:cs typeface="Open Sans"/>
-              <a:sym typeface="Open Sans"/>
-            </a:endParaRPr>
-          </a:p>
-          <a:p>
-            <a:pPr indent="0" lvl="0" marL="406400" rtl="0" algn="l">
-              <a:lnSpc>
-                <a:spcPct val="115000"/>
-              </a:lnSpc>
-              <a:spcBef>
-                <a:spcPts val="0"/>
-              </a:spcBef>
-              <a:spcAft>
-                <a:spcPts val="0"/>
-              </a:spcAft>
-              <a:buNone/>
-            </a:pPr>
-            <a:r>
-              <a:t/>
-            </a:r>
-            <a:endParaRPr i="1" sz="2400">
-              <a:latin typeface="Open Sans"/>
-              <a:ea typeface="Open Sans"/>
-              <a:cs typeface="Open Sans"/>
-              <a:sym typeface="Open Sans"/>
-            </a:endParaRPr>
-          </a:p>
-          <a:p>
-            <a:pPr indent="-358140" lvl="0" marL="457200" rtl="0" algn="l">
-              <a:lnSpc>
-                <a:spcPct val="115000"/>
-              </a:lnSpc>
-              <a:spcBef>
-                <a:spcPts val="0"/>
-              </a:spcBef>
-              <a:spcAft>
-                <a:spcPts val="0"/>
-              </a:spcAft>
-              <a:buClr>
-                <a:schemeClr val="dk1"/>
-              </a:buClr>
-              <a:buSzPct val="100000"/>
-              <a:buFont typeface="Open Sans"/>
-              <a:buChar char="•"/>
-            </a:pPr>
+              <a:t>American Political Science Review</a:t>
+            </a:r>
             <a:r>
               <a:rPr lang="en-US" sz="2400">
                 <a:latin typeface="Open Sans"/>
@@ -14806,196 +18730,37 @@
                 <a:cs typeface="Open Sans"/>
                 <a:sym typeface="Open Sans"/>
               </a:rPr>
-              <a:t>A propriedade privada é importante em si mesma, e De Soto ressalta seu papel como </a:t>
+              <a:t>, “</a:t>
             </a:r>
             <a:r>
               <a:rPr i="1" lang="en-US" sz="2400">
+                <a:solidFill>
+                  <a:srgbClr val="000000"/>
+                </a:solidFill>
+                <a:highlight>
+                  <a:srgbClr val="FFFFFF"/>
+                </a:highlight>
                 <a:latin typeface="Open Sans"/>
                 <a:ea typeface="Open Sans"/>
                 <a:cs typeface="Open Sans"/>
                 <a:sym typeface="Open Sans"/>
               </a:rPr>
-              <a:t>collateral</a:t>
+              <a:t>This may be the most important book on law in our generation</a:t>
             </a:r>
             <a:r>
               <a:rPr lang="en-US" sz="2400">
+                <a:solidFill>
+                  <a:srgbClr val="333333"/>
+                </a:solidFill>
+                <a:highlight>
+                  <a:srgbClr val="FFFFFF"/>
+                </a:highlight>
                 <a:latin typeface="Open Sans"/>
                 <a:ea typeface="Open Sans"/>
                 <a:cs typeface="Open Sans"/>
                 <a:sym typeface="Open Sans"/>
               </a:rPr>
-              <a:t> para empréstimos bancários e alavancagem de capital</a:t>
-            </a:r>
-            <a:endParaRPr sz="2400">
-              <a:latin typeface="Open Sans"/>
-              <a:ea typeface="Open Sans"/>
-              <a:cs typeface="Open Sans"/>
-              <a:sym typeface="Open Sans"/>
-            </a:endParaRPr>
-          </a:p>
-          <a:p>
-            <a:pPr indent="0" lvl="0" marL="406400" rtl="0" algn="l">
-              <a:lnSpc>
-                <a:spcPct val="115000"/>
-              </a:lnSpc>
-              <a:spcBef>
-                <a:spcPts val="0"/>
-              </a:spcBef>
-              <a:spcAft>
-                <a:spcPts val="0"/>
-              </a:spcAft>
-              <a:buNone/>
-            </a:pPr>
-            <a:r>
-              <a:t/>
-            </a:r>
-            <a:endParaRPr sz="2400">
-              <a:latin typeface="Open Sans"/>
-              <a:ea typeface="Open Sans"/>
-              <a:cs typeface="Open Sans"/>
-              <a:sym typeface="Open Sans"/>
-            </a:endParaRPr>
-          </a:p>
-          <a:p>
-            <a:pPr indent="-358140" lvl="0" marL="457200" rtl="0" algn="l">
-              <a:lnSpc>
-                <a:spcPct val="115000"/>
-              </a:lnSpc>
-              <a:spcBef>
-                <a:spcPts val="0"/>
-              </a:spcBef>
-              <a:spcAft>
-                <a:spcPts val="0"/>
-              </a:spcAft>
-              <a:buClr>
-                <a:schemeClr val="dk1"/>
-              </a:buClr>
-              <a:buSzPct val="100000"/>
-              <a:buFont typeface="Open Sans"/>
-              <a:buChar char="•"/>
-            </a:pPr>
-            <a:r>
-              <a:rPr lang="en-US" sz="2400">
-                <a:latin typeface="Open Sans"/>
-                <a:ea typeface="Open Sans"/>
-                <a:cs typeface="Open Sans"/>
-                <a:sym typeface="Open Sans"/>
-              </a:rPr>
-              <a:t>Como defender a propriedade privada em locais onde não há governança formal?</a:t>
-            </a:r>
-            <a:endParaRPr sz="2400">
-              <a:latin typeface="Open Sans"/>
-              <a:ea typeface="Open Sans"/>
-              <a:cs typeface="Open Sans"/>
-              <a:sym typeface="Open Sans"/>
-            </a:endParaRPr>
-          </a:p>
-          <a:p>
-            <a:pPr indent="0" lvl="0" marL="406400" rtl="0" algn="l">
-              <a:lnSpc>
-                <a:spcPct val="115000"/>
-              </a:lnSpc>
-              <a:spcBef>
-                <a:spcPts val="0"/>
-              </a:spcBef>
-              <a:spcAft>
-                <a:spcPts val="0"/>
-              </a:spcAft>
-              <a:buNone/>
-            </a:pPr>
-            <a:r>
-              <a:t/>
-            </a:r>
-            <a:endParaRPr sz="2400">
-              <a:latin typeface="Open Sans"/>
-              <a:ea typeface="Open Sans"/>
-              <a:cs typeface="Open Sans"/>
-              <a:sym typeface="Open Sans"/>
-            </a:endParaRPr>
-          </a:p>
-          <a:p>
-            <a:pPr indent="-358140" lvl="0" marL="457200" rtl="0" algn="l">
-              <a:lnSpc>
-                <a:spcPct val="115000"/>
-              </a:lnSpc>
-              <a:spcBef>
-                <a:spcPts val="0"/>
-              </a:spcBef>
-              <a:spcAft>
-                <a:spcPts val="0"/>
-              </a:spcAft>
-              <a:buClr>
-                <a:schemeClr val="dk1"/>
-              </a:buClr>
-              <a:buSzPct val="100000"/>
-              <a:buFont typeface="Open Sans"/>
-              <a:buChar char="•"/>
-            </a:pPr>
-            <a:r>
-              <a:rPr lang="en-US" sz="2400">
-                <a:latin typeface="Open Sans"/>
-                <a:ea typeface="Open Sans"/>
-                <a:cs typeface="Open Sans"/>
-                <a:sym typeface="Open Sans"/>
-              </a:rPr>
-              <a:t>Quais mecanismos informais as comunidades pobres do terceiro mundo criaram para exercer seu direito de propriedade?</a:t>
-            </a:r>
-            <a:endParaRPr sz="2400">
-              <a:latin typeface="Open Sans"/>
-              <a:ea typeface="Open Sans"/>
-              <a:cs typeface="Open Sans"/>
-              <a:sym typeface="Open Sans"/>
-            </a:endParaRPr>
-          </a:p>
-          <a:p>
-            <a:pPr indent="0" lvl="0" marL="406400" rtl="0" algn="l">
-              <a:lnSpc>
-                <a:spcPct val="115000"/>
-              </a:lnSpc>
-              <a:spcBef>
-                <a:spcPts val="0"/>
-              </a:spcBef>
-              <a:spcAft>
-                <a:spcPts val="0"/>
-              </a:spcAft>
-              <a:buNone/>
-            </a:pPr>
-            <a:r>
-              <a:t/>
-            </a:r>
-            <a:endParaRPr sz="2400">
-              <a:latin typeface="Open Sans"/>
-              <a:ea typeface="Open Sans"/>
-              <a:cs typeface="Open Sans"/>
-              <a:sym typeface="Open Sans"/>
-            </a:endParaRPr>
-          </a:p>
-          <a:p>
-            <a:pPr indent="-358140" lvl="0" marL="457200" rtl="0" algn="l">
-              <a:lnSpc>
-                <a:spcPct val="115000"/>
-              </a:lnSpc>
-              <a:spcBef>
-                <a:spcPts val="0"/>
-              </a:spcBef>
-              <a:spcAft>
-                <a:spcPts val="0"/>
-              </a:spcAft>
-              <a:buClr>
-                <a:schemeClr val="dk1"/>
-              </a:buClr>
-              <a:buSzPct val="100000"/>
-              <a:buFont typeface="Open Sans"/>
-              <a:buChar char="•"/>
-            </a:pPr>
-            <a:r>
-              <a:rPr lang="en-US" sz="2400">
-                <a:latin typeface="Open Sans"/>
-                <a:ea typeface="Open Sans"/>
-                <a:cs typeface="Open Sans"/>
-                <a:sym typeface="Open Sans"/>
-              </a:rPr>
-              <a:t>Publicado em 2000, grande repercussão mundial</a:t>
+              <a:t>.”</a:t>
             </a:r>
             <a:endParaRPr>
               <a:latin typeface="Open Sans"/>
@@ -15022,8 +18787,8 @@
         </p:blipFill>
         <p:spPr>
           <a:xfrm>
-            <a:off x="152400" y="6055824"/>
-            <a:ext cx="2164649" cy="649775"/>
+            <a:off x="152400" y="6013899"/>
+            <a:ext cx="2304373" cy="691700"/>
           </a:xfrm>
           <a:prstGeom prst="rect">
             <a:avLst/>
@@ -15099,20 +18864,20 @@
               <a:buClr>
                 <a:schemeClr val="dk1"/>
               </a:buClr>
-              <a:buSzPts val="810"/>
+              <a:buSzPts val="900"/>
               <a:buFont typeface="Calibri"/>
               <a:buNone/>
             </a:pPr>
             <a:r>
-              <a:rPr b="1" lang="en-US" sz="2940">
+              <a:rPr b="1" lang="en-US" sz="3600">
                 <a:latin typeface="Open Sans"/>
                 <a:ea typeface="Open Sans"/>
                 <a:cs typeface="Open Sans"/>
                 <a:sym typeface="Open Sans"/>
               </a:rPr>
-              <a:t>The Mystery of Capital: Contexto Histórico</a:t>
-            </a:r>
-            <a:endParaRPr sz="3659">
+              <a:t>Law and Revolution</a:t>
+            </a:r>
+            <a:endParaRPr>
               <a:latin typeface="Open Sans"/>
               <a:ea typeface="Open Sans"/>
               <a:cs typeface="Open Sans"/>
@@ -15144,11 +18909,11 @@
         </p:spPr>
         <p:txBody>
           <a:bodyPr anchorCtr="0" anchor="t" bIns="91425" lIns="91425" spcFirstLastPara="1" rIns="91425" wrap="square" tIns="91425">
-            <a:normAutofit fontScale="85000" lnSpcReduction="20000"/>
+            <a:normAutofit fontScale="92500" lnSpcReduction="20000"/>
           </a:bodyPr>
           <a:lstStyle/>
           <a:p>
-            <a:pPr indent="-358140" lvl="0" marL="457200" rtl="0" algn="l">
+            <a:pPr indent="-369570" lvl="0" marL="457200" rtl="0" algn="l">
               <a:lnSpc>
                 <a:spcPct val="115000"/>
               </a:lnSpc>
@@ -15172,7 +18937,7 @@
                 <a:cs typeface="Open Sans"/>
                 <a:sym typeface="Open Sans"/>
               </a:rPr>
-              <a:t>O fim da Guerra Fria em 1989 trouxe grande esperança para a comunidade internacional, em especial para os países em transição para a economia de mercado</a:t>
+              <a:t>Até o século 11, não havia uma clara separação da esfera jurídica da moral e dos costumes locais no Ocidente</a:t>
             </a:r>
             <a:endParaRPr sz="2400">
               <a:latin typeface="Open Sans"/>
@@ -15205,7 +18970,7 @@
             </a:endParaRPr>
           </a:p>
           <a:p>
-            <a:pPr indent="-358140" lvl="0" marL="457200" rtl="0" algn="l">
+            <a:pPr indent="-369570" lvl="0" marL="457200" rtl="0" algn="l">
               <a:lnSpc>
                 <a:spcPct val="115000"/>
               </a:lnSpc>
@@ -15229,7 +18994,7 @@
                 <a:cs typeface="Open Sans"/>
                 <a:sym typeface="Open Sans"/>
               </a:rPr>
-              <a:t>Forte crescimento econômico na gestão Bill Clinton</a:t>
+              <a:t>Isso dava-se também pela condição política e econômica da Idade Média: a fragmentação feudal dificultava a unidade do sistema jurídico</a:t>
             </a:r>
             <a:endParaRPr sz="2400">
               <a:latin typeface="Open Sans"/>
@@ -15262,7 +19027,7 @@
             </a:endParaRPr>
           </a:p>
           <a:p>
-            <a:pPr indent="-358140" lvl="0" marL="457200" rtl="0" algn="l">
+            <a:pPr indent="-369570" lvl="0" marL="457200" rtl="0" algn="l">
               <a:lnSpc>
                 <a:spcPct val="115000"/>
               </a:lnSpc>
@@ -15286,130 +19051,7 @@
                 <a:cs typeface="Open Sans"/>
                 <a:sym typeface="Open Sans"/>
               </a:rPr>
-              <a:t>Expansão do comércio internacional com acordos da WTO</a:t>
-            </a:r>
-            <a:endParaRPr sz="2400">
-              <a:latin typeface="Open Sans"/>
-              <a:ea typeface="Open Sans"/>
-              <a:cs typeface="Open Sans"/>
-              <a:sym typeface="Open Sans"/>
-            </a:endParaRPr>
-          </a:p>
-          <a:p>
-            <a:pPr indent="0" lvl="0" marL="406400" rtl="0" algn="l">
-              <a:lnSpc>
-                <a:spcPct val="115000"/>
-              </a:lnSpc>
-              <a:spcBef>
-                <a:spcPts val="0"/>
-              </a:spcBef>
-              <a:spcAft>
-                <a:spcPts val="0"/>
-              </a:spcAft>
-              <a:buNone/>
-            </a:pPr>
-            <a:r>
-              <a:t/>
-            </a:r>
-            <a:endParaRPr sz="2400">
-              <a:latin typeface="Open Sans"/>
-              <a:ea typeface="Open Sans"/>
-              <a:cs typeface="Open Sans"/>
-              <a:sym typeface="Open Sans"/>
-            </a:endParaRPr>
-          </a:p>
-          <a:p>
-            <a:pPr indent="-358140" lvl="0" marL="457200" rtl="0" algn="l">
-              <a:lnSpc>
-                <a:spcPct val="115000"/>
-              </a:lnSpc>
-              <a:spcBef>
-                <a:spcPts val="0"/>
-              </a:spcBef>
-              <a:spcAft>
-                <a:spcPts val="0"/>
-              </a:spcAft>
-              <a:buClr>
-                <a:schemeClr val="dk1"/>
-              </a:buClr>
-              <a:buSzPct val="100000"/>
-              <a:buFont typeface="Open Sans"/>
-              <a:buChar char="•"/>
-            </a:pPr>
-            <a:r>
-              <a:rPr lang="en-US" sz="2400">
-                <a:latin typeface="Open Sans"/>
-                <a:ea typeface="Open Sans"/>
-                <a:cs typeface="Open Sans"/>
-                <a:sym typeface="Open Sans"/>
-              </a:rPr>
-              <a:t>Democratização na América Latina e no Leste Europeu, criação e expansão das áreas de liberdade comercial (Mercosul, União Europeia)</a:t>
-            </a:r>
-            <a:endParaRPr sz="2400">
-              <a:latin typeface="Open Sans"/>
-              <a:ea typeface="Open Sans"/>
-              <a:cs typeface="Open Sans"/>
-              <a:sym typeface="Open Sans"/>
-            </a:endParaRPr>
-          </a:p>
-          <a:p>
-            <a:pPr indent="0" lvl="0" marL="406400" rtl="0" algn="l">
-              <a:lnSpc>
-                <a:spcPct val="115000"/>
-              </a:lnSpc>
-              <a:spcBef>
-                <a:spcPts val="0"/>
-              </a:spcBef>
-              <a:spcAft>
-                <a:spcPts val="0"/>
-              </a:spcAft>
-              <a:buNone/>
-            </a:pPr>
-            <a:r>
-              <a:t/>
-            </a:r>
-            <a:endParaRPr sz="2400">
-              <a:latin typeface="Open Sans"/>
-              <a:ea typeface="Open Sans"/>
-              <a:cs typeface="Open Sans"/>
-              <a:sym typeface="Open Sans"/>
-            </a:endParaRPr>
-          </a:p>
-          <a:p>
-            <a:pPr indent="-358140" lvl="0" marL="457200" rtl="0" algn="l">
-              <a:lnSpc>
-                <a:spcPct val="115000"/>
-              </a:lnSpc>
-              <a:spcBef>
-                <a:spcPts val="0"/>
-              </a:spcBef>
-              <a:spcAft>
-                <a:spcPts val="0"/>
-              </a:spcAft>
-              <a:buClr>
-                <a:schemeClr val="dk1"/>
-              </a:buClr>
-              <a:buSzPct val="100000"/>
-              <a:buFont typeface="Open Sans"/>
-              <a:buChar char="•"/>
-            </a:pPr>
-            <a:r>
-              <a:rPr lang="en-US" sz="2400">
-                <a:latin typeface="Open Sans"/>
-                <a:ea typeface="Open Sans"/>
-                <a:cs typeface="Open Sans"/>
-                <a:sym typeface="Open Sans"/>
-              </a:rPr>
-              <a:t>Aumento considerável do fluxo de capitais nos </a:t>
-            </a:r>
-            <a:r>
-              <a:rPr i="1" lang="en-US" sz="2400">
-                <a:latin typeface="Open Sans"/>
-                <a:ea typeface="Open Sans"/>
-                <a:cs typeface="Open Sans"/>
-                <a:sym typeface="Open Sans"/>
-              </a:rPr>
-              <a:t>emerging markets</a:t>
+              <a:t>Ao mesmo tempo, nos séculos 11 e 12 começam a surgir centros de ensino jurídico na Europa, e as faculdades mais antigas do continente, como a Sapienza, Sorbonne e Oxford estabelecem cursos de direito junto aos de teologia</a:t>
             </a:r>
             <a:endParaRPr>
               <a:latin typeface="Open Sans"/>
@@ -15436,8 +19078,8 @@
         </p:blipFill>
         <p:spPr>
           <a:xfrm>
-            <a:off x="152400" y="6055824"/>
-            <a:ext cx="2164649" cy="649775"/>
+            <a:off x="152400" y="6013899"/>
+            <a:ext cx="2304373" cy="691700"/>
           </a:xfrm>
           <a:prstGeom prst="rect">
             <a:avLst/>
@@ -15496,7 +19138,7 @@
         </p:spPr>
         <p:txBody>
           <a:bodyPr anchorCtr="0" anchor="ctr" bIns="91425" lIns="91425" spcFirstLastPara="1" rIns="91425" wrap="square" tIns="91425">
-            <a:normAutofit fontScale="90000"/>
+            <a:normAutofit/>
           </a:bodyPr>
           <a:lstStyle/>
           <a:p>
@@ -15513,7 +19155,7 @@
               <a:buClr>
                 <a:schemeClr val="dk1"/>
               </a:buClr>
-              <a:buSzPts val="810"/>
+              <a:buSzPts val="900"/>
               <a:buFont typeface="Calibri"/>
               <a:buNone/>
             </a:pPr>
@@ -15524,7 +19166,7 @@
                 <a:cs typeface="Open Sans"/>
                 <a:sym typeface="Open Sans"/>
               </a:rPr>
-              <a:t>The Mystery of Capital: Contexto Histórico</a:t>
+              <a:t>Law and Revolution</a:t>
             </a:r>
             <a:endParaRPr>
               <a:latin typeface="Open Sans"/>
@@ -15558,11 +19200,11 @@
         </p:spPr>
         <p:txBody>
           <a:bodyPr anchorCtr="0" anchor="t" bIns="91425" lIns="91425" spcFirstLastPara="1" rIns="91425" wrap="square" tIns="91425">
-            <a:normAutofit fontScale="70000" lnSpcReduction="20000"/>
+            <a:normAutofit fontScale="92500" lnSpcReduction="10000"/>
           </a:bodyPr>
           <a:lstStyle/>
           <a:p>
-            <a:pPr indent="-335280" lvl="0" marL="457200" rtl="0" algn="l">
+            <a:pPr indent="-369570" lvl="0" marL="457200" rtl="0" algn="l">
               <a:lnSpc>
                 <a:spcPct val="115000"/>
               </a:lnSpc>
@@ -15586,7 +19228,7 @@
                 <a:cs typeface="Open Sans"/>
                 <a:sym typeface="Open Sans"/>
               </a:rPr>
-              <a:t>O final da década de 1990 e o começo dos anos 2000 trouxe uma onda de descontamento com o novo capitalismo global</a:t>
+              <a:t>Surgem então os primeiros corpos sistematizados do direito, como o Direito Romano Canônico, o direito mercantil, o sistema de obrigações inglês e outros</a:t>
             </a:r>
             <a:endParaRPr sz="2400">
               <a:latin typeface="Open Sans"/>
@@ -15619,7 +19261,7 @@
             </a:endParaRPr>
           </a:p>
           <a:p>
-            <a:pPr indent="-335280" lvl="0" marL="457200" rtl="0" algn="l">
+            <a:pPr indent="-369570" lvl="0" marL="457200" rtl="0" algn="l">
               <a:lnSpc>
                 <a:spcPct val="115000"/>
               </a:lnSpc>
@@ -15643,7 +19285,7 @@
                 <a:cs typeface="Open Sans"/>
                 <a:sym typeface="Open Sans"/>
               </a:rPr>
-              <a:t>A crise mexicana afeta seriamente a América Latina</a:t>
+              <a:t>Conflitos internos à igreja e guerras civis entre reinos também estimularam a centralização de normas, pois um sistema unificado facilita a solução de controvérsias</a:t>
             </a:r>
             <a:endParaRPr sz="2400">
               <a:latin typeface="Open Sans"/>
@@ -15676,7 +19318,7 @@
             </a:endParaRPr>
           </a:p>
           <a:p>
-            <a:pPr indent="-335280" lvl="0" marL="457200" rtl="0" algn="l">
+            <a:pPr indent="-369570" lvl="0" marL="457200" rtl="0" algn="l">
               <a:lnSpc>
                 <a:spcPct val="115000"/>
               </a:lnSpc>
@@ -15700,64 +19342,7 @@
                 <a:cs typeface="Open Sans"/>
                 <a:sym typeface="Open Sans"/>
               </a:rPr>
-              <a:t>Sobe o apoio para governos de esquerda em toda a região, descontentes com o “Consenso de Washington”</a:t>
-            </a:r>
-            <a:endParaRPr sz="2400">
-              <a:latin typeface="Open Sans"/>
-              <a:ea typeface="Open Sans"/>
-              <a:cs typeface="Open Sans"/>
-              <a:sym typeface="Open Sans"/>
-            </a:endParaRPr>
-          </a:p>
-          <a:p>
-            <a:pPr indent="0" lvl="0" marL="406400" rtl="0" algn="l">
-              <a:lnSpc>
-                <a:spcPct val="115000"/>
-              </a:lnSpc>
-              <a:spcBef>
-                <a:spcPts val="0"/>
-              </a:spcBef>
-              <a:spcAft>
-                <a:spcPts val="0"/>
-              </a:spcAft>
-              <a:buNone/>
-            </a:pPr>
-            <a:r>
-              <a:t/>
-            </a:r>
-            <a:endParaRPr sz="2400">
-              <a:latin typeface="Open Sans"/>
-              <a:ea typeface="Open Sans"/>
-              <a:cs typeface="Open Sans"/>
-              <a:sym typeface="Open Sans"/>
-            </a:endParaRPr>
-          </a:p>
-          <a:p>
-            <a:pPr indent="-335280" lvl="0" marL="457200" rtl="0" algn="l">
-              <a:lnSpc>
-                <a:spcPct val="115000"/>
-              </a:lnSpc>
-              <a:spcBef>
-                <a:spcPts val="0"/>
-              </a:spcBef>
-              <a:spcAft>
-                <a:spcPts val="0"/>
-              </a:spcAft>
-              <a:buClr>
-                <a:schemeClr val="dk1"/>
-              </a:buClr>
-              <a:buSzPct val="100000"/>
-              <a:buFont typeface="Open Sans"/>
-              <a:buChar char="•"/>
-            </a:pPr>
-            <a:r>
-              <a:rPr lang="en-US" sz="2400">
-                <a:latin typeface="Open Sans"/>
-                <a:ea typeface="Open Sans"/>
-                <a:cs typeface="Open Sans"/>
-                <a:sym typeface="Open Sans"/>
-              </a:rPr>
-              <a:t>Nos EUA, houve o estouro da bolha das empresas </a:t>
+              <a:t>O império Carolíngio, depois Sacro Império, colaborou para que a lei local fosse aos poucos se distanciando dos ditos da </a:t>
             </a:r>
             <a:r>
               <a:rPr i="1" lang="en-US" sz="2400">
@@ -15766,196 +19351,7 @@
                 <a:cs typeface="Open Sans"/>
                 <a:sym typeface="Open Sans"/>
               </a:rPr>
-              <a:t>dotcom</a:t>
-            </a:r>
-            <a:endParaRPr i="1" sz="2400">
-              <a:latin typeface="Open Sans"/>
-              <a:ea typeface="Open Sans"/>
-              <a:cs typeface="Open Sans"/>
-              <a:sym typeface="Open Sans"/>
-            </a:endParaRPr>
-          </a:p>
-          <a:p>
-            <a:pPr indent="0" lvl="0" marL="406400" rtl="0" algn="l">
-              <a:lnSpc>
-                <a:spcPct val="115000"/>
-              </a:lnSpc>
-              <a:spcBef>
-                <a:spcPts val="0"/>
-              </a:spcBef>
-              <a:spcAft>
-                <a:spcPts val="0"/>
-              </a:spcAft>
-              <a:buNone/>
-            </a:pPr>
-            <a:r>
-              <a:t/>
-            </a:r>
-            <a:endParaRPr i="1" sz="2400">
-              <a:latin typeface="Open Sans"/>
-              <a:ea typeface="Open Sans"/>
-              <a:cs typeface="Open Sans"/>
-              <a:sym typeface="Open Sans"/>
-            </a:endParaRPr>
-          </a:p>
-          <a:p>
-            <a:pPr indent="-335280" lvl="0" marL="457200" rtl="0" algn="l">
-              <a:lnSpc>
-                <a:spcPct val="115000"/>
-              </a:lnSpc>
-              <a:spcBef>
-                <a:spcPts val="0"/>
-              </a:spcBef>
-              <a:spcAft>
-                <a:spcPts val="0"/>
-              </a:spcAft>
-              <a:buClr>
-                <a:schemeClr val="dk1"/>
-              </a:buClr>
-              <a:buSzPct val="100000"/>
-              <a:buFont typeface="Open Sans"/>
-              <a:buChar char="•"/>
-            </a:pPr>
-            <a:r>
-              <a:rPr lang="en-US" sz="2400">
-                <a:latin typeface="Open Sans"/>
-                <a:ea typeface="Open Sans"/>
-                <a:cs typeface="Open Sans"/>
-                <a:sym typeface="Open Sans"/>
-              </a:rPr>
-              <a:t>Rússia entra em grave crise financeira em 1998</a:t>
-            </a:r>
-            <a:endParaRPr sz="2400">
-              <a:latin typeface="Open Sans"/>
-              <a:ea typeface="Open Sans"/>
-              <a:cs typeface="Open Sans"/>
-              <a:sym typeface="Open Sans"/>
-            </a:endParaRPr>
-          </a:p>
-          <a:p>
-            <a:pPr indent="0" lvl="0" marL="406400" rtl="0" algn="l">
-              <a:lnSpc>
-                <a:spcPct val="115000"/>
-              </a:lnSpc>
-              <a:spcBef>
-                <a:spcPts val="0"/>
-              </a:spcBef>
-              <a:spcAft>
-                <a:spcPts val="0"/>
-              </a:spcAft>
-              <a:buNone/>
-            </a:pPr>
-            <a:r>
-              <a:t/>
-            </a:r>
-            <a:endParaRPr sz="2400">
-              <a:latin typeface="Open Sans"/>
-              <a:ea typeface="Open Sans"/>
-              <a:cs typeface="Open Sans"/>
-              <a:sym typeface="Open Sans"/>
-            </a:endParaRPr>
-          </a:p>
-          <a:p>
-            <a:pPr indent="-335280" lvl="0" marL="457200" rtl="0" algn="l">
-              <a:lnSpc>
-                <a:spcPct val="115000"/>
-              </a:lnSpc>
-              <a:spcBef>
-                <a:spcPts val="0"/>
-              </a:spcBef>
-              <a:spcAft>
-                <a:spcPts val="0"/>
-              </a:spcAft>
-              <a:buClr>
-                <a:schemeClr val="dk1"/>
-              </a:buClr>
-              <a:buSzPct val="100000"/>
-              <a:buFont typeface="Open Sans"/>
-              <a:buChar char="•"/>
-            </a:pPr>
-            <a:r>
-              <a:rPr lang="en-US" sz="2400">
-                <a:latin typeface="Open Sans"/>
-                <a:ea typeface="Open Sans"/>
-                <a:cs typeface="Open Sans"/>
-                <a:sym typeface="Open Sans"/>
-              </a:rPr>
-              <a:t>A crise asiática afeta os </a:t>
-            </a:r>
-            <a:r>
-              <a:rPr i="1" lang="en-US" sz="2400">
-                <a:latin typeface="Open Sans"/>
-                <a:ea typeface="Open Sans"/>
-                <a:cs typeface="Open Sans"/>
-                <a:sym typeface="Open Sans"/>
-              </a:rPr>
-              <a:t>New Asian Tigers</a:t>
-            </a:r>
-            <a:r>
-              <a:rPr lang="en-US" sz="2400">
-                <a:latin typeface="Open Sans"/>
-                <a:ea typeface="Open Sans"/>
-                <a:cs typeface="Open Sans"/>
-                <a:sym typeface="Open Sans"/>
-              </a:rPr>
-              <a:t> em 1997</a:t>
-            </a:r>
-            <a:endParaRPr sz="2400">
-              <a:latin typeface="Open Sans"/>
-              <a:ea typeface="Open Sans"/>
-              <a:cs typeface="Open Sans"/>
-              <a:sym typeface="Open Sans"/>
-            </a:endParaRPr>
-          </a:p>
-          <a:p>
-            <a:pPr indent="0" lvl="0" marL="406400" rtl="0" algn="l">
-              <a:lnSpc>
-                <a:spcPct val="115000"/>
-              </a:lnSpc>
-              <a:spcBef>
-                <a:spcPts val="0"/>
-              </a:spcBef>
-              <a:spcAft>
-                <a:spcPts val="0"/>
-              </a:spcAft>
-              <a:buNone/>
-            </a:pPr>
-            <a:r>
-              <a:t/>
-            </a:r>
-            <a:endParaRPr sz="2400">
-              <a:latin typeface="Open Sans"/>
-              <a:ea typeface="Open Sans"/>
-              <a:cs typeface="Open Sans"/>
-              <a:sym typeface="Open Sans"/>
-            </a:endParaRPr>
-          </a:p>
-          <a:p>
-            <a:pPr indent="-335280" lvl="0" marL="457200" rtl="0" algn="l">
-              <a:lnSpc>
-                <a:spcPct val="115000"/>
-              </a:lnSpc>
-              <a:spcBef>
-                <a:spcPts val="0"/>
-              </a:spcBef>
-              <a:spcAft>
-                <a:spcPts val="0"/>
-              </a:spcAft>
-              <a:buClr>
-                <a:schemeClr val="dk1"/>
-              </a:buClr>
-              <a:buSzPct val="100000"/>
-              <a:buFont typeface="Open Sans"/>
-              <a:buChar char="•"/>
-            </a:pPr>
-            <a:r>
-              <a:rPr lang="en-US" sz="2400">
-                <a:latin typeface="Open Sans"/>
-                <a:ea typeface="Open Sans"/>
-                <a:cs typeface="Open Sans"/>
-                <a:sym typeface="Open Sans"/>
-              </a:rPr>
-              <a:t>Como defender a economia de mercado e reduzir a pobreza se as soluções liberais aparentemente não dão resultado?</a:t>
+              <a:t>ecclesia</a:t>
             </a:r>
             <a:endParaRPr>
               <a:latin typeface="Open Sans"/>
@@ -15982,8 +19378,8 @@
         </p:blipFill>
         <p:spPr>
           <a:xfrm>
-            <a:off x="152400" y="6055824"/>
-            <a:ext cx="2164649" cy="649775"/>
+            <a:off x="152400" y="6013899"/>
+            <a:ext cx="2304373" cy="691700"/>
           </a:xfrm>
           <a:prstGeom prst="rect">
             <a:avLst/>
@@ -16070,7 +19466,7 @@
                 <a:cs typeface="Open Sans"/>
                 <a:sym typeface="Open Sans"/>
               </a:rPr>
-              <a:t>The Mystery of Capital</a:t>
+              <a:t>A Revolução Papal</a:t>
             </a:r>
             <a:endParaRPr>
               <a:latin typeface="Open Sans"/>
@@ -16104,11 +19500,11 @@
         </p:spPr>
         <p:txBody>
           <a:bodyPr anchorCtr="0" anchor="t" bIns="91425" lIns="91425" spcFirstLastPara="1" rIns="91425" wrap="square" tIns="91425">
-            <a:normAutofit fontScale="85000" lnSpcReduction="20000"/>
+            <a:normAutofit fontScale="92500" lnSpcReduction="20000"/>
           </a:bodyPr>
           <a:lstStyle/>
           <a:p>
-            <a:pPr indent="-358140" lvl="0" marL="457200" rtl="0" algn="l">
+            <a:pPr indent="-369570" lvl="0" marL="457200" rtl="0" algn="l">
               <a:lnSpc>
                 <a:spcPct val="115000"/>
               </a:lnSpc>
@@ -16132,7 +19528,7 @@
                 <a:cs typeface="Open Sans"/>
                 <a:sym typeface="Open Sans"/>
               </a:rPr>
-              <a:t>Hernando de Soto afirma que as cidades do Terceiro Mundo estão carregadas de </a:t>
+              <a:t>Papa Gregório promove uma verdadeira revolução jurídica em 1075 ao proclamar o seu </a:t>
             </a:r>
             <a:r>
               <a:rPr i="1" lang="en-US" sz="2400">
@@ -16141,56 +19537,8 @@
                 <a:cs typeface="Open Sans"/>
                 <a:sym typeface="Open Sans"/>
               </a:rPr>
-              <a:t>empreendedores</a:t>
-            </a:r>
-            <a:endParaRPr i="1" sz="2400">
-              <a:latin typeface="Open Sans"/>
-              <a:ea typeface="Open Sans"/>
-              <a:cs typeface="Open Sans"/>
-              <a:sym typeface="Open Sans"/>
-            </a:endParaRPr>
-          </a:p>
-          <a:p>
-            <a:pPr indent="0" lvl="0" marL="406400" rtl="0" algn="l">
-              <a:lnSpc>
-                <a:spcPct val="115000"/>
-              </a:lnSpc>
-              <a:spcBef>
-                <a:spcPts val="0"/>
-              </a:spcBef>
-              <a:spcAft>
-                <a:spcPts val="0"/>
-              </a:spcAft>
-              <a:buNone/>
-            </a:pPr>
-            <a:r>
-              <a:t/>
-            </a:r>
-            <a:endParaRPr i="1" sz="2400">
-              <a:latin typeface="Open Sans"/>
-              <a:ea typeface="Open Sans"/>
-              <a:cs typeface="Open Sans"/>
-              <a:sym typeface="Open Sans"/>
-            </a:endParaRPr>
-          </a:p>
-          <a:p>
-            <a:pPr indent="-358140" lvl="0" marL="457200" rtl="0" algn="l">
-              <a:lnSpc>
-                <a:spcPct val="115000"/>
-              </a:lnSpc>
-              <a:spcBef>
-                <a:spcPts val="0"/>
-              </a:spcBef>
-              <a:spcAft>
-                <a:spcPts val="0"/>
-              </a:spcAft>
-              <a:buClr>
-                <a:schemeClr val="dk1"/>
-              </a:buClr>
-              <a:buSzPct val="100000"/>
-              <a:buFont typeface="Open Sans"/>
-              <a:buChar char="•"/>
-            </a:pPr>
+              <a:t>Manifesto Papal</a:t>
+            </a:r>
             <a:r>
               <a:rPr lang="en-US" sz="2400">
                 <a:latin typeface="Open Sans"/>
@@ -16198,17 +19546,56 @@
                 <a:cs typeface="Open Sans"/>
                 <a:sym typeface="Open Sans"/>
               </a:rPr>
-              <a:t>É preciso </a:t>
-            </a:r>
-            <a:r>
-              <a:rPr i="1" lang="en-US" sz="2400">
-                <a:latin typeface="Open Sans"/>
-                <a:ea typeface="Open Sans"/>
-                <a:cs typeface="Open Sans"/>
-                <a:sym typeface="Open Sans"/>
-              </a:rPr>
-              <a:t>liberar</a:t>
-            </a:r>
+              <a:t> e buscar fundamentação no direito canônico para todos os seus artigos</a:t>
+            </a:r>
+            <a:endParaRPr sz="2400">
+              <a:latin typeface="Open Sans"/>
+              <a:ea typeface="Open Sans"/>
+              <a:cs typeface="Open Sans"/>
+              <a:sym typeface="Open Sans"/>
+            </a:endParaRPr>
+          </a:p>
+          <a:p>
+            <a:pPr indent="0" lvl="0" marL="406400" rtl="0" algn="l">
+              <a:lnSpc>
+                <a:spcPct val="115000"/>
+              </a:lnSpc>
+              <a:spcBef>
+                <a:spcPts val="0"/>
+              </a:spcBef>
+              <a:spcAft>
+                <a:spcPts val="0"/>
+              </a:spcAft>
+              <a:buNone/>
+            </a:pPr>
+            <a:r>
+              <a:t/>
+            </a:r>
+            <a:endParaRPr sz="2400">
+              <a:latin typeface="Open Sans"/>
+              <a:ea typeface="Open Sans"/>
+              <a:cs typeface="Open Sans"/>
+              <a:sym typeface="Open Sans"/>
+            </a:endParaRPr>
+          </a:p>
+          <a:p>
+            <a:pPr indent="-369570" lvl="0" marL="457200" rtl="0" algn="l">
+              <a:lnSpc>
+                <a:spcPct val="115000"/>
+              </a:lnSpc>
+              <a:spcBef>
+                <a:spcPts val="0"/>
+              </a:spcBef>
+              <a:spcAft>
+                <a:spcPts val="0"/>
+              </a:spcAft>
+              <a:buClr>
+                <a:schemeClr val="dk1"/>
+              </a:buClr>
+              <a:buSzPct val="100000"/>
+              <a:buFont typeface="Open Sans"/>
+              <a:buChar char="•"/>
+            </a:pPr>
             <a:r>
               <a:rPr lang="en-US" sz="2400">
                 <a:latin typeface="Open Sans"/>
@@ -16216,18 +19603,9 @@
                 <a:cs typeface="Open Sans"/>
                 <a:sym typeface="Open Sans"/>
               </a:rPr>
-              <a:t> o potencial dos pobres nos países em desenvolvimento, parar de tratá-los como um problema e entendê-los </a:t>
-            </a:r>
-            <a:r>
-              <a:rPr i="1" lang="en-US" sz="2400">
-                <a:latin typeface="Open Sans"/>
-                <a:ea typeface="Open Sans"/>
-                <a:cs typeface="Open Sans"/>
-                <a:sym typeface="Open Sans"/>
-              </a:rPr>
-              <a:t>como um asset</a:t>
-            </a:r>
-            <a:endParaRPr i="1" sz="2400">
+              <a:t>Depois de grandes disputas com senhores feudais, o Papa afirma sua posição de centralidade jurídica e afirma que a Igreja seria então “a corte de toda a Cristandade”</a:t>
+            </a:r>
+            <a:endParaRPr sz="2400">
               <a:latin typeface="Open Sans"/>
               <a:ea typeface="Open Sans"/>
               <a:cs typeface="Open Sans"/>
@@ -16250,7 +19628,7 @@
             <a:r>
               <a:t/>
             </a:r>
-            <a:endParaRPr i="1" sz="2400">
+            <a:endParaRPr sz="2400">
               <a:latin typeface="Open Sans"/>
               <a:ea typeface="Open Sans"/>
               <a:cs typeface="Open Sans"/>
@@ -16258,7 +19636,7 @@
             </a:endParaRPr>
           </a:p>
           <a:p>
-            <a:pPr indent="-358140" lvl="0" marL="457200" rtl="0" algn="l">
+            <a:pPr indent="-369570" lvl="0" marL="457200" rtl="0" algn="l">
               <a:lnSpc>
                 <a:spcPct val="115000"/>
               </a:lnSpc>
@@ -16282,100 +19660,7 @@
                 <a:cs typeface="Open Sans"/>
                 <a:sym typeface="Open Sans"/>
               </a:rPr>
-              <a:t>A poupança e o capital que os pobres </a:t>
-            </a:r>
-            <a:r>
-              <a:rPr i="1" lang="en-US" sz="2400">
-                <a:latin typeface="Open Sans"/>
-                <a:ea typeface="Open Sans"/>
-                <a:cs typeface="Open Sans"/>
-                <a:sym typeface="Open Sans"/>
-              </a:rPr>
-              <a:t>já</a:t>
-            </a:r>
-            <a:r>
-              <a:rPr lang="en-US" sz="2400">
-                <a:latin typeface="Open Sans"/>
-                <a:ea typeface="Open Sans"/>
-                <a:cs typeface="Open Sans"/>
-                <a:sym typeface="Open Sans"/>
-              </a:rPr>
-              <a:t> possuem são imensamente maiores e mais relevantes do que toda a ajuda internacional dada a estes países</a:t>
-            </a:r>
-            <a:endParaRPr sz="2400">
-              <a:latin typeface="Open Sans"/>
-              <a:ea typeface="Open Sans"/>
-              <a:cs typeface="Open Sans"/>
-              <a:sym typeface="Open Sans"/>
-            </a:endParaRPr>
-          </a:p>
-          <a:p>
-            <a:pPr indent="0" lvl="0" marL="406400" rtl="0" algn="l">
-              <a:lnSpc>
-                <a:spcPct val="115000"/>
-              </a:lnSpc>
-              <a:spcBef>
-                <a:spcPts val="0"/>
-              </a:spcBef>
-              <a:spcAft>
-                <a:spcPts val="0"/>
-              </a:spcAft>
-              <a:buNone/>
-            </a:pPr>
-            <a:r>
-              <a:t/>
-            </a:r>
-            <a:endParaRPr sz="2400">
-              <a:latin typeface="Open Sans"/>
-              <a:ea typeface="Open Sans"/>
-              <a:cs typeface="Open Sans"/>
-              <a:sym typeface="Open Sans"/>
-            </a:endParaRPr>
-          </a:p>
-          <a:p>
-            <a:pPr indent="-358140" lvl="0" marL="457200" rtl="0" algn="l">
-              <a:lnSpc>
-                <a:spcPct val="115000"/>
-              </a:lnSpc>
-              <a:spcBef>
-                <a:spcPts val="0"/>
-              </a:spcBef>
-              <a:spcAft>
-                <a:spcPts val="0"/>
-              </a:spcAft>
-              <a:buClr>
-                <a:schemeClr val="dk1"/>
-              </a:buClr>
-              <a:buSzPct val="100000"/>
-              <a:buFont typeface="Open Sans"/>
-              <a:buChar char="•"/>
-            </a:pPr>
-            <a:r>
-              <a:rPr lang="en-US" sz="2400">
-                <a:latin typeface="Open Sans"/>
-                <a:ea typeface="Open Sans"/>
-                <a:cs typeface="Open Sans"/>
-                <a:sym typeface="Open Sans"/>
-              </a:rPr>
-              <a:t>Exemplo: os pobres no Haiti possuem assets que são </a:t>
-            </a:r>
-            <a:r>
-              <a:rPr i="1" lang="en-US" sz="2400">
-                <a:latin typeface="Open Sans"/>
-                <a:ea typeface="Open Sans"/>
-                <a:cs typeface="Open Sans"/>
-                <a:sym typeface="Open Sans"/>
-              </a:rPr>
-              <a:t>150 vezes maiores</a:t>
-            </a:r>
-            <a:r>
-              <a:rPr lang="en-US" sz="2400">
-                <a:latin typeface="Open Sans"/>
-                <a:ea typeface="Open Sans"/>
-                <a:cs typeface="Open Sans"/>
-                <a:sym typeface="Open Sans"/>
-              </a:rPr>
-              <a:t> do que toda a assistência recebida do exterior</a:t>
+              <a:t>Os casos de maior relevância estariam todos a julgamento do Papa, que pessoalmente se responsabilizaria por dar-lhes uma decisão final</a:t>
             </a:r>
             <a:endParaRPr>
               <a:latin typeface="Open Sans"/>
@@ -16402,8 +19687,8 @@
         </p:blipFill>
         <p:spPr>
           <a:xfrm>
-            <a:off x="152400" y="6055824"/>
-            <a:ext cx="2164649" cy="649775"/>
+            <a:off x="152400" y="6013899"/>
+            <a:ext cx="2304373" cy="691700"/>
           </a:xfrm>
           <a:prstGeom prst="rect">
             <a:avLst/>
@@ -16490,7 +19775,7 @@
                 <a:cs typeface="Open Sans"/>
                 <a:sym typeface="Open Sans"/>
               </a:rPr>
-              <a:t>The Mystery of Capital</a:t>
+              <a:t>A Revolução Papal</a:t>
             </a:r>
             <a:endParaRPr>
               <a:latin typeface="Open Sans"/>
@@ -16524,7 +19809,7 @@
         </p:spPr>
         <p:txBody>
           <a:bodyPr anchorCtr="0" anchor="t" bIns="91425" lIns="91425" spcFirstLastPara="1" rIns="91425" wrap="square" tIns="91425">
-            <a:normAutofit fontScale="85000" lnSpcReduction="20000"/>
+            <a:normAutofit fontScale="85000" lnSpcReduction="10000"/>
           </a:bodyPr>
           <a:lstStyle/>
           <a:p>
@@ -16552,7 +19837,7 @@
                 <a:cs typeface="Open Sans"/>
                 <a:sym typeface="Open Sans"/>
               </a:rPr>
-              <a:t>Problema: não é fácil para os pobres mobilizarem este capital a seu favor</a:t>
+              <a:t>De acordo com Berman, a revolução papal foi:</a:t>
             </a:r>
             <a:endParaRPr sz="2400">
               <a:latin typeface="Open Sans"/>
@@ -16603,13 +19888,22 @@
               <a:buChar char="•"/>
             </a:pPr>
             <a:r>
+              <a:rPr i="1" lang="en-US" sz="2400">
+                <a:latin typeface="Open Sans"/>
+                <a:ea typeface="Open Sans"/>
+                <a:cs typeface="Open Sans"/>
+                <a:sym typeface="Open Sans"/>
+              </a:rPr>
+              <a:t>Total</a:t>
+            </a:r>
+            <a:r>
               <a:rPr lang="en-US" sz="2400">
                 <a:latin typeface="Open Sans"/>
                 <a:ea typeface="Open Sans"/>
                 <a:cs typeface="Open Sans"/>
                 <a:sym typeface="Open Sans"/>
               </a:rPr>
-              <a:t>E por que não? </a:t>
+              <a:t>: ela abarcou a política, com a transferência de poder para sua figura; a economia, como mediador das crescentes disputas comerciais; a intelectualidade, pois promoveu uma reorganização do ensino acadêmico até então e deu origem às primeiras universidades modernas</a:t>
             </a:r>
             <a:endParaRPr sz="2400">
               <a:latin typeface="Open Sans"/>
@@ -16660,79 +19954,22 @@
               <a:buChar char="•"/>
             </a:pPr>
             <a:r>
+              <a:rPr i="1" lang="en-US" sz="2400">
+                <a:latin typeface="Open Sans"/>
+                <a:ea typeface="Open Sans"/>
+                <a:cs typeface="Open Sans"/>
+                <a:sym typeface="Open Sans"/>
+              </a:rPr>
+              <a:t>Rápida e violenta</a:t>
+            </a:r>
+            <a:r>
               <a:rPr lang="en-US" sz="2400">
                 <a:latin typeface="Open Sans"/>
                 <a:ea typeface="Open Sans"/>
                 <a:cs typeface="Open Sans"/>
                 <a:sym typeface="Open Sans"/>
               </a:rPr>
-              <a:t>Para De Soto, a grande diferença entre os países ricos do Ocidente e o Terceiro Mundo é </a:t>
-            </a:r>
-            <a:r>
-              <a:rPr i="1" lang="en-US" sz="2400">
-                <a:latin typeface="Open Sans"/>
-                <a:ea typeface="Open Sans"/>
-                <a:cs typeface="Open Sans"/>
-                <a:sym typeface="Open Sans"/>
-              </a:rPr>
-              <a:t>a segurança do direito de propriedade</a:t>
-            </a:r>
-            <a:endParaRPr i="1" sz="2400">
-              <a:latin typeface="Open Sans"/>
-              <a:ea typeface="Open Sans"/>
-              <a:cs typeface="Open Sans"/>
-              <a:sym typeface="Open Sans"/>
-            </a:endParaRPr>
-          </a:p>
-          <a:p>
-            <a:pPr indent="0" lvl="0" marL="406400" rtl="0" algn="l">
-              <a:lnSpc>
-                <a:spcPct val="115000"/>
-              </a:lnSpc>
-              <a:spcBef>
-                <a:spcPts val="0"/>
-              </a:spcBef>
-              <a:spcAft>
-                <a:spcPts val="0"/>
-              </a:spcAft>
-              <a:buNone/>
-            </a:pPr>
-            <a:r>
-              <a:t/>
-            </a:r>
-            <a:endParaRPr i="1" sz="2400">
-              <a:latin typeface="Open Sans"/>
-              <a:ea typeface="Open Sans"/>
-              <a:cs typeface="Open Sans"/>
-              <a:sym typeface="Open Sans"/>
-            </a:endParaRPr>
-          </a:p>
-          <a:p>
-            <a:pPr indent="-358140" lvl="0" marL="457200" rtl="0" algn="l">
-              <a:lnSpc>
-                <a:spcPct val="115000"/>
-              </a:lnSpc>
-              <a:spcBef>
-                <a:spcPts val="0"/>
-              </a:spcBef>
-              <a:spcAft>
-                <a:spcPts val="0"/>
-              </a:spcAft>
-              <a:buClr>
-                <a:schemeClr val="dk1"/>
-              </a:buClr>
-              <a:buSzPct val="100000"/>
-              <a:buFont typeface="Open Sans"/>
-              <a:buChar char="•"/>
-            </a:pPr>
-            <a:r>
-              <a:rPr lang="en-US" sz="2400">
-                <a:latin typeface="Open Sans"/>
-                <a:ea typeface="Open Sans"/>
-                <a:cs typeface="Open Sans"/>
-                <a:sym typeface="Open Sans"/>
-              </a:rPr>
-              <a:t>Enquanto nos EUA a primeira fonte de um pequeno empreendedor é a hipoteca de sua casa ou o contrato de seu imóvel, os pobres estão impossibilitados de fazer o mesmo pois sua terra raramente é regularizada</a:t>
+              <a:t>: o papa buscou liberar a igreja das amarras do poder político local e conceder-lhe autonomia de decisão em todo o seu domínio. As cruzadas também aparecem, segundo o autor, como relacionadas a essa intenção</a:t>
             </a:r>
             <a:endParaRPr>
               <a:latin typeface="Open Sans"/>
@@ -16759,8 +19996,8 @@
         </p:blipFill>
         <p:spPr>
           <a:xfrm>
-            <a:off x="152400" y="6055824"/>
-            <a:ext cx="2164649" cy="649775"/>
+            <a:off x="152400" y="6013899"/>
+            <a:ext cx="2304373" cy="691700"/>
           </a:xfrm>
           <a:prstGeom prst="rect">
             <a:avLst/>
@@ -16847,7 +20084,7 @@
                 <a:cs typeface="Open Sans"/>
                 <a:sym typeface="Open Sans"/>
               </a:rPr>
-              <a:t>The Mystery of Capital</a:t>
+              <a:t>A Revolução Papal</a:t>
             </a:r>
             <a:endParaRPr>
               <a:latin typeface="Open Sans"/>
@@ -16909,56 +20146,8 @@
                 <a:cs typeface="Open Sans"/>
                 <a:sym typeface="Open Sans"/>
               </a:rPr>
-              <a:t>Os pobres têm coisas: mas eles não têm a posse legal das coisas para criar capital</a:t>
-            </a:r>
-            <a:endParaRPr i="1" sz="2400">
-              <a:latin typeface="Open Sans"/>
-              <a:ea typeface="Open Sans"/>
-              <a:cs typeface="Open Sans"/>
-              <a:sym typeface="Open Sans"/>
-            </a:endParaRPr>
-          </a:p>
-          <a:p>
-            <a:pPr indent="0" lvl="0" marL="406400" rtl="0" algn="l">
-              <a:lnSpc>
-                <a:spcPct val="115000"/>
-              </a:lnSpc>
-              <a:spcBef>
-                <a:spcPts val="0"/>
-              </a:spcBef>
-              <a:spcAft>
-                <a:spcPts val="0"/>
-              </a:spcAft>
-              <a:buNone/>
-            </a:pPr>
-            <a:r>
-              <a:t/>
-            </a:r>
-            <a:endParaRPr i="1" sz="2400">
-              <a:latin typeface="Open Sans"/>
-              <a:ea typeface="Open Sans"/>
-              <a:cs typeface="Open Sans"/>
-              <a:sym typeface="Open Sans"/>
-            </a:endParaRPr>
-          </a:p>
-          <a:p>
-            <a:pPr indent="-358140" lvl="0" marL="457200" rtl="0" algn="l">
-              <a:lnSpc>
-                <a:spcPct val="115000"/>
-              </a:lnSpc>
-              <a:spcBef>
-                <a:spcPts val="0"/>
-              </a:spcBef>
-              <a:spcAft>
-                <a:spcPts val="0"/>
-              </a:spcAft>
-              <a:buClr>
-                <a:schemeClr val="dk1"/>
-              </a:buClr>
-              <a:buSzPct val="100000"/>
-              <a:buFont typeface="Open Sans"/>
-              <a:buChar char="•"/>
-            </a:pPr>
+              <a:t>Duradoura</a:t>
+            </a:r>
             <a:r>
               <a:rPr lang="en-US" sz="2400">
                 <a:latin typeface="Open Sans"/>
@@ -16966,7 +20155,7 @@
                 <a:cs typeface="Open Sans"/>
                 <a:sym typeface="Open Sans"/>
               </a:rPr>
-              <a:t>Mais uma vez, a melhor forma de gerar riqueza para os países pobres é assegurar seu direito de propriedade</a:t>
+              <a:t>: a revolução teve longa duração e seus movimentos foram sentido por séculos, mas ela também levou algumas gerações para se consolidar</a:t>
             </a:r>
             <a:endParaRPr sz="2400">
               <a:latin typeface="Open Sans"/>
@@ -17023,7 +20212,25 @@
                 <a:cs typeface="Open Sans"/>
                 <a:sym typeface="Open Sans"/>
               </a:rPr>
-              <a:t>Curiosamente, De Soto afirma que a teoria econômica e os estudos de desenvolvimento deram pouca atenção ao problema da propriedade privada</a:t>
+              <a:t>Sua consequência mais profunda, afirma o autor, foi dar </a:t>
+            </a:r>
+            <a:r>
+              <a:rPr i="1" lang="en-US" sz="2400">
+                <a:latin typeface="Open Sans"/>
+                <a:ea typeface="Open Sans"/>
+                <a:cs typeface="Open Sans"/>
+                <a:sym typeface="Open Sans"/>
+              </a:rPr>
+              <a:t>origem ao sistema moderno de estados</a:t>
+            </a:r>
+            <a:r>
+              <a:rPr lang="en-US" sz="2400">
+                <a:latin typeface="Open Sans"/>
+                <a:ea typeface="Open Sans"/>
+                <a:cs typeface="Open Sans"/>
+                <a:sym typeface="Open Sans"/>
+              </a:rPr>
+              <a:t>, no qual a Igreja, paradoxalmente, foi o primeiro deles</a:t>
             </a:r>
             <a:endParaRPr sz="2400">
               <a:latin typeface="Open Sans"/>
@@ -17080,7 +20287,73 @@
                 <a:cs typeface="Open Sans"/>
                 <a:sym typeface="Open Sans"/>
               </a:rPr>
-              <a:t>Por ser um problema aparentemente resolvido há tempos, países do Ocidente não consideram a defesa da propriedade como uma política importante </a:t>
+              <a:t>A Igreja clamou para si as principais características do que hoje se convencionou chamar de estado moderno: dominação inconteste, hierarquia e independência</a:t>
+            </a:r>
+            <a:endParaRPr sz="2400">
+              <a:latin typeface="Open Sans"/>
+              <a:ea typeface="Open Sans"/>
+              <a:cs typeface="Open Sans"/>
+              <a:sym typeface="Open Sans"/>
+            </a:endParaRPr>
+          </a:p>
+          <a:p>
+            <a:pPr indent="0" lvl="0" marL="406400" rtl="0" algn="l">
+              <a:lnSpc>
+                <a:spcPct val="115000"/>
+              </a:lnSpc>
+              <a:spcBef>
+                <a:spcPts val="0"/>
+              </a:spcBef>
+              <a:spcAft>
+                <a:spcPts val="0"/>
+              </a:spcAft>
+              <a:buNone/>
+            </a:pPr>
+            <a:r>
+              <a:t/>
+            </a:r>
+            <a:endParaRPr sz="2400">
+              <a:latin typeface="Open Sans"/>
+              <a:ea typeface="Open Sans"/>
+              <a:cs typeface="Open Sans"/>
+              <a:sym typeface="Open Sans"/>
+            </a:endParaRPr>
+          </a:p>
+          <a:p>
+            <a:pPr indent="-358140" lvl="0" marL="457200" rtl="0" algn="l">
+              <a:lnSpc>
+                <a:spcPct val="115000"/>
+              </a:lnSpc>
+              <a:spcBef>
+                <a:spcPts val="0"/>
+              </a:spcBef>
+              <a:spcAft>
+                <a:spcPts val="0"/>
+              </a:spcAft>
+              <a:buClr>
+                <a:schemeClr val="dk1"/>
+              </a:buClr>
+              <a:buSzPct val="100000"/>
+              <a:buFont typeface="Open Sans"/>
+              <a:buChar char="•"/>
+            </a:pPr>
+            <a:r>
+              <a:rPr lang="en-US" sz="2400">
+                <a:latin typeface="Open Sans"/>
+                <a:ea typeface="Open Sans"/>
+                <a:cs typeface="Open Sans"/>
+                <a:sym typeface="Open Sans"/>
+              </a:rPr>
+              <a:t>Obviamente, o “estado” da Igreja não era </a:t>
+            </a:r>
+            <a:r>
+              <a:rPr i="1" lang="en-US" sz="2400">
+                <a:latin typeface="Open Sans"/>
+                <a:ea typeface="Open Sans"/>
+                <a:cs typeface="Open Sans"/>
+                <a:sym typeface="Open Sans"/>
+              </a:rPr>
+              <a:t>secular</a:t>
             </a:r>
             <a:endParaRPr>
               <a:latin typeface="Open Sans"/>
@@ -17107,8 +20380,8 @@
         </p:blipFill>
         <p:spPr>
           <a:xfrm>
-            <a:off x="152400" y="6055824"/>
-            <a:ext cx="2164649" cy="649775"/>
+            <a:off x="152400" y="6013899"/>
+            <a:ext cx="2304373" cy="691700"/>
           </a:xfrm>
           <a:prstGeom prst="rect">
             <a:avLst/>
@@ -17167,7 +20440,7 @@
         </p:spPr>
         <p:txBody>
           <a:bodyPr anchorCtr="0" anchor="ctr" bIns="91425" lIns="91425" spcFirstLastPara="1" rIns="91425" wrap="square" tIns="91425">
-            <a:normAutofit fontScale="90000"/>
+            <a:normAutofit/>
           </a:bodyPr>
           <a:lstStyle/>
           <a:p>
@@ -17189,15 +20462,15 @@
               <a:buNone/>
             </a:pPr>
             <a:r>
-              <a:rPr b="1" lang="en-US" sz="3600">
+              <a:rPr b="1" lang="en-US" sz="2940">
                 <a:latin typeface="Open Sans"/>
                 <a:ea typeface="Open Sans"/>
                 <a:cs typeface="Open Sans"/>
                 <a:sym typeface="Open Sans"/>
               </a:rPr>
-              <a:t>The Mystery of Missing Information</a:t>
-            </a:r>
-            <a:endParaRPr>
+              <a:t>O Surgimento do Sistema Jurídico Moderno</a:t>
+            </a:r>
+            <a:endParaRPr sz="3659">
               <a:latin typeface="Open Sans"/>
               <a:ea typeface="Open Sans"/>
               <a:cs typeface="Open Sans"/>
@@ -17257,7 +20530,7 @@
                 <a:cs typeface="Open Sans"/>
                 <a:sym typeface="Open Sans"/>
               </a:rPr>
-              <a:t>Boa parte dos indivíduos vive em situação de pobreza, mas isto não quer dizer que todos eles vivam em condições totalmente precárias</a:t>
+              <a:t>A primeira forma de direito moderno foi o direito canônico</a:t>
             </a:r>
             <a:endParaRPr sz="2400">
               <a:latin typeface="Open Sans"/>
@@ -17314,7 +20587,7 @@
                 <a:cs typeface="Open Sans"/>
                 <a:sym typeface="Open Sans"/>
               </a:rPr>
-              <a:t>Muitos dos pobres do mundo fazem pequenas poupanças, acumulam capital, realizam pequenos empreendimentos e são notáveis pessoas de negócio apesar das limitações</a:t>
+              <a:t>Com o passar dos séculos, a Igreja havia acumulado um grande número de leis, regulações e outros decretos que estavam subordinados à “lei maior” (a Bíblia) e aos escritos dos primeiros cristãos, mas que formavam entre si um conjunto jurídico descentralizado</a:t>
             </a:r>
             <a:endParaRPr sz="2400">
               <a:latin typeface="Open Sans"/>
@@ -17371,7 +20644,7 @@
                 <a:cs typeface="Open Sans"/>
                 <a:sym typeface="Open Sans"/>
               </a:rPr>
-              <a:t>Além disso, muitos dos pobres têm acesso a bens de consumo modernos que facilitam as trocas e a economia, como celulares, táxis, veículos de transporte, etc</a:t>
+              <a:t>A partir da Revolução Papal, concentra-se a produção do direito canônico e secular, o que trouxe uma progressiva racionalização das leis e de sua aplicação</a:t>
             </a:r>
             <a:endParaRPr>
               <a:latin typeface="Open Sans"/>
@@ -17398,8 +20671,8 @@
         </p:blipFill>
         <p:spPr>
           <a:xfrm>
-            <a:off x="152400" y="6055824"/>
-            <a:ext cx="2164649" cy="649775"/>
+            <a:off x="152400" y="6013899"/>
+            <a:ext cx="2304373" cy="691700"/>
           </a:xfrm>
           <a:prstGeom prst="rect">
             <a:avLst/>

--- a/sessoes-11-12/sessao-11.pptx
+++ b/sessoes-11-12/sessao-11.pptx
@@ -12267,7 +12267,7 @@
                 <a:cs typeface="Open Sans"/>
                 <a:sym typeface="Open Sans"/>
               </a:rPr>
-              <a:t>Instituições no Ocidente, Jusnaturalismo e Utilitarismo </a:t>
+              <a:t>Instituições no Ocidente </a:t>
             </a:r>
             <a:endParaRPr b="1" sz="3680">
               <a:latin typeface="Open Sans"/>
@@ -20692,6 +20692,285 @@
 </file>
 
 <file path=ppt/theme/theme1.xml><?xml version="1.0" encoding="utf-8"?>
+<a:theme xmlns:a="http://schemas.openxmlformats.org/drawingml/2006/main" xmlns:r="http://schemas.openxmlformats.org/officeDocument/2006/relationships" name="Custom Theme">
+  <a:themeElements>
+    <a:clrScheme name="Default">
+      <a:dk1>
+        <a:srgbClr val="000000"/>
+      </a:dk1>
+      <a:lt1>
+        <a:srgbClr val="FFFFFF"/>
+      </a:lt1>
+      <a:dk2>
+        <a:srgbClr val="158158"/>
+      </a:dk2>
+      <a:lt2>
+        <a:srgbClr val="F3F3F3"/>
+      </a:lt2>
+      <a:accent1>
+        <a:srgbClr val="058DC7"/>
+      </a:accent1>
+      <a:accent2>
+        <a:srgbClr val="50B432"/>
+      </a:accent2>
+      <a:accent3>
+        <a:srgbClr val="ED561B"/>
+      </a:accent3>
+      <a:accent4>
+        <a:srgbClr val="EDEF00"/>
+      </a:accent4>
+      <a:accent5>
+        <a:srgbClr val="24CBE5"/>
+      </a:accent5>
+      <a:accent6>
+        <a:srgbClr val="64E572"/>
+      </a:accent6>
+      <a:hlink>
+        <a:srgbClr val="2200CC"/>
+      </a:hlink>
+      <a:folHlink>
+        <a:srgbClr val="551A8B"/>
+      </a:folHlink>
+    </a:clrScheme>
+    <a:fontScheme name="Office">
+      <a:majorFont>
+        <a:latin typeface="Arial"/>
+        <a:ea typeface=""/>
+        <a:cs typeface=""/>
+        <a:font script="Jpan" typeface="ＭＳ Ｐゴシック"/>
+        <a:font script="Hang" typeface="맑은 고딕"/>
+        <a:font script="Hans" typeface="宋体"/>
+        <a:font script="Hant" typeface="新細明體"/>
+        <a:font script="Arab" typeface="Times New Roman"/>
+        <a:font script="Hebr" typeface="Times New Roman"/>
+        <a:font script="Thai" typeface="Angsana New"/>
+        <a:font script="Ethi" typeface="Nyala"/>
+        <a:font script="Beng" typeface="Vrinda"/>
+        <a:font script="Gujr" typeface="Shruti"/>
+        <a:font script="Khmr" typeface="MoolBoran"/>
+        <a:font script="Knda" typeface="Tunga"/>
+        <a:font script="Guru" typeface="Raavi"/>
+        <a:font script="Cans" typeface="Euphemia"/>
+        <a:font script="Cher" typeface="Plantagenet Cherokee"/>
+        <a:font script="Yiii" typeface="Microsoft Yi Baiti"/>
+        <a:font script="Tibt" typeface="Microsoft Himalaya"/>
+        <a:font script="Thaa" typeface="MV Boli"/>
+        <a:font script="Deva" typeface="Mangal"/>
+        <a:font script="Telu" typeface="Gautami"/>
+        <a:font script="Taml" typeface="Latha"/>
+        <a:font script="Syrc" typeface="Estrangelo Edessa"/>
+        <a:font script="Orya" typeface="Kalinga"/>
+        <a:font script="Mlym" typeface="Kartika"/>
+        <a:font script="Laoo" typeface="DokChampa"/>
+        <a:font script="Sinh" typeface="Iskoola Pota"/>
+        <a:font script="Mong" typeface="Mongolian Baiti"/>
+        <a:font script="Viet" typeface="Times New Roman"/>
+        <a:font script="Uigh" typeface="Microsoft Uighur"/>
+        <a:font script="Geor" typeface="Sylfaen"/>
+      </a:majorFont>
+      <a:minorFont>
+        <a:latin typeface="Arial"/>
+        <a:ea typeface=""/>
+        <a:cs typeface=""/>
+        <a:font script="Jpan" typeface="ＭＳ Ｐゴシック"/>
+        <a:font script="Hang" typeface="맑은 고딕"/>
+        <a:font script="Hans" typeface="宋体"/>
+        <a:font script="Hant" typeface="新細明體"/>
+        <a:font script="Arab" typeface="Arial"/>
+        <a:font script="Hebr" typeface="Arial"/>
+        <a:font script="Thai" typeface="Cordia New"/>
+        <a:font script="Ethi" typeface="Nyala"/>
+        <a:font script="Beng" typeface="Vrinda"/>
+        <a:font script="Gujr" typeface="Shruti"/>
+        <a:font script="Khmr" typeface="DaunPenh"/>
+        <a:font script="Knda" typeface="Tunga"/>
+        <a:font script="Guru" typeface="Raavi"/>
+        <a:font script="Cans" typeface="Euphemia"/>
+        <a:font script="Cher" typeface="Plantagenet Cherokee"/>
+        <a:font script="Yiii" typeface="Microsoft Yi Baiti"/>
+        <a:font script="Tibt" typeface="Microsoft Himalaya"/>
+        <a:font script="Thaa" typeface="MV Boli"/>
+        <a:font script="Deva" typeface="Mangal"/>
+        <a:font script="Telu" typeface="Gautami"/>
+        <a:font script="Taml" typeface="Latha"/>
+        <a:font script="Syrc" typeface="Estrangelo Edessa"/>
+        <a:font script="Orya" typeface="Kalinga"/>
+        <a:font script="Mlym" typeface="Kartika"/>
+        <a:font script="Laoo" typeface="DokChampa"/>
+        <a:font script="Sinh" typeface="Iskoola Pota"/>
+        <a:font script="Mong" typeface="Mongolian Baiti"/>
+        <a:font script="Viet" typeface="Arial"/>
+        <a:font script="Uigh" typeface="Microsoft Uighur"/>
+        <a:font script="Geor" typeface="Sylfaen"/>
+      </a:minorFont>
+    </a:fontScheme>
+    <a:fmtScheme name="Office">
+      <a:fillStyleLst>
+        <a:solidFill>
+          <a:schemeClr val="phClr"/>
+        </a:solidFill>
+        <a:gradFill rotWithShape="1">
+          <a:gsLst>
+            <a:gs pos="0">
+              <a:schemeClr val="phClr">
+                <a:tint val="50000"/>
+                <a:satMod val="300000"/>
+              </a:schemeClr>
+            </a:gs>
+            <a:gs pos="35000">
+              <a:schemeClr val="phClr">
+                <a:tint val="37000"/>
+                <a:satMod val="300000"/>
+              </a:schemeClr>
+            </a:gs>
+            <a:gs pos="100000">
+              <a:schemeClr val="phClr">
+                <a:tint val="15000"/>
+                <a:satMod val="350000"/>
+              </a:schemeClr>
+            </a:gs>
+          </a:gsLst>
+          <a:lin ang="16200000" scaled="1"/>
+        </a:gradFill>
+        <a:gradFill rotWithShape="1">
+          <a:gsLst>
+            <a:gs pos="0">
+              <a:schemeClr val="phClr">
+                <a:tint val="100000"/>
+                <a:shade val="100000"/>
+                <a:satMod val="130000"/>
+              </a:schemeClr>
+            </a:gs>
+            <a:gs pos="100000">
+              <a:schemeClr val="phClr">
+                <a:tint val="50000"/>
+                <a:shade val="100000"/>
+                <a:satMod val="350000"/>
+              </a:schemeClr>
+            </a:gs>
+          </a:gsLst>
+          <a:lin ang="16200000" scaled="0"/>
+        </a:gradFill>
+      </a:fillStyleLst>
+      <a:lnStyleLst>
+        <a:ln w="9525" cap="flat" cmpd="sng" algn="ctr">
+          <a:solidFill>
+            <a:schemeClr val="phClr">
+              <a:shade val="95000"/>
+              <a:satMod val="105000"/>
+            </a:schemeClr>
+          </a:solidFill>
+          <a:prstDash val="solid"/>
+        </a:ln>
+        <a:ln w="25400" cap="flat" cmpd="sng" algn="ctr">
+          <a:solidFill>
+            <a:schemeClr val="phClr"/>
+          </a:solidFill>
+          <a:prstDash val="solid"/>
+        </a:ln>
+        <a:ln w="38100" cap="flat" cmpd="sng" algn="ctr">
+          <a:solidFill>
+            <a:schemeClr val="phClr"/>
+          </a:solidFill>
+          <a:prstDash val="solid"/>
+        </a:ln>
+      </a:lnStyleLst>
+      <a:effectStyleLst>
+        <a:effectStyle>
+          <a:effectLst>
+            <a:outerShdw blurRad="40000" dist="20000" dir="5400000" rotWithShape="0">
+              <a:srgbClr val="000000">
+                <a:alpha val="38000"/>
+              </a:srgbClr>
+            </a:outerShdw>
+          </a:effectLst>
+        </a:effectStyle>
+        <a:effectStyle>
+          <a:effectLst>
+            <a:outerShdw blurRad="40000" dist="23000" dir="5400000" rotWithShape="0">
+              <a:srgbClr val="000000">
+                <a:alpha val="35000"/>
+              </a:srgbClr>
+            </a:outerShdw>
+          </a:effectLst>
+        </a:effectStyle>
+        <a:effectStyle>
+          <a:effectLst>
+            <a:outerShdw blurRad="40000" dist="23000" dir="5400000" rotWithShape="0">
+              <a:srgbClr val="000000">
+                <a:alpha val="35000"/>
+              </a:srgbClr>
+            </a:outerShdw>
+          </a:effectLst>
+          <a:scene3d>
+            <a:camera prst="orthographicFront">
+              <a:rot lat="0" lon="0" rev="0"/>
+            </a:camera>
+            <a:lightRig rig="threePt" dir="t">
+              <a:rot lat="0" lon="0" rev="1200000"/>
+            </a:lightRig>
+          </a:scene3d>
+          <a:sp3d>
+            <a:bevelT w="63500" h="25400"/>
+          </a:sp3d>
+        </a:effectStyle>
+      </a:effectStyleLst>
+      <a:bgFillStyleLst>
+        <a:solidFill>
+          <a:schemeClr val="phClr"/>
+        </a:solidFill>
+        <a:gradFill rotWithShape="1">
+          <a:gsLst>
+            <a:gs pos="0">
+              <a:schemeClr val="phClr">
+                <a:tint val="40000"/>
+                <a:satMod val="350000"/>
+              </a:schemeClr>
+            </a:gs>
+            <a:gs pos="40000">
+              <a:schemeClr val="phClr">
+                <a:tint val="45000"/>
+                <a:shade val="99000"/>
+                <a:satMod val="350000"/>
+              </a:schemeClr>
+            </a:gs>
+            <a:gs pos="100000">
+              <a:schemeClr val="phClr">
+                <a:shade val="20000"/>
+                <a:satMod val="255000"/>
+              </a:schemeClr>
+            </a:gs>
+          </a:gsLst>
+          <a:path path="circle">
+            <a:fillToRect l="50000" t="-80000" r="50000" b="180000"/>
+          </a:path>
+        </a:gradFill>
+        <a:gradFill rotWithShape="1">
+          <a:gsLst>
+            <a:gs pos="0">
+              <a:schemeClr val="phClr">
+                <a:tint val="80000"/>
+                <a:satMod val="300000"/>
+              </a:schemeClr>
+            </a:gs>
+            <a:gs pos="100000">
+              <a:schemeClr val="phClr">
+                <a:shade val="30000"/>
+                <a:satMod val="200000"/>
+              </a:schemeClr>
+            </a:gs>
+          </a:gsLst>
+          <a:path path="circle">
+            <a:fillToRect l="50000" t="50000" r="50000" b="50000"/>
+          </a:path>
+        </a:gradFill>
+      </a:bgFillStyleLst>
+    </a:fmtScheme>
+  </a:themeElements>
+</a:theme>
+</file>
+
+<file path=ppt/theme/theme2.xml><?xml version="1.0" encoding="utf-8"?>
 <a:theme xmlns:a="http://schemas.openxmlformats.org/drawingml/2006/main" xmlns:r="http://schemas.openxmlformats.org/officeDocument/2006/relationships" name="Simple Light">
   <a:themeElements>
     <a:clrScheme name="Simple Light">
@@ -20968,283 +21247,4 @@
     </a:fmtScheme>
   </a:themeElements>
 </a:theme>
-</file>
-
-<file path=ppt/theme/theme2.xml><?xml version="1.0" encoding="utf-8"?>
-<a:theme xmlns:a="http://schemas.openxmlformats.org/drawingml/2006/main" xmlns:r="http://schemas.openxmlformats.org/officeDocument/2006/relationships" name="Custom Theme">
-  <a:themeElements>
-    <a:clrScheme name="Default">
-      <a:dk1>
-        <a:srgbClr val="000000"/>
-      </a:dk1>
-      <a:lt1>
-        <a:srgbClr val="FFFFFF"/>
-      </a:lt1>
-      <a:dk2>
-        <a:srgbClr val="158158"/>
-      </a:dk2>
-      <a:lt2>
-        <a:srgbClr val="F3F3F3"/>
-      </a:lt2>
-      <a:accent1>
-        <a:srgbClr val="058DC7"/>
-      </a:accent1>
-      <a:accent2>
-        <a:srgbClr val="50B432"/>
-      </a:accent2>
-      <a:accent3>
-        <a:srgbClr val="ED561B"/>
-      </a:accent3>
-      <a:accent4>
-        <a:srgbClr val="EDEF00"/>
-      </a:accent4>
-      <a:accent5>
-        <a:srgbClr val="24CBE5"/>
-      </a:accent5>
-      <a:accent6>
-        <a:srgbClr val="64E572"/>
-      </a:accent6>
-      <a:hlink>
-        <a:srgbClr val="2200CC"/>
-      </a:hlink>
-      <a:folHlink>
-        <a:srgbClr val="551A8B"/>
-      </a:folHlink>
-    </a:clrScheme>
-    <a:fontScheme name="Office">
-      <a:majorFont>
-        <a:latin typeface="Arial"/>
-        <a:ea typeface=""/>
-        <a:cs typeface=""/>
-        <a:font script="Jpan" typeface="ＭＳ Ｐゴシック"/>
-        <a:font script="Hang" typeface="맑은 고딕"/>
-        <a:font script="Hans" typeface="宋体"/>
-        <a:font script="Hant" typeface="新細明體"/>
-        <a:font script="Arab" typeface="Times New Roman"/>
-        <a:font script="Hebr" typeface="Times New Roman"/>
-        <a:font script="Thai" typeface="Angsana New"/>
-        <a:font script="Ethi" typeface="Nyala"/>
-        <a:font script="Beng" typeface="Vrinda"/>
-        <a:font script="Gujr" typeface="Shruti"/>
-        <a:font script="Khmr" typeface="MoolBoran"/>
-        <a:font script="Knda" typeface="Tunga"/>
-        <a:font script="Guru" typeface="Raavi"/>
-        <a:font script="Cans" typeface="Euphemia"/>
-        <a:font script="Cher" typeface="Plantagenet Cherokee"/>
-        <a:font script="Yiii" typeface="Microsoft Yi Baiti"/>
-        <a:font script="Tibt" typeface="Microsoft Himalaya"/>
-        <a:font script="Thaa" typeface="MV Boli"/>
-        <a:font script="Deva" typeface="Mangal"/>
-        <a:font script="Telu" typeface="Gautami"/>
-        <a:font script="Taml" typeface="Latha"/>
-        <a:font script="Syrc" typeface="Estrangelo Edessa"/>
-        <a:font script="Orya" typeface="Kalinga"/>
-        <a:font script="Mlym" typeface="Kartika"/>
-        <a:font script="Laoo" typeface="DokChampa"/>
-        <a:font script="Sinh" typeface="Iskoola Pota"/>
-        <a:font script="Mong" typeface="Mongolian Baiti"/>
-        <a:font script="Viet" typeface="Times New Roman"/>
-        <a:font script="Uigh" typeface="Microsoft Uighur"/>
-        <a:font script="Geor" typeface="Sylfaen"/>
-      </a:majorFont>
-      <a:minorFont>
-        <a:latin typeface="Arial"/>
-        <a:ea typeface=""/>
-        <a:cs typeface=""/>
-        <a:font script="Jpan" typeface="ＭＳ Ｐゴシック"/>
-        <a:font script="Hang" typeface="맑은 고딕"/>
-        <a:font script="Hans" typeface="宋体"/>
-        <a:font script="Hant" typeface="新細明體"/>
-        <a:font script="Arab" typeface="Arial"/>
-        <a:font script="Hebr" typeface="Arial"/>
-        <a:font script="Thai" typeface="Cordia New"/>
-        <a:font script="Ethi" typeface="Nyala"/>
-        <a:font script="Beng" typeface="Vrinda"/>
-        <a:font script="Gujr" typeface="Shruti"/>
-        <a:font script="Khmr" typeface="DaunPenh"/>
-        <a:font script="Knda" typeface="Tunga"/>
-        <a:font script="Guru" typeface="Raavi"/>
-        <a:font script="Cans" typeface="Euphemia"/>
-        <a:font script="Cher" typeface="Plantagenet Cherokee"/>
-        <a:font script="Yiii" typeface="Microsoft Yi Baiti"/>
-        <a:font script="Tibt" typeface="Microsoft Himalaya"/>
-        <a:font script="Thaa" typeface="MV Boli"/>
-        <a:font script="Deva" typeface="Mangal"/>
-        <a:font script="Telu" typeface="Gautami"/>
-        <a:font script="Taml" typeface="Latha"/>
-        <a:font script="Syrc" typeface="Estrangelo Edessa"/>
-        <a:font script="Orya" typeface="Kalinga"/>
-        <a:font script="Mlym" typeface="Kartika"/>
-        <a:font script="Laoo" typeface="DokChampa"/>
-        <a:font script="Sinh" typeface="Iskoola Pota"/>
-        <a:font script="Mong" typeface="Mongolian Baiti"/>
-        <a:font script="Viet" typeface="Arial"/>
-        <a:font script="Uigh" typeface="Microsoft Uighur"/>
-        <a:font script="Geor" typeface="Sylfaen"/>
-      </a:minorFont>
-    </a:fontScheme>
-    <a:fmtScheme name="Office">
-      <a:fillStyleLst>
-        <a:solidFill>
-          <a:schemeClr val="phClr"/>
-        </a:solidFill>
-        <a:gradFill rotWithShape="1">
-          <a:gsLst>
-            <a:gs pos="0">
-              <a:schemeClr val="phClr">
-                <a:tint val="50000"/>
-                <a:satMod val="300000"/>
-              </a:schemeClr>
-            </a:gs>
-            <a:gs pos="35000">
-              <a:schemeClr val="phClr">
-                <a:tint val="37000"/>
-                <a:satMod val="300000"/>
-              </a:schemeClr>
-            </a:gs>
-            <a:gs pos="100000">
-              <a:schemeClr val="phClr">
-                <a:tint val="15000"/>
-                <a:satMod val="350000"/>
-              </a:schemeClr>
-            </a:gs>
-          </a:gsLst>
-          <a:lin ang="16200000" scaled="1"/>
-        </a:gradFill>
-        <a:gradFill rotWithShape="1">
-          <a:gsLst>
-            <a:gs pos="0">
-              <a:schemeClr val="phClr">
-                <a:tint val="100000"/>
-                <a:shade val="100000"/>
-                <a:satMod val="130000"/>
-              </a:schemeClr>
-            </a:gs>
-            <a:gs pos="100000">
-              <a:schemeClr val="phClr">
-                <a:tint val="50000"/>
-                <a:shade val="100000"/>
-                <a:satMod val="350000"/>
-              </a:schemeClr>
-            </a:gs>
-          </a:gsLst>
-          <a:lin ang="16200000" scaled="0"/>
-        </a:gradFill>
-      </a:fillStyleLst>
-      <a:lnStyleLst>
-        <a:ln w="9525" cap="flat" cmpd="sng" algn="ctr">
-          <a:solidFill>
-            <a:schemeClr val="phClr">
-              <a:shade val="95000"/>
-              <a:satMod val="105000"/>
-            </a:schemeClr>
-          </a:solidFill>
-          <a:prstDash val="solid"/>
-        </a:ln>
-        <a:ln w="25400" cap="flat" cmpd="sng" algn="ctr">
-          <a:solidFill>
-            <a:schemeClr val="phClr"/>
-          </a:solidFill>
-          <a:prstDash val="solid"/>
-        </a:ln>
-        <a:ln w="38100" cap="flat" cmpd="sng" algn="ctr">
-          <a:solidFill>
-            <a:schemeClr val="phClr"/>
-          </a:solidFill>
-          <a:prstDash val="solid"/>
-        </a:ln>
-      </a:lnStyleLst>
-      <a:effectStyleLst>
-        <a:effectStyle>
-          <a:effectLst>
-            <a:outerShdw blurRad="40000" dist="20000" dir="5400000" rotWithShape="0">
-              <a:srgbClr val="000000">
-                <a:alpha val="38000"/>
-              </a:srgbClr>
-            </a:outerShdw>
-          </a:effectLst>
-        </a:effectStyle>
-        <a:effectStyle>
-          <a:effectLst>
-            <a:outerShdw blurRad="40000" dist="23000" dir="5400000" rotWithShape="0">
-              <a:srgbClr val="000000">
-                <a:alpha val="35000"/>
-              </a:srgbClr>
-            </a:outerShdw>
-          </a:effectLst>
-        </a:effectStyle>
-        <a:effectStyle>
-          <a:effectLst>
-            <a:outerShdw blurRad="40000" dist="23000" dir="5400000" rotWithShape="0">
-              <a:srgbClr val="000000">
-                <a:alpha val="35000"/>
-              </a:srgbClr>
-            </a:outerShdw>
-          </a:effectLst>
-          <a:scene3d>
-            <a:camera prst="orthographicFront">
-              <a:rot lat="0" lon="0" rev="0"/>
-            </a:camera>
-            <a:lightRig rig="threePt" dir="t">
-              <a:rot lat="0" lon="0" rev="1200000"/>
-            </a:lightRig>
-          </a:scene3d>
-          <a:sp3d>
-            <a:bevelT w="63500" h="25400"/>
-          </a:sp3d>
-        </a:effectStyle>
-      </a:effectStyleLst>
-      <a:bgFillStyleLst>
-        <a:solidFill>
-          <a:schemeClr val="phClr"/>
-        </a:solidFill>
-        <a:gradFill rotWithShape="1">
-          <a:gsLst>
-            <a:gs pos="0">
-              <a:schemeClr val="phClr">
-                <a:tint val="40000"/>
-                <a:satMod val="350000"/>
-              </a:schemeClr>
-            </a:gs>
-            <a:gs pos="40000">
-              <a:schemeClr val="phClr">
-                <a:tint val="45000"/>
-                <a:shade val="99000"/>
-                <a:satMod val="350000"/>
-              </a:schemeClr>
-            </a:gs>
-            <a:gs pos="100000">
-              <a:schemeClr val="phClr">
-                <a:shade val="20000"/>
-                <a:satMod val="255000"/>
-              </a:schemeClr>
-            </a:gs>
-          </a:gsLst>
-          <a:path path="circle">
-            <a:fillToRect l="50000" t="-80000" r="50000" b="180000"/>
-          </a:path>
-        </a:gradFill>
-        <a:gradFill rotWithShape="1">
-          <a:gsLst>
-            <a:gs pos="0">
-              <a:schemeClr val="phClr">
-                <a:tint val="80000"/>
-                <a:satMod val="300000"/>
-              </a:schemeClr>
-            </a:gs>
-            <a:gs pos="100000">
-              <a:schemeClr val="phClr">
-                <a:shade val="30000"/>
-                <a:satMod val="200000"/>
-              </a:schemeClr>
-            </a:gs>
-          </a:gsLst>
-          <a:path path="circle">
-            <a:fillToRect l="50000" t="50000" r="50000" b="50000"/>
-          </a:path>
-        </a:gradFill>
-      </a:bgFillStyleLst>
-    </a:fmtScheme>
-  </a:themeElements>
-</a:theme>
 </file>